--- a/Slides/Lesson 9.2 A Case Study - Space  Invaders.pptx
+++ b/Slides/Lesson 9.2 A Case Study - Space  Invaders.pptx
@@ -5,7 +5,7 @@
     <p:sldMasterId id="2147483661" r:id="rId1"/>
   </p:sldMasterIdLst>
   <p:notesMasterIdLst>
-    <p:notesMasterId r:id="rId26"/>
+    <p:notesMasterId r:id="rId34"/>
   </p:notesMasterIdLst>
   <p:sldIdLst>
     <p:sldId id="256" r:id="rId2"/>
@@ -30,13 +30,21 @@
     <p:sldId id="370" r:id="rId21"/>
     <p:sldId id="372" r:id="rId22"/>
     <p:sldId id="373" r:id="rId23"/>
-    <p:sldId id="272" r:id="rId24"/>
-    <p:sldId id="354" r:id="rId25"/>
+    <p:sldId id="376" r:id="rId24"/>
+    <p:sldId id="377" r:id="rId25"/>
+    <p:sldId id="378" r:id="rId26"/>
+    <p:sldId id="384" r:id="rId27"/>
+    <p:sldId id="379" r:id="rId28"/>
+    <p:sldId id="380" r:id="rId29"/>
+    <p:sldId id="381" r:id="rId30"/>
+    <p:sldId id="382" r:id="rId31"/>
+    <p:sldId id="272" r:id="rId32"/>
+    <p:sldId id="354" r:id="rId33"/>
   </p:sldIdLst>
   <p:sldSz cx="9144000" cy="6858000" type="screen4x3"/>
   <p:notesSz cx="6858000" cy="9144000"/>
   <p:custDataLst>
-    <p:tags r:id="rId27"/>
+    <p:tags r:id="rId35"/>
   </p:custDataLst>
   <p:defaultTextStyle>
     <a:defPPr>
@@ -234,7 +242,7 @@
           <a:p>
             <a:fld id="{36D53524-F9CC-4A8B-8CCD-2FA372311425}" type="datetimeFigureOut">
               <a:rPr lang="en-US" smtClean="0"/>
-              <a:t>10/23/2015</a:t>
+              <a:t>10/31/2015</a:t>
             </a:fld>
             <a:endParaRPr lang="en-US"/>
           </a:p>
@@ -767,7 +775,7 @@
           <a:p>
             <a:fld id="{2F1F79F5-7BEC-496A-AFC7-876E38F64D71}" type="datetime1">
               <a:rPr lang="en-US" smtClean="0"/>
-              <a:t>10/23/2015</a:t>
+              <a:t>10/31/2015</a:t>
             </a:fld>
             <a:endParaRPr lang="en-US"/>
           </a:p>
@@ -892,7 +900,7 @@
           <a:p>
             <a:fld id="{2F7B77F5-1464-4F6B-92A8-64FC8A508293}" type="datetime1">
               <a:rPr lang="en-US" smtClean="0"/>
-              <a:t>10/23/2015</a:t>
+              <a:t>10/31/2015</a:t>
             </a:fld>
             <a:endParaRPr lang="en-US"/>
           </a:p>
@@ -994,7 +1002,7 @@
           <a:p>
             <a:fld id="{0A05703A-7669-4FEA-9056-25299B4D29D4}" type="datetime1">
               <a:rPr lang="en-US" smtClean="0"/>
-              <a:t>10/23/2015</a:t>
+              <a:t>10/31/2015</a:t>
             </a:fld>
             <a:endParaRPr lang="en-US"/>
           </a:p>
@@ -1271,7 +1279,7 @@
           <a:p>
             <a:fld id="{6E5077B5-BB57-49DB-88CA-226A139E5C01}" type="datetime1">
               <a:rPr lang="en-US" smtClean="0"/>
-              <a:t>10/23/2015</a:t>
+              <a:t>10/31/2015</a:t>
             </a:fld>
             <a:endParaRPr lang="en-US"/>
           </a:p>
@@ -1524,7 +1532,7 @@
           <a:p>
             <a:fld id="{C48D9447-CBD6-49A1-89FD-8512A8CF8999}" type="datetime1">
               <a:rPr lang="en-US" smtClean="0"/>
-              <a:t>10/23/2015</a:t>
+              <a:t>10/31/2015</a:t>
             </a:fld>
             <a:endParaRPr lang="en-US"/>
           </a:p>
@@ -1694,7 +1702,7 @@
           <a:p>
             <a:fld id="{A3639A2A-823D-48B7-9ACE-7FAF42870BA9}" type="datetime1">
               <a:rPr lang="en-US" smtClean="0"/>
-              <a:t>10/23/2015</a:t>
+              <a:t>10/31/2015</a:t>
             </a:fld>
             <a:endParaRPr lang="en-US"/>
           </a:p>
@@ -1874,7 +1882,7 @@
           <a:p>
             <a:fld id="{ED1B6996-82E9-463C-972C-7B56056E426C}" type="datetime1">
               <a:rPr lang="en-US" smtClean="0"/>
-              <a:t>10/23/2015</a:t>
+              <a:t>10/31/2015</a:t>
             </a:fld>
             <a:endParaRPr lang="en-US"/>
           </a:p>
@@ -2170,7 +2178,7 @@
           <a:p>
             <a:fld id="{5D1846AD-9252-4647-9435-4C2AC365653A}" type="datetime1">
               <a:rPr lang="en-US" smtClean="0"/>
-              <a:t>10/23/2015</a:t>
+              <a:t>10/31/2015</a:t>
             </a:fld>
             <a:endParaRPr lang="en-US"/>
           </a:p>
@@ -2346,7 +2354,7 @@
           <a:p>
             <a:fld id="{E22ED4DA-448D-4BB1-B935-CC112220207B}" type="datetime1">
               <a:rPr lang="en-US" smtClean="0"/>
-              <a:t>10/23/2015</a:t>
+              <a:t>10/31/2015</a:t>
             </a:fld>
             <a:endParaRPr lang="en-US"/>
           </a:p>
@@ -2528,7 +2536,7 @@
           <a:p>
             <a:fld id="{E22ED4DA-448D-4BB1-B935-CC112220207B}" type="datetime1">
               <a:rPr lang="en-US" smtClean="0"/>
-              <a:t>10/23/2015</a:t>
+              <a:t>10/31/2015</a:t>
             </a:fld>
             <a:endParaRPr lang="en-US"/>
           </a:p>
@@ -2797,7 +2805,7 @@
           <a:p>
             <a:fld id="{FF5D65A6-AB94-4435-B0B7-3743215FA46C}" type="datetime1">
               <a:rPr lang="en-US" smtClean="0"/>
-              <a:t>10/23/2015</a:t>
+              <a:t>10/31/2015</a:t>
             </a:fld>
             <a:endParaRPr lang="en-US"/>
           </a:p>
@@ -2982,7 +2990,7 @@
           <a:p>
             <a:fld id="{FF5D65A6-AB94-4435-B0B7-3743215FA46C}" type="datetime1">
               <a:rPr lang="en-US" smtClean="0"/>
-              <a:t>10/23/2015</a:t>
+              <a:t>10/31/2015</a:t>
             </a:fld>
             <a:endParaRPr lang="en-US"/>
           </a:p>
@@ -3284,7 +3292,7 @@
           <a:p>
             <a:fld id="{7C193DC4-6EF0-48C9-B29C-616106A645E1}" type="datetime1">
               <a:rPr lang="en-US" smtClean="0"/>
-              <a:t>10/23/2015</a:t>
+              <a:t>10/31/2015</a:t>
             </a:fld>
             <a:endParaRPr lang="en-US"/>
           </a:p>
@@ -3572,7 +3580,7 @@
           <a:p>
             <a:fld id="{5D1846AD-9252-4647-9435-4C2AC365653A}" type="datetime1">
               <a:rPr lang="en-US" smtClean="0"/>
-              <a:t>10/23/2015</a:t>
+              <a:t>10/31/2015</a:t>
             </a:fld>
             <a:endParaRPr lang="en-US"/>
           </a:p>
@@ -3994,7 +4002,7 @@
           <a:p>
             <a:fld id="{CE56DC10-3561-4063-A6AF-C1CC7A41040A}" type="datetime1">
               <a:rPr lang="en-US" smtClean="0"/>
-              <a:t>10/23/2015</a:t>
+              <a:t>10/31/2015</a:t>
             </a:fld>
             <a:endParaRPr lang="en-US"/>
           </a:p>
@@ -4219,7 +4227,7 @@
           <a:p>
             <a:fld id="{02B3F677-983B-48DB-ADFD-63FE6CBC7FB2}" type="datetime1">
               <a:rPr lang="en-US" smtClean="0"/>
-              <a:t>10/23/2015</a:t>
+              <a:t>10/31/2015</a:t>
             </a:fld>
             <a:endParaRPr lang="en-US"/>
           </a:p>
@@ -4778,7 +4786,6 @@
                 <a:rPr lang="en-US" sz="1000" dirty="0" smtClean="0"/>
                 <a:t>2012-2015</a:t>
               </a:r>
-              <a:endParaRPr lang="en-US" sz="1000" dirty="0" smtClean="0"/>
             </a:p>
             <a:p>
               <a:r>
@@ -4943,32 +4950,23 @@
             </a:r>
             <a:r>
               <a:rPr lang="en-US" dirty="0" smtClean="0"/>
-              <a:t> to </a:t>
-            </a:r>
-            <a:r>
-              <a:rPr lang="en-US" dirty="0" smtClean="0"/>
-              <a:t>do cases on the mouse event and send the appropriate message to each widget</a:t>
-            </a:r>
-            <a:r>
-              <a:rPr lang="en-US" dirty="0" smtClean="0"/>
-              <a:t>.</a:t>
+              <a:t> to do cases on the mouse event and send the appropriate message to each widget.</a:t>
             </a:r>
           </a:p>
           <a:p>
             <a:pPr lvl="3"/>
             <a:r>
-              <a:rPr lang="en-US" dirty="0" smtClean="0"/>
+              <a:rPr lang="en-US" sz="2600" dirty="0" smtClean="0"/>
               <a:t>this is sometimes called “</a:t>
             </a:r>
             <a:r>
-              <a:rPr lang="en-US" dirty="0" err="1" smtClean="0"/>
+              <a:rPr lang="en-US" sz="2600" dirty="0" err="1" smtClean="0"/>
               <a:t>demultiplexing</a:t>
             </a:r>
             <a:r>
-              <a:rPr lang="en-US" dirty="0" smtClean="0"/>
+              <a:rPr lang="en-US" sz="2600" dirty="0" smtClean="0"/>
               <a:t>”.</a:t>
             </a:r>
-            <a:endParaRPr lang="en-US" dirty="0" smtClean="0"/>
           </a:p>
           <a:p>
             <a:pPr lvl="1"/>
@@ -6237,15 +6235,7 @@
                   <a:schemeClr val="tx1"/>
                 </a:solidFill>
               </a:rPr>
-              <a:t>Nothing exciting </a:t>
-            </a:r>
-            <a:r>
-              <a:rPr lang="en-US" dirty="0" smtClean="0">
-                <a:solidFill>
-                  <a:schemeClr val="tx1"/>
-                </a:solidFill>
-              </a:rPr>
-              <a:t>here.  We put a time component in the </a:t>
+              <a:t>Nothing exciting here.  We put a time component in the </a:t>
             </a:r>
             <a:r>
               <a:rPr lang="en-US" dirty="0" err="1" smtClean="0">
@@ -6378,7 +6368,15 @@
           <a:p>
             <a:r>
               <a:rPr lang="en-US" dirty="0"/>
-              <a:t>;; Use HOFC map on the </a:t>
+              <a:t>;; Use </a:t>
+            </a:r>
+            <a:r>
+              <a:rPr lang="en-US" dirty="0" smtClean="0"/>
+              <a:t>HOF </a:t>
+            </a:r>
+            <a:r>
+              <a:rPr lang="en-US" dirty="0"/>
+              <a:t>map on the </a:t>
             </a:r>
             <a:r>
               <a:rPr lang="en-US" dirty="0" smtClean="0"/>
@@ -6832,7 +6830,11 @@
             </a:pPr>
             <a:r>
               <a:rPr lang="en-US" sz="2400" dirty="0"/>
-              <a:t>;; Use HOFC </a:t>
+              <a:t>;; Use </a:t>
+            </a:r>
+            <a:r>
+              <a:rPr lang="en-US" sz="2400" dirty="0" smtClean="0"/>
+              <a:t>HOF </a:t>
             </a:r>
             <a:r>
               <a:rPr lang="en-US" sz="2400" dirty="0" err="1"/>
@@ -11482,11 +11484,11 @@
               <a:t>heli</a:t>
             </a:r>
             <a:r>
-              <a:rPr lang="en-US" sz="1000"/>
+              <a:rPr lang="en-US" sz="1000" dirty="0"/>
               <a:t> </a:t>
             </a:r>
             <a:r>
-              <a:rPr lang="en-US" sz="1000" smtClean="0"/>
+              <a:rPr lang="en-US" sz="1000" dirty="0" smtClean="0"/>
               <a:t>painted </a:t>
             </a:r>
             <a:r>
@@ -11535,349 +11537,8 @@
             </a:pPr>
             <a:r>
               <a:rPr lang="en-US" sz="1000" dirty="0"/>
-              <a:t>    ;; in-</a:t>
-            </a:r>
-            <a:r>
-              <a:rPr lang="en-US" sz="1000" dirty="0" err="1"/>
-              <a:t>heli</a:t>
-            </a:r>
-            <a:r>
-              <a:rPr lang="en-US" sz="1000" dirty="0"/>
-              <a:t>? : Integer </a:t>
-            </a:r>
-            <a:r>
-              <a:rPr lang="en-US" sz="1000" dirty="0" err="1"/>
-              <a:t>Integer</a:t>
-            </a:r>
-            <a:r>
-              <a:rPr lang="en-US" sz="1000" dirty="0"/>
-              <a:t> -&gt; Boolean</a:t>
-            </a:r>
-          </a:p>
-          <a:p>
-            <a:pPr>
-              <a:spcBef>
-                <a:spcPts val="0"/>
-              </a:spcBef>
-            </a:pPr>
-            <a:r>
-              <a:rPr lang="en-US" sz="1000" dirty="0"/>
-              <a:t>    ;; GIVEN: a location on the canvas</a:t>
-            </a:r>
-          </a:p>
-          <a:p>
-            <a:pPr>
-              <a:spcBef>
-                <a:spcPts val="0"/>
-              </a:spcBef>
-            </a:pPr>
-            <a:r>
-              <a:rPr lang="en-US" sz="1000" dirty="0"/>
-              <a:t>    ;; RETURNS: true </a:t>
-            </a:r>
-            <a:r>
-              <a:rPr lang="en-US" sz="1000" dirty="0" err="1"/>
-              <a:t>iff</a:t>
-            </a:r>
-            <a:r>
-              <a:rPr lang="en-US" sz="1000" dirty="0"/>
-              <a:t> the location is inside this </a:t>
-            </a:r>
-            <a:r>
-              <a:rPr lang="en-US" sz="1000" dirty="0" err="1"/>
-              <a:t>heli</a:t>
-            </a:r>
-            <a:r>
-              <a:rPr lang="en-US" sz="1000" dirty="0"/>
-              <a:t>.</a:t>
-            </a:r>
-          </a:p>
-          <a:p>
-            <a:pPr>
-              <a:spcBef>
-                <a:spcPts val="0"/>
-              </a:spcBef>
-            </a:pPr>
-            <a:r>
-              <a:rPr lang="en-US" sz="1000" dirty="0"/>
-              <a:t>    (define (in-</a:t>
-            </a:r>
-            <a:r>
-              <a:rPr lang="en-US" sz="1000" dirty="0" err="1"/>
-              <a:t>heli</a:t>
-            </a:r>
-            <a:r>
-              <a:rPr lang="en-US" sz="1000" dirty="0"/>
-              <a:t>? other-x other-y)</a:t>
-            </a:r>
-          </a:p>
-          <a:p>
-            <a:pPr>
-              <a:spcBef>
-                <a:spcPts val="0"/>
-              </a:spcBef>
-            </a:pPr>
-            <a:r>
-              <a:rPr lang="en-US" sz="1000" dirty="0"/>
-              <a:t>      (&lt;= (+ (</a:t>
-            </a:r>
-            <a:r>
-              <a:rPr lang="en-US" sz="1000" dirty="0" err="1"/>
-              <a:t>sqr</a:t>
-            </a:r>
-            <a:r>
-              <a:rPr lang="en-US" sz="1000" dirty="0"/>
-              <a:t> (- x other-x)) (</a:t>
-            </a:r>
-            <a:r>
-              <a:rPr lang="en-US" sz="1000" dirty="0" err="1"/>
-              <a:t>sqr</a:t>
-            </a:r>
-            <a:r>
-              <a:rPr lang="en-US" sz="1000" dirty="0"/>
-              <a:t> (- y other-y)))</a:t>
-            </a:r>
-          </a:p>
-          <a:p>
-            <a:pPr>
-              <a:spcBef>
-                <a:spcPts val="0"/>
-              </a:spcBef>
-            </a:pPr>
-            <a:r>
-              <a:rPr lang="en-US" sz="1000" dirty="0"/>
-              <a:t>          (</a:t>
-            </a:r>
-            <a:r>
-              <a:rPr lang="en-US" sz="1000" dirty="0" err="1"/>
-              <a:t>sqr</a:t>
-            </a:r>
-            <a:r>
-              <a:rPr lang="en-US" sz="1000" dirty="0"/>
-              <a:t> r)))</a:t>
-            </a:r>
-          </a:p>
-          <a:p>
-            <a:pPr>
-              <a:spcBef>
-                <a:spcPts val="0"/>
-              </a:spcBef>
-            </a:pPr>
-            <a:endParaRPr lang="en-US" sz="1000" dirty="0"/>
-          </a:p>
-          <a:p>
-            <a:pPr>
-              <a:spcBef>
-                <a:spcPts val="0"/>
-              </a:spcBef>
-            </a:pPr>
-            <a:r>
-              <a:rPr lang="en-US" sz="1000" dirty="0"/>
-              <a:t>    ;; test methods, to probe the </a:t>
-            </a:r>
-            <a:r>
-              <a:rPr lang="en-US" sz="1000" dirty="0" err="1"/>
-              <a:t>heli</a:t>
-            </a:r>
-            <a:r>
-              <a:rPr lang="en-US" sz="1000" dirty="0"/>
-              <a:t> state.  Note that we don't have</a:t>
-            </a:r>
-          </a:p>
-          <a:p>
-            <a:pPr>
-              <a:spcBef>
-                <a:spcPts val="0"/>
-              </a:spcBef>
-            </a:pPr>
-            <a:r>
-              <a:rPr lang="en-US" sz="1000" dirty="0"/>
-              <a:t>    ;; a probe for radius.</a:t>
-            </a:r>
-          </a:p>
-          <a:p>
-            <a:pPr>
-              <a:spcBef>
-                <a:spcPts val="0"/>
-              </a:spcBef>
-            </a:pPr>
-            <a:r>
-              <a:rPr lang="en-US" sz="1000" dirty="0"/>
-              <a:t>    ;; -&gt; </a:t>
-            </a:r>
-            <a:r>
-              <a:rPr lang="en-US" sz="1000" dirty="0" err="1"/>
-              <a:t>Int</a:t>
-            </a:r>
-            <a:endParaRPr lang="en-US" sz="1000" dirty="0"/>
-          </a:p>
-          <a:p>
-            <a:pPr>
-              <a:spcBef>
-                <a:spcPts val="0"/>
-              </a:spcBef>
-            </a:pPr>
-            <a:r>
-              <a:rPr lang="en-US" sz="1000" dirty="0"/>
-              <a:t>    (define/public (</a:t>
-            </a:r>
-            <a:r>
-              <a:rPr lang="en-US" sz="1000" dirty="0" err="1"/>
-              <a:t>for-test:x</a:t>
-            </a:r>
-            <a:r>
-              <a:rPr lang="en-US" sz="1000" dirty="0"/>
-              <a:t>) x)</a:t>
-            </a:r>
-          </a:p>
-          <a:p>
-            <a:pPr>
-              <a:spcBef>
-                <a:spcPts val="0"/>
-              </a:spcBef>
-            </a:pPr>
-            <a:r>
-              <a:rPr lang="en-US" sz="1000" dirty="0"/>
-              <a:t>    ;; -&gt; </a:t>
-            </a:r>
-            <a:r>
-              <a:rPr lang="en-US" sz="1000" dirty="0" err="1"/>
-              <a:t>Int</a:t>
-            </a:r>
-            <a:endParaRPr lang="en-US" sz="1000" dirty="0"/>
-          </a:p>
-          <a:p>
-            <a:pPr>
-              <a:spcBef>
-                <a:spcPts val="0"/>
-              </a:spcBef>
-            </a:pPr>
-            <a:r>
-              <a:rPr lang="en-US" sz="1000" dirty="0"/>
-              <a:t>    (define/public (</a:t>
-            </a:r>
-            <a:r>
-              <a:rPr lang="en-US" sz="1000" dirty="0" err="1"/>
-              <a:t>for-test:y</a:t>
-            </a:r>
-            <a:r>
-              <a:rPr lang="en-US" sz="1000" dirty="0"/>
-              <a:t>) y)</a:t>
-            </a:r>
-          </a:p>
-          <a:p>
-            <a:pPr>
-              <a:spcBef>
-                <a:spcPts val="0"/>
-              </a:spcBef>
-            </a:pPr>
-            <a:r>
-              <a:rPr lang="en-US" sz="1000" dirty="0"/>
-              <a:t>    ;; -&gt; Boolean</a:t>
-            </a:r>
-          </a:p>
-          <a:p>
-            <a:pPr>
-              <a:spcBef>
-                <a:spcPts val="0"/>
-              </a:spcBef>
-            </a:pPr>
-            <a:r>
-              <a:rPr lang="en-US" sz="1000" dirty="0"/>
-              <a:t>    (define/public (</a:t>
-            </a:r>
-            <a:r>
-              <a:rPr lang="en-US" sz="1000" dirty="0" err="1"/>
-              <a:t>for-test:selected</a:t>
-            </a:r>
-            <a:r>
-              <a:rPr lang="en-US" sz="1000" dirty="0"/>
-              <a:t>?) selected?)</a:t>
-            </a:r>
-          </a:p>
-          <a:p>
-            <a:pPr>
-              <a:spcBef>
-                <a:spcPts val="0"/>
-              </a:spcBef>
-            </a:pPr>
-            <a:endParaRPr lang="en-US" sz="1000" dirty="0"/>
-          </a:p>
-          <a:p>
-            <a:pPr>
-              <a:spcBef>
-                <a:spcPts val="0"/>
-              </a:spcBef>
-            </a:pPr>
-            <a:r>
-              <a:rPr lang="en-US" sz="1000" dirty="0"/>
-              <a:t>    ;; -&gt; (list </a:t>
-            </a:r>
-            <a:r>
-              <a:rPr lang="en-US" sz="1000" dirty="0" err="1"/>
-              <a:t>Int</a:t>
-            </a:r>
-            <a:r>
-              <a:rPr lang="en-US" sz="1000" dirty="0"/>
-              <a:t> </a:t>
-            </a:r>
-            <a:r>
-              <a:rPr lang="en-US" sz="1000" dirty="0" err="1"/>
-              <a:t>Int</a:t>
-            </a:r>
-            <a:r>
-              <a:rPr lang="en-US" sz="1000" dirty="0"/>
-              <a:t> Boolean)</a:t>
-            </a:r>
-          </a:p>
-          <a:p>
-            <a:pPr>
-              <a:spcBef>
-                <a:spcPts val="0"/>
-              </a:spcBef>
-            </a:pPr>
-            <a:r>
-              <a:rPr lang="en-US" sz="1000" dirty="0"/>
-              <a:t>    (define/public (</a:t>
-            </a:r>
-            <a:r>
-              <a:rPr lang="en-US" sz="1000" dirty="0" err="1"/>
-              <a:t>for-test:heli-state</a:t>
-            </a:r>
-            <a:r>
-              <a:rPr lang="en-US" sz="1000" dirty="0"/>
-              <a:t>) (list x y selected?))</a:t>
-            </a:r>
-          </a:p>
-          <a:p>
-            <a:pPr>
-              <a:spcBef>
-                <a:spcPts val="0"/>
-              </a:spcBef>
-            </a:pPr>
-            <a:r>
-              <a:rPr lang="en-US" sz="1000" dirty="0"/>
               <a:t>    </a:t>
             </a:r>
-          </a:p>
-          <a:p>
-            <a:pPr>
-              <a:spcBef>
-                <a:spcPts val="0"/>
-              </a:spcBef>
-            </a:pPr>
-            <a:r>
-              <a:rPr lang="en-US" sz="1000" dirty="0"/>
-              <a:t>    ))</a:t>
-            </a:r>
-          </a:p>
-          <a:p>
-            <a:pPr>
-              <a:spcBef>
-                <a:spcPts val="0"/>
-              </a:spcBef>
-            </a:pPr>
-            <a:endParaRPr lang="en-US" sz="1000" dirty="0"/>
           </a:p>
         </p:txBody>
       </p:sp>
@@ -11951,7 +11612,7 @@
           <a:p>
             <a:r>
               <a:rPr lang="en-US" dirty="0" smtClean="0"/>
-              <a:t>Summary</a:t>
+              <a:t>Heli% (3)</a:t>
             </a:r>
             <a:endParaRPr lang="en-US" dirty="0"/>
           </a:p>
@@ -11964,48 +11625,477 @@
             <a:spLocks noGrp="1"/>
           </p:cNvSpPr>
           <p:nvPr>
-            <p:ph idx="1"/>
+            <p:ph sz="half" idx="1"/>
           </p:nvPr>
         </p:nvSpPr>
         <p:spPr/>
         <p:txBody>
+          <a:bodyPr>
+            <a:normAutofit/>
+          </a:bodyPr>
+          <a:lstStyle/>
+          <a:p>
+            <a:pPr>
+              <a:spcBef>
+                <a:spcPts val="0"/>
+              </a:spcBef>
+            </a:pPr>
+            <a:r>
+              <a:rPr lang="en-US" sz="1000" dirty="0"/>
+              <a:t>;; in-</a:t>
+            </a:r>
+            <a:r>
+              <a:rPr lang="en-US" sz="1000" dirty="0" err="1"/>
+              <a:t>heli</a:t>
+            </a:r>
+            <a:r>
+              <a:rPr lang="en-US" sz="1000" dirty="0"/>
+              <a:t>? : Integer </a:t>
+            </a:r>
+            <a:r>
+              <a:rPr lang="en-US" sz="1000" dirty="0" err="1"/>
+              <a:t>Integer</a:t>
+            </a:r>
+            <a:r>
+              <a:rPr lang="en-US" sz="1000" dirty="0"/>
+              <a:t> -&gt; Boolean</a:t>
+            </a:r>
+          </a:p>
+          <a:p>
+            <a:pPr>
+              <a:spcBef>
+                <a:spcPts val="0"/>
+              </a:spcBef>
+            </a:pPr>
+            <a:r>
+              <a:rPr lang="en-US" sz="1000" dirty="0"/>
+              <a:t>    ;; GIVEN: a location on the canvas</a:t>
+            </a:r>
+          </a:p>
+          <a:p>
+            <a:pPr>
+              <a:spcBef>
+                <a:spcPts val="0"/>
+              </a:spcBef>
+            </a:pPr>
+            <a:r>
+              <a:rPr lang="en-US" sz="1000" dirty="0"/>
+              <a:t>    ;; RETURNS: true </a:t>
+            </a:r>
+            <a:r>
+              <a:rPr lang="en-US" sz="1000" dirty="0" err="1"/>
+              <a:t>iff</a:t>
+            </a:r>
+            <a:r>
+              <a:rPr lang="en-US" sz="1000" dirty="0"/>
+              <a:t> the location is inside </a:t>
+            </a:r>
+            <a:r>
+              <a:rPr lang="en-US" sz="1000" dirty="0" smtClean="0"/>
+              <a:t>this</a:t>
+            </a:r>
+          </a:p>
+          <a:p>
+            <a:pPr>
+              <a:spcBef>
+                <a:spcPts val="0"/>
+              </a:spcBef>
+            </a:pPr>
+            <a:r>
+              <a:rPr lang="en-US" sz="1000" dirty="0" smtClean="0"/>
+              <a:t>    ;; </a:t>
+            </a:r>
+            <a:r>
+              <a:rPr lang="en-US" sz="1000" dirty="0" err="1"/>
+              <a:t>heli</a:t>
+            </a:r>
+            <a:r>
+              <a:rPr lang="en-US" sz="1000" dirty="0" smtClean="0"/>
+              <a:t>.</a:t>
+            </a:r>
+          </a:p>
+          <a:p>
+            <a:pPr>
+              <a:spcBef>
+                <a:spcPts val="0"/>
+              </a:spcBef>
+            </a:pPr>
+            <a:endParaRPr lang="en-US" sz="1000" dirty="0"/>
+          </a:p>
+          <a:p>
+            <a:pPr>
+              <a:spcBef>
+                <a:spcPts val="0"/>
+              </a:spcBef>
+            </a:pPr>
+            <a:r>
+              <a:rPr lang="en-US" sz="1000" dirty="0"/>
+              <a:t>    (define (in-</a:t>
+            </a:r>
+            <a:r>
+              <a:rPr lang="en-US" sz="1000" dirty="0" err="1"/>
+              <a:t>heli</a:t>
+            </a:r>
+            <a:r>
+              <a:rPr lang="en-US" sz="1000" dirty="0"/>
+              <a:t>? other-x other-y)</a:t>
+            </a:r>
+          </a:p>
+          <a:p>
+            <a:pPr>
+              <a:spcBef>
+                <a:spcPts val="0"/>
+              </a:spcBef>
+            </a:pPr>
+            <a:r>
+              <a:rPr lang="en-US" sz="1000" dirty="0"/>
+              <a:t>      (&lt;= (+ (</a:t>
+            </a:r>
+            <a:r>
+              <a:rPr lang="en-US" sz="1000" dirty="0" err="1"/>
+              <a:t>sqr</a:t>
+            </a:r>
+            <a:r>
+              <a:rPr lang="en-US" sz="1000" dirty="0"/>
+              <a:t> (- x other-x)) (</a:t>
+            </a:r>
+            <a:r>
+              <a:rPr lang="en-US" sz="1000" dirty="0" err="1"/>
+              <a:t>sqr</a:t>
+            </a:r>
+            <a:r>
+              <a:rPr lang="en-US" sz="1000" dirty="0"/>
+              <a:t> (- y other-y)))</a:t>
+            </a:r>
+          </a:p>
+          <a:p>
+            <a:pPr>
+              <a:spcBef>
+                <a:spcPts val="0"/>
+              </a:spcBef>
+            </a:pPr>
+            <a:r>
+              <a:rPr lang="en-US" sz="1000" dirty="0"/>
+              <a:t>          (</a:t>
+            </a:r>
+            <a:r>
+              <a:rPr lang="en-US" sz="1000" dirty="0" err="1"/>
+              <a:t>sqr</a:t>
+            </a:r>
+            <a:r>
+              <a:rPr lang="en-US" sz="1000" dirty="0"/>
+              <a:t> r)))</a:t>
+            </a:r>
+          </a:p>
+          <a:p>
+            <a:pPr>
+              <a:spcBef>
+                <a:spcPts val="0"/>
+              </a:spcBef>
+            </a:pPr>
+            <a:endParaRPr lang="en-US" sz="1000" dirty="0"/>
+          </a:p>
+          <a:p>
+            <a:pPr>
+              <a:spcBef>
+                <a:spcPts val="0"/>
+              </a:spcBef>
+            </a:pPr>
+            <a:r>
+              <a:rPr lang="en-US" sz="1000" dirty="0"/>
+              <a:t>    ;; test methods, to probe the </a:t>
+            </a:r>
+            <a:r>
+              <a:rPr lang="en-US" sz="1000" dirty="0" err="1"/>
+              <a:t>heli</a:t>
+            </a:r>
+            <a:r>
+              <a:rPr lang="en-US" sz="1000" dirty="0"/>
+              <a:t> state.  </a:t>
+            </a:r>
+            <a:endParaRPr lang="en-US" sz="1000" dirty="0" smtClean="0"/>
+          </a:p>
+          <a:p>
+            <a:pPr>
+              <a:spcBef>
+                <a:spcPts val="0"/>
+              </a:spcBef>
+            </a:pPr>
+            <a:r>
+              <a:rPr lang="en-US" sz="1000" dirty="0"/>
+              <a:t> </a:t>
+            </a:r>
+            <a:r>
+              <a:rPr lang="en-US" sz="1000" dirty="0" smtClean="0"/>
+              <a:t>   ;; Note </a:t>
+            </a:r>
+            <a:r>
+              <a:rPr lang="en-US" sz="1000" dirty="0"/>
+              <a:t>that we don't </a:t>
+            </a:r>
+            <a:r>
+              <a:rPr lang="en-US" sz="1000" dirty="0" smtClean="0"/>
+              <a:t>have a </a:t>
+            </a:r>
+            <a:r>
+              <a:rPr lang="en-US" sz="1000" dirty="0"/>
+              <a:t>probe for radius</a:t>
+            </a:r>
+            <a:r>
+              <a:rPr lang="en-US" sz="1000" dirty="0" smtClean="0"/>
+              <a:t>.</a:t>
+            </a:r>
+          </a:p>
+          <a:p>
+            <a:pPr>
+              <a:spcBef>
+                <a:spcPts val="0"/>
+              </a:spcBef>
+            </a:pPr>
+            <a:endParaRPr lang="en-US" sz="1000" dirty="0"/>
+          </a:p>
+          <a:p>
+            <a:pPr>
+              <a:spcBef>
+                <a:spcPts val="0"/>
+              </a:spcBef>
+            </a:pPr>
+            <a:r>
+              <a:rPr lang="en-US" sz="1000" dirty="0"/>
+              <a:t>    ;; -&gt; </a:t>
+            </a:r>
+            <a:r>
+              <a:rPr lang="en-US" sz="1000" dirty="0" err="1"/>
+              <a:t>Int</a:t>
+            </a:r>
+            <a:endParaRPr lang="en-US" sz="1000" dirty="0"/>
+          </a:p>
+          <a:p>
+            <a:pPr>
+              <a:spcBef>
+                <a:spcPts val="0"/>
+              </a:spcBef>
+            </a:pPr>
+            <a:r>
+              <a:rPr lang="en-US" sz="1000" dirty="0"/>
+              <a:t>    (define/public (</a:t>
+            </a:r>
+            <a:r>
+              <a:rPr lang="en-US" sz="1000" dirty="0" err="1"/>
+              <a:t>for-test:x</a:t>
+            </a:r>
+            <a:r>
+              <a:rPr lang="en-US" sz="1000" dirty="0"/>
+              <a:t>) x)</a:t>
+            </a:r>
+          </a:p>
+          <a:p>
+            <a:pPr>
+              <a:spcBef>
+                <a:spcPts val="0"/>
+              </a:spcBef>
+            </a:pPr>
+            <a:r>
+              <a:rPr lang="en-US" sz="1000" dirty="0"/>
+              <a:t>    ;; -&gt; </a:t>
+            </a:r>
+            <a:r>
+              <a:rPr lang="en-US" sz="1000" dirty="0" err="1"/>
+              <a:t>Int</a:t>
+            </a:r>
+            <a:endParaRPr lang="en-US" sz="1000" dirty="0"/>
+          </a:p>
+          <a:p>
+            <a:pPr>
+              <a:spcBef>
+                <a:spcPts val="0"/>
+              </a:spcBef>
+            </a:pPr>
+            <a:r>
+              <a:rPr lang="en-US" sz="1000" dirty="0"/>
+              <a:t>    (define/public (</a:t>
+            </a:r>
+            <a:r>
+              <a:rPr lang="en-US" sz="1000" dirty="0" err="1"/>
+              <a:t>for-test:y</a:t>
+            </a:r>
+            <a:r>
+              <a:rPr lang="en-US" sz="1000" dirty="0"/>
+              <a:t>) y)</a:t>
+            </a:r>
+          </a:p>
+          <a:p>
+            <a:pPr>
+              <a:spcBef>
+                <a:spcPts val="0"/>
+              </a:spcBef>
+            </a:pPr>
+            <a:r>
+              <a:rPr lang="en-US" sz="1000" dirty="0"/>
+              <a:t>    ;; -&gt; Boolean</a:t>
+            </a:r>
+          </a:p>
+          <a:p>
+            <a:pPr>
+              <a:spcBef>
+                <a:spcPts val="0"/>
+              </a:spcBef>
+            </a:pPr>
+            <a:r>
+              <a:rPr lang="en-US" sz="1000" dirty="0"/>
+              <a:t>    (define/public (</a:t>
+            </a:r>
+            <a:r>
+              <a:rPr lang="en-US" sz="1000" dirty="0" err="1"/>
+              <a:t>for-test:selected</a:t>
+            </a:r>
+            <a:r>
+              <a:rPr lang="en-US" sz="1000" dirty="0"/>
+              <a:t>?) selected?)</a:t>
+            </a:r>
+          </a:p>
+          <a:p>
+            <a:pPr>
+              <a:spcBef>
+                <a:spcPts val="0"/>
+              </a:spcBef>
+            </a:pPr>
+            <a:r>
+              <a:rPr lang="en-US" sz="1000" dirty="0" smtClean="0"/>
+              <a:t>    </a:t>
+            </a:r>
+            <a:r>
+              <a:rPr lang="en-US" sz="1000" dirty="0"/>
+              <a:t>;; -&gt; (list </a:t>
+            </a:r>
+            <a:r>
+              <a:rPr lang="en-US" sz="1000" dirty="0" err="1"/>
+              <a:t>Int</a:t>
+            </a:r>
+            <a:r>
+              <a:rPr lang="en-US" sz="1000" dirty="0"/>
+              <a:t> </a:t>
+            </a:r>
+            <a:r>
+              <a:rPr lang="en-US" sz="1000" dirty="0" err="1"/>
+              <a:t>Int</a:t>
+            </a:r>
+            <a:r>
+              <a:rPr lang="en-US" sz="1000" dirty="0"/>
+              <a:t> Boolean)</a:t>
+            </a:r>
+          </a:p>
+          <a:p>
+            <a:pPr>
+              <a:spcBef>
+                <a:spcPts val="0"/>
+              </a:spcBef>
+            </a:pPr>
+            <a:r>
+              <a:rPr lang="en-US" sz="1000" dirty="0"/>
+              <a:t>    (define/public (</a:t>
+            </a:r>
+            <a:r>
+              <a:rPr lang="en-US" sz="1000" dirty="0" err="1"/>
+              <a:t>for-test:heli-state</a:t>
+            </a:r>
+            <a:r>
+              <a:rPr lang="en-US" sz="1000" dirty="0" smtClean="0"/>
+              <a:t>)</a:t>
+            </a:r>
+          </a:p>
+          <a:p>
+            <a:pPr>
+              <a:spcBef>
+                <a:spcPts val="0"/>
+              </a:spcBef>
+            </a:pPr>
+            <a:r>
+              <a:rPr lang="en-US" sz="1000" dirty="0"/>
+              <a:t> </a:t>
+            </a:r>
+            <a:r>
+              <a:rPr lang="en-US" sz="1000" dirty="0" smtClean="0"/>
+              <a:t>     </a:t>
+            </a:r>
+            <a:r>
+              <a:rPr lang="en-US" sz="1000" dirty="0"/>
+              <a:t>(list x y selected?))</a:t>
+            </a:r>
+          </a:p>
+          <a:p>
+            <a:pPr>
+              <a:spcBef>
+                <a:spcPts val="0"/>
+              </a:spcBef>
+            </a:pPr>
+            <a:r>
+              <a:rPr lang="en-US" sz="1000" dirty="0"/>
+              <a:t>    </a:t>
+            </a:r>
+          </a:p>
+          <a:p>
+            <a:pPr>
+              <a:spcBef>
+                <a:spcPts val="0"/>
+              </a:spcBef>
+            </a:pPr>
+            <a:r>
+              <a:rPr lang="en-US" sz="1000" dirty="0"/>
+              <a:t>    ))</a:t>
+            </a:r>
+          </a:p>
+          <a:p>
+            <a:pPr>
+              <a:spcBef>
+                <a:spcPts val="0"/>
+              </a:spcBef>
+            </a:pPr>
+            <a:endParaRPr lang="en-US" sz="1000" dirty="0"/>
+          </a:p>
+          <a:p>
+            <a:endParaRPr lang="en-US" sz="1000" dirty="0"/>
+          </a:p>
+        </p:txBody>
+      </p:sp>
+      <p:sp>
+        <p:nvSpPr>
+          <p:cNvPr id="4" name="Content Placeholder 3"/>
+          <p:cNvSpPr>
+            <a:spLocks noGrp="1"/>
+          </p:cNvSpPr>
+          <p:nvPr>
+            <p:ph sz="half" idx="2"/>
+          </p:nvPr>
+        </p:nvSpPr>
+        <p:spPr/>
+        <p:txBody>
+          <a:bodyPr>
+            <a:normAutofit/>
+          </a:bodyPr>
+          <a:lstStyle/>
+          <a:p>
+            <a:endParaRPr lang="en-US"/>
+          </a:p>
+        </p:txBody>
+      </p:sp>
+      <p:sp>
+        <p:nvSpPr>
+          <p:cNvPr id="5" name="Slide Number Placeholder 4"/>
+          <p:cNvSpPr>
+            <a:spLocks noGrp="1"/>
+          </p:cNvSpPr>
+          <p:nvPr>
+            <p:ph type="sldNum" sz="quarter" idx="12"/>
+          </p:nvPr>
+        </p:nvSpPr>
+        <p:spPr/>
+        <p:txBody>
           <a:bodyPr/>
           <a:lstStyle/>
           <a:p>
-            <a:r>
-              <a:rPr lang="en-US" dirty="0" smtClean="0"/>
-              <a:t>We’ve seen how an interface can be used to express an API that works for objects of several classes</a:t>
-            </a:r>
-          </a:p>
-          <a:p>
-            <a:r>
-              <a:rPr lang="en-US" dirty="0" smtClean="0"/>
-              <a:t>We’ve seen how to build recursive data using the composite pattern.</a:t>
-            </a:r>
-          </a:p>
-          <a:p>
-            <a:endParaRPr lang="en-US" dirty="0" smtClean="0"/>
-          </a:p>
-        </p:txBody>
-      </p:sp>
-      <p:sp>
-        <p:nvSpPr>
-          <p:cNvPr id="4" name="Slide Number Placeholder 3"/>
-          <p:cNvSpPr>
-            <a:spLocks noGrp="1"/>
-          </p:cNvSpPr>
-          <p:nvPr>
-            <p:ph type="sldNum" sz="quarter" idx="12"/>
-          </p:nvPr>
-        </p:nvSpPr>
-        <p:spPr/>
-        <p:txBody>
-          <a:bodyPr/>
-          <a:lstStyle/>
-          <a:p>
-            <a:fld id="{B6F15528-21DE-4FAA-801E-634DDDAF4B2B}" type="slidenum">
+            <a:fld id="{2AF3B5EA-18B6-4040-9F78-6052AF49C681}" type="slidenum">
               <a:rPr lang="en-US" smtClean="0"/>
-              <a:pPr/>
               <a:t>23</a:t>
             </a:fld>
             <a:endParaRPr lang="en-US"/>
@@ -12013,17 +12103,15 @@
         </p:txBody>
       </p:sp>
     </p:spTree>
+    <p:extLst>
+      <p:ext uri="{BB962C8B-B14F-4D97-AF65-F5344CB8AC3E}">
+        <p14:creationId xmlns:p14="http://schemas.microsoft.com/office/powerpoint/2010/main" val="2935573475"/>
+      </p:ext>
+    </p:extLst>
   </p:cSld>
   <p:clrMapOvr>
     <a:masterClrMapping/>
   </p:clrMapOvr>
-  <p:timing>
-    <p:tnLst>
-      <p:par>
-        <p:cTn id="1" dur="indefinite" restart="never" nodeType="tmRoot"/>
-      </p:par>
-    </p:tnLst>
-  </p:timing>
 </p:sld>
 </file>
 
@@ -12046,7 +12134,7 @@
       </p:grpSpPr>
       <p:sp>
         <p:nvSpPr>
-          <p:cNvPr id="2" name="Title 1"/>
+          <p:cNvPr id="6" name="Title 5"/>
           <p:cNvSpPr>
             <a:spLocks noGrp="1"/>
           </p:cNvSpPr>
@@ -12061,7 +12149,7 @@
           <a:p>
             <a:r>
               <a:rPr lang="en-US" dirty="0" smtClean="0"/>
-              <a:t>Next Steps</a:t>
+              <a:t>Let’s  do it again</a:t>
             </a:r>
             <a:endParaRPr lang="en-US" dirty="0"/>
           </a:p>
@@ -12069,7 +12157,7 @@
       </p:sp>
       <p:sp>
         <p:nvSpPr>
-          <p:cNvPr id="3" name="Content Placeholder 2"/>
+          <p:cNvPr id="7" name="Content Placeholder 6"/>
           <p:cNvSpPr>
             <a:spLocks noGrp="1"/>
           </p:cNvSpPr>
@@ -12084,60 +12172,62 @@
           <a:p>
             <a:r>
               <a:rPr lang="en-US" dirty="0" smtClean="0"/>
-              <a:t>Study the files in the Examples folder:</a:t>
-            </a:r>
-          </a:p>
-          <a:p>
-            <a:pPr lvl="1"/>
+              <a:t>Let’s make the World into an object.</a:t>
+            </a:r>
+          </a:p>
+          <a:p>
             <a:r>
               <a:rPr lang="en-US" dirty="0" smtClean="0"/>
-              <a:t>10-2-space-invaders.rkt</a:t>
-            </a:r>
-          </a:p>
-          <a:p>
-            <a:pPr lvl="1"/>
+              <a:t>We’ll write a </a:t>
+            </a:r>
+            <a:r>
+              <a:rPr lang="en-US" dirty="0" err="1" smtClean="0"/>
+              <a:t>WorldState</a:t>
+            </a:r>
             <a:r>
               <a:rPr lang="en-US" dirty="0" smtClean="0"/>
-              <a:t>10-4 through 10-6: versions of </a:t>
+              <a:t>&lt;%&gt; interface and a class </a:t>
             </a:r>
             <a:r>
               <a:rPr lang="en-US" dirty="0" err="1" smtClean="0"/>
-              <a:t>shapes.rkt</a:t>
-            </a:r>
+              <a:t>WorldState</a:t>
+            </a:r>
+            <a:r>
+              <a:rPr lang="en-US" dirty="0" smtClean="0"/>
+              <a:t>% that implements it.</a:t>
+            </a:r>
+          </a:p>
+          <a:p>
+            <a:r>
+              <a:rPr lang="en-US" dirty="0" smtClean="0"/>
+              <a:t>We’ll create an initial world, which is an object of class </a:t>
+            </a:r>
+            <a:r>
+              <a:rPr lang="en-US" dirty="0" err="1" smtClean="0"/>
+              <a:t>WorldState</a:t>
+            </a:r>
+            <a:r>
+              <a:rPr lang="en-US" dirty="0" smtClean="0"/>
+              <a:t>%.</a:t>
+            </a:r>
+          </a:p>
+          <a:p>
+            <a:r>
+              <a:rPr lang="en-US" dirty="0" smtClean="0"/>
+              <a:t>Our big-bang function will send messages to the world.</a:t>
+            </a:r>
+          </a:p>
+          <a:p>
+            <a:pPr marL="0" indent="0">
+              <a:buNone/>
+            </a:pPr>
             <a:endParaRPr lang="en-US" dirty="0"/>
           </a:p>
-          <a:p>
-            <a:r>
-              <a:rPr lang="en-US" smtClean="0"/>
-              <a:t>Do </a:t>
-            </a:r>
-            <a:r>
-              <a:rPr lang="en-US" dirty="0"/>
-              <a:t>the Guided </a:t>
-            </a:r>
-            <a:r>
-              <a:rPr lang="en-US" dirty="0" smtClean="0"/>
-              <a:t>Practices</a:t>
-            </a:r>
-          </a:p>
-          <a:p>
-            <a:r>
-              <a:rPr lang="en-US" dirty="0" smtClean="0"/>
-              <a:t>If you have questions about this lesson, ask them on the Discussion Board</a:t>
-            </a:r>
-          </a:p>
-          <a:p>
-            <a:r>
-              <a:rPr lang="en-US" dirty="0" smtClean="0"/>
-              <a:t>Go on to the next lesson</a:t>
-            </a:r>
-            <a:endParaRPr lang="en-US" dirty="0"/>
-          </a:p>
-        </p:txBody>
-      </p:sp>
-      <p:sp>
-        <p:nvSpPr>
-          <p:cNvPr id="4" name="Slide Number Placeholder 3"/>
+        </p:txBody>
+      </p:sp>
+      <p:sp>
+        <p:nvSpPr>
+          <p:cNvPr id="5" name="Slide Number Placeholder 4"/>
           <p:cNvSpPr>
             <a:spLocks noGrp="1"/>
           </p:cNvSpPr>
@@ -12158,27 +12248,107 @@
           </a:p>
         </p:txBody>
       </p:sp>
+      <p:sp>
+        <p:nvSpPr>
+          <p:cNvPr id="8" name="Rectangle 7"/>
+          <p:cNvSpPr/>
+          <p:nvPr/>
+        </p:nvSpPr>
+        <p:spPr>
+          <a:xfrm>
+            <a:off x="4717143" y="5021943"/>
+            <a:ext cx="3614057" cy="1334407"/>
+          </a:xfrm>
+          <a:prstGeom prst="rect">
+            <a:avLst/>
+          </a:prstGeom>
+          <a:solidFill>
+            <a:schemeClr val="accent3">
+              <a:lumMod val="40000"/>
+              <a:lumOff val="60000"/>
+            </a:schemeClr>
+          </a:solidFill>
+          <a:ln/>
+        </p:spPr>
+        <p:style>
+          <a:lnRef idx="2">
+            <a:schemeClr val="accent1"/>
+          </a:lnRef>
+          <a:fillRef idx="1">
+            <a:schemeClr val="lt1"/>
+          </a:fillRef>
+          <a:effectRef idx="0">
+            <a:schemeClr val="accent1"/>
+          </a:effectRef>
+          <a:fontRef idx="minor">
+            <a:schemeClr val="dk1"/>
+          </a:fontRef>
+        </p:style>
+        <p:txBody>
+          <a:bodyPr rot="0" spcFirstLastPara="0" vertOverflow="overflow" horzOverflow="overflow" vert="horz" wrap="square" lIns="91440" tIns="45720" rIns="91440" bIns="45720" numCol="1" spcCol="0" rtlCol="0" fromWordArt="0" anchor="ctr" anchorCtr="0" forceAA="0" compatLnSpc="1">
+            <a:prstTxWarp prst="textNoShape">
+              <a:avLst/>
+            </a:prstTxWarp>
+            <a:noAutofit/>
+          </a:bodyPr>
+          <a:lstStyle/>
+          <a:p>
+            <a:pPr algn="ctr"/>
+            <a:r>
+              <a:rPr lang="en-US" dirty="0" smtClean="0">
+                <a:solidFill>
+                  <a:schemeClr val="tx1"/>
+                </a:solidFill>
+              </a:rPr>
+              <a:t>Don’t get agitated about World vs </a:t>
+            </a:r>
+            <a:r>
+              <a:rPr lang="en-US" dirty="0" err="1" smtClean="0">
+                <a:solidFill>
+                  <a:schemeClr val="tx1"/>
+                </a:solidFill>
+              </a:rPr>
+              <a:t>WorldState</a:t>
+            </a:r>
+            <a:r>
+              <a:rPr lang="en-US" dirty="0" smtClean="0">
+                <a:solidFill>
+                  <a:schemeClr val="tx1"/>
+                </a:solidFill>
+              </a:rPr>
+              <a:t>. I’ve not been entirely consistent about this. </a:t>
+            </a:r>
+            <a:r>
+              <a:rPr lang="en-US" dirty="0" smtClean="0">
+                <a:solidFill>
+                  <a:schemeClr val="tx1"/>
+                </a:solidFill>
+                <a:sym typeface="Wingdings" panose="05000000000000000000" pitchFamily="2" charset="2"/>
+              </a:rPr>
+              <a:t></a:t>
+            </a:r>
+            <a:endParaRPr lang="en-US" dirty="0">
+              <a:solidFill>
+                <a:schemeClr val="tx1"/>
+              </a:solidFill>
+            </a:endParaRPr>
+          </a:p>
+        </p:txBody>
+      </p:sp>
     </p:spTree>
     <p:extLst>
       <p:ext uri="{BB962C8B-B14F-4D97-AF65-F5344CB8AC3E}">
-        <p14:creationId xmlns:p14="http://schemas.microsoft.com/office/powerpoint/2010/main" val="1966317737"/>
+        <p14:creationId xmlns:p14="http://schemas.microsoft.com/office/powerpoint/2010/main" val="3042654594"/>
       </p:ext>
     </p:extLst>
   </p:cSld>
   <p:clrMapOvr>
     <a:masterClrMapping/>
   </p:clrMapOvr>
-  <p:timing>
-    <p:tnLst>
-      <p:par>
-        <p:cTn id="1" dur="indefinite" restart="never" nodeType="tmRoot"/>
-      </p:par>
-    </p:tnLst>
-  </p:timing>
 </p:sld>
 </file>
 
-<file path=ppt/slides/slide3.xml><?xml version="1.0" encoding="utf-8"?>
+<file path=ppt/slides/slide25.xml><?xml version="1.0" encoding="utf-8"?>
 <p:sld xmlns:a="http://schemas.openxmlformats.org/drawingml/2006/main" xmlns:r="http://schemas.openxmlformats.org/officeDocument/2006/relationships" xmlns:p="http://schemas.openxmlformats.org/presentationml/2006/main">
   <p:cSld>
     <p:spTree>
@@ -12212,7 +12382,15 @@
           <a:p>
             <a:r>
               <a:rPr lang="en-US" dirty="0" smtClean="0"/>
-              <a:t>Let’s see a demo!</a:t>
+              <a:t>The </a:t>
+            </a:r>
+            <a:r>
+              <a:rPr lang="en-US" dirty="0" err="1" smtClean="0"/>
+              <a:t>WorldState</a:t>
+            </a:r>
+            <a:r>
+              <a:rPr lang="en-US" dirty="0" smtClean="0"/>
+              <a:t>&lt;%&gt; interface</a:t>
             </a:r>
             <a:endParaRPr lang="en-US" dirty="0"/>
           </a:p>
@@ -12220,7 +12398,7 @@
       </p:sp>
       <p:sp>
         <p:nvSpPr>
-          <p:cNvPr id="3" name="Content Placeholder 2"/>
+          <p:cNvPr id="5" name="Content Placeholder 4"/>
           <p:cNvSpPr>
             <a:spLocks noGrp="1"/>
           </p:cNvSpPr>
@@ -12230,10 +12408,320 @@
         </p:nvSpPr>
         <p:spPr/>
         <p:txBody>
-          <a:bodyPr/>
-          <a:lstStyle/>
-          <a:p>
-            <a:endParaRPr lang="en-US"/>
+          <a:bodyPr>
+            <a:noAutofit/>
+          </a:bodyPr>
+          <a:lstStyle/>
+          <a:p>
+            <a:pPr>
+              <a:spcBef>
+                <a:spcPts val="0"/>
+              </a:spcBef>
+            </a:pPr>
+            <a:r>
+              <a:rPr lang="en-US" sz="1200" dirty="0"/>
+              <a:t>(define </a:t>
+            </a:r>
+            <a:r>
+              <a:rPr lang="en-US" sz="1200" dirty="0" err="1"/>
+              <a:t>WorldState</a:t>
+            </a:r>
+            <a:r>
+              <a:rPr lang="en-US" sz="1200" dirty="0"/>
+              <a:t>&lt;%&gt;</a:t>
+            </a:r>
+          </a:p>
+          <a:p>
+            <a:pPr>
+              <a:spcBef>
+                <a:spcPts val="0"/>
+              </a:spcBef>
+            </a:pPr>
+            <a:r>
+              <a:rPr lang="en-US" sz="1200" dirty="0"/>
+              <a:t>  (interface ()</a:t>
+            </a:r>
+          </a:p>
+          <a:p>
+            <a:pPr>
+              <a:spcBef>
+                <a:spcPts val="0"/>
+              </a:spcBef>
+            </a:pPr>
+            <a:endParaRPr lang="en-US" sz="1200" dirty="0"/>
+          </a:p>
+          <a:p>
+            <a:pPr>
+              <a:spcBef>
+                <a:spcPts val="0"/>
+              </a:spcBef>
+            </a:pPr>
+            <a:r>
+              <a:rPr lang="en-US" sz="1200" dirty="0"/>
+              <a:t>    ; -&gt; World</a:t>
+            </a:r>
+          </a:p>
+          <a:p>
+            <a:pPr>
+              <a:spcBef>
+                <a:spcPts val="0"/>
+              </a:spcBef>
+            </a:pPr>
+            <a:r>
+              <a:rPr lang="en-US" sz="1200" dirty="0"/>
+              <a:t>    ; GIVEN: no arguments</a:t>
+            </a:r>
+          </a:p>
+          <a:p>
+            <a:pPr>
+              <a:spcBef>
+                <a:spcPts val="0"/>
+              </a:spcBef>
+            </a:pPr>
+            <a:r>
+              <a:rPr lang="en-US" sz="1200" dirty="0"/>
+              <a:t>    ; RETURNS: the state of the world at the next tick</a:t>
+            </a:r>
+          </a:p>
+          <a:p>
+            <a:pPr>
+              <a:spcBef>
+                <a:spcPts val="0"/>
+              </a:spcBef>
+            </a:pPr>
+            <a:r>
+              <a:rPr lang="en-US" sz="1200" dirty="0"/>
+              <a:t>    after-tick          </a:t>
+            </a:r>
+          </a:p>
+          <a:p>
+            <a:pPr>
+              <a:spcBef>
+                <a:spcPts val="0"/>
+              </a:spcBef>
+            </a:pPr>
+            <a:endParaRPr lang="en-US" sz="1200" dirty="0"/>
+          </a:p>
+          <a:p>
+            <a:pPr>
+              <a:spcBef>
+                <a:spcPts val="0"/>
+              </a:spcBef>
+            </a:pPr>
+            <a:r>
+              <a:rPr lang="en-US" sz="1200" dirty="0"/>
+              <a:t>    ; Integer </a:t>
+            </a:r>
+            <a:r>
+              <a:rPr lang="en-US" sz="1200" dirty="0" err="1"/>
+              <a:t>Integer</a:t>
+            </a:r>
+            <a:r>
+              <a:rPr lang="en-US" sz="1200" dirty="0"/>
+              <a:t> </a:t>
+            </a:r>
+            <a:r>
+              <a:rPr lang="en-US" sz="1200" dirty="0" err="1"/>
+              <a:t>MouseEvent</a:t>
+            </a:r>
+            <a:r>
+              <a:rPr lang="en-US" sz="1200" dirty="0"/>
+              <a:t>-&gt; World</a:t>
+            </a:r>
+          </a:p>
+          <a:p>
+            <a:pPr>
+              <a:spcBef>
+                <a:spcPts val="0"/>
+              </a:spcBef>
+            </a:pPr>
+            <a:r>
+              <a:rPr lang="en-US" sz="1200" dirty="0"/>
+              <a:t>    ; GIVEN: a location</a:t>
+            </a:r>
+          </a:p>
+          <a:p>
+            <a:pPr>
+              <a:spcBef>
+                <a:spcPts val="0"/>
+              </a:spcBef>
+            </a:pPr>
+            <a:r>
+              <a:rPr lang="en-US" sz="1200" dirty="0"/>
+              <a:t>    ; RETURNS: the state of the world that should follow the</a:t>
+            </a:r>
+          </a:p>
+          <a:p>
+            <a:pPr>
+              <a:spcBef>
+                <a:spcPts val="0"/>
+              </a:spcBef>
+            </a:pPr>
+            <a:r>
+              <a:rPr lang="en-US" sz="1200" dirty="0"/>
+              <a:t>    ; given mouse event at the given location.</a:t>
+            </a:r>
+          </a:p>
+          <a:p>
+            <a:pPr>
+              <a:spcBef>
+                <a:spcPts val="0"/>
+              </a:spcBef>
+            </a:pPr>
+            <a:r>
+              <a:rPr lang="en-US" sz="1200" dirty="0"/>
+              <a:t>    after-mouse-event</a:t>
+            </a:r>
+          </a:p>
+          <a:p>
+            <a:pPr>
+              <a:spcBef>
+                <a:spcPts val="0"/>
+              </a:spcBef>
+            </a:pPr>
+            <a:endParaRPr lang="en-US" sz="1200" dirty="0"/>
+          </a:p>
+          <a:p>
+            <a:pPr>
+              <a:spcBef>
+                <a:spcPts val="0"/>
+              </a:spcBef>
+            </a:pPr>
+            <a:endParaRPr lang="en-US" sz="1200" dirty="0"/>
+          </a:p>
+          <a:p>
+            <a:pPr>
+              <a:spcBef>
+                <a:spcPts val="0"/>
+              </a:spcBef>
+            </a:pPr>
+            <a:r>
+              <a:rPr lang="en-US" sz="1200" dirty="0"/>
+              <a:t>    ; </a:t>
+            </a:r>
+            <a:r>
+              <a:rPr lang="en-US" sz="1200" dirty="0" err="1"/>
+              <a:t>KeyEvent</a:t>
+            </a:r>
+            <a:r>
+              <a:rPr lang="en-US" sz="1200" dirty="0"/>
+              <a:t> : </a:t>
+            </a:r>
+            <a:r>
+              <a:rPr lang="en-US" sz="1200" dirty="0" err="1"/>
+              <a:t>KeyEvent</a:t>
+            </a:r>
+            <a:r>
+              <a:rPr lang="en-US" sz="1200" dirty="0"/>
+              <a:t> -&gt; Widget</a:t>
+            </a:r>
+          </a:p>
+          <a:p>
+            <a:pPr>
+              <a:spcBef>
+                <a:spcPts val="0"/>
+              </a:spcBef>
+            </a:pPr>
+            <a:r>
+              <a:rPr lang="en-US" sz="1200" dirty="0"/>
+              <a:t>    ; GIVEN: a key event</a:t>
+            </a:r>
+          </a:p>
+          <a:p>
+            <a:pPr>
+              <a:spcBef>
+                <a:spcPts val="0"/>
+              </a:spcBef>
+            </a:pPr>
+            <a:r>
+              <a:rPr lang="en-US" sz="1200" dirty="0"/>
+              <a:t>    ; RETURNS: the state of the world that should follow the</a:t>
+            </a:r>
+          </a:p>
+          <a:p>
+            <a:pPr>
+              <a:spcBef>
+                <a:spcPts val="0"/>
+              </a:spcBef>
+            </a:pPr>
+            <a:r>
+              <a:rPr lang="en-US" sz="1200" dirty="0"/>
+              <a:t>    ; given key event</a:t>
+            </a:r>
+          </a:p>
+          <a:p>
+            <a:pPr>
+              <a:spcBef>
+                <a:spcPts val="0"/>
+              </a:spcBef>
+            </a:pPr>
+            <a:r>
+              <a:rPr lang="en-US" sz="1200" dirty="0"/>
+              <a:t>    after-key-event     </a:t>
+            </a:r>
+          </a:p>
+          <a:p>
+            <a:pPr>
+              <a:spcBef>
+                <a:spcPts val="0"/>
+              </a:spcBef>
+            </a:pPr>
+            <a:endParaRPr lang="en-US" sz="1200" dirty="0"/>
+          </a:p>
+          <a:p>
+            <a:pPr>
+              <a:spcBef>
+                <a:spcPts val="0"/>
+              </a:spcBef>
+            </a:pPr>
+            <a:r>
+              <a:rPr lang="en-US" sz="1200" dirty="0"/>
+              <a:t>    ; -&gt; Scene</a:t>
+            </a:r>
+          </a:p>
+          <a:p>
+            <a:pPr>
+              <a:spcBef>
+                <a:spcPts val="0"/>
+              </a:spcBef>
+            </a:pPr>
+            <a:r>
+              <a:rPr lang="en-US" sz="1200" dirty="0"/>
+              <a:t>    ; GIVEN: a scene</a:t>
+            </a:r>
+          </a:p>
+          <a:p>
+            <a:pPr>
+              <a:spcBef>
+                <a:spcPts val="0"/>
+              </a:spcBef>
+            </a:pPr>
+            <a:r>
+              <a:rPr lang="en-US" sz="1200" dirty="0"/>
+              <a:t>    ; RETURNS: a scene that depicts this World</a:t>
+            </a:r>
+          </a:p>
+          <a:p>
+            <a:pPr>
+              <a:spcBef>
+                <a:spcPts val="0"/>
+              </a:spcBef>
+            </a:pPr>
+            <a:r>
+              <a:rPr lang="en-US" sz="1200" dirty="0"/>
+              <a:t>    to-scene</a:t>
+            </a:r>
+          </a:p>
+          <a:p>
+            <a:pPr>
+              <a:spcBef>
+                <a:spcPts val="0"/>
+              </a:spcBef>
+            </a:pPr>
+            <a:r>
+              <a:rPr lang="en-US" sz="1200" dirty="0"/>
+              <a:t>    ))</a:t>
+            </a:r>
           </a:p>
         </p:txBody>
       </p:sp>
@@ -12254,7 +12742,7 @@
           <a:p>
             <a:fld id="{2AF3B5EA-18B6-4040-9F78-6052AF49C681}" type="slidenum">
               <a:rPr lang="en-US" smtClean="0"/>
-              <a:t>3</a:t>
+              <a:t>25</a:t>
             </a:fld>
             <a:endParaRPr lang="en-US"/>
           </a:p>
@@ -12263,7 +12751,7 @@
     </p:spTree>
     <p:extLst>
       <p:ext uri="{BB962C8B-B14F-4D97-AF65-F5344CB8AC3E}">
-        <p14:creationId xmlns:p14="http://schemas.microsoft.com/office/powerpoint/2010/main" val="233731706"/>
+        <p14:creationId xmlns:p14="http://schemas.microsoft.com/office/powerpoint/2010/main" val="1354047798"/>
       </p:ext>
     </p:extLst>
   </p:cSld>
@@ -12273,7 +12761,7 @@
 </p:sld>
 </file>
 
-<file path=ppt/slides/slide4.xml><?xml version="1.0" encoding="utf-8"?>
+<file path=ppt/slides/slide26.xml><?xml version="1.0" encoding="utf-8"?>
 <p:sld xmlns:a="http://schemas.openxmlformats.org/drawingml/2006/main" xmlns:r="http://schemas.openxmlformats.org/officeDocument/2006/relationships" xmlns:p="http://schemas.openxmlformats.org/presentationml/2006/main">
   <p:cSld>
     <p:spTree>
@@ -12292,6 +12780,57 @@
       </p:grpSpPr>
       <p:sp>
         <p:nvSpPr>
+          <p:cNvPr id="3" name="Wave 2"/>
+          <p:cNvSpPr/>
+          <p:nvPr/>
+        </p:nvSpPr>
+        <p:spPr>
+          <a:xfrm rot="5400000">
+            <a:off x="1175450" y="3379151"/>
+            <a:ext cx="3825918" cy="311033"/>
+          </a:xfrm>
+          <a:prstGeom prst="wave">
+            <a:avLst/>
+          </a:prstGeom>
+          <a:solidFill>
+            <a:srgbClr val="FAFCA6"/>
+          </a:solidFill>
+          <a:ln/>
+        </p:spPr>
+        <p:style>
+          <a:lnRef idx="2">
+            <a:schemeClr val="accent1"/>
+          </a:lnRef>
+          <a:fillRef idx="1">
+            <a:schemeClr val="lt1"/>
+          </a:fillRef>
+          <a:effectRef idx="0">
+            <a:schemeClr val="accent1"/>
+          </a:effectRef>
+          <a:fontRef idx="minor">
+            <a:schemeClr val="dk1"/>
+          </a:fontRef>
+        </p:style>
+        <p:txBody>
+          <a:bodyPr rot="0" spcFirstLastPara="0" vertOverflow="overflow" horzOverflow="overflow" vert="horz" wrap="square" lIns="91440" tIns="45720" rIns="91440" bIns="45720" numCol="1" spcCol="0" rtlCol="0" fromWordArt="0" anchor="ctr" anchorCtr="0" forceAA="0" compatLnSpc="1">
+            <a:prstTxWarp prst="textNoShape">
+              <a:avLst/>
+            </a:prstTxWarp>
+            <a:noAutofit/>
+          </a:bodyPr>
+          <a:lstStyle/>
+          <a:p>
+            <a:pPr algn="ctr"/>
+            <a:endParaRPr lang="en-US" dirty="0">
+              <a:solidFill>
+                <a:schemeClr val="tx1"/>
+              </a:solidFill>
+            </a:endParaRPr>
+          </a:p>
+        </p:txBody>
+      </p:sp>
+      <p:sp>
+        <p:nvSpPr>
           <p:cNvPr id="2" name="Title 1"/>
           <p:cNvSpPr>
             <a:spLocks noGrp="1"/>
@@ -12307,95 +12846,7 @@
           <a:p>
             <a:r>
               <a:rPr lang="en-US" dirty="0" smtClean="0"/>
-              <a:t>Let’s design a system!</a:t>
-            </a:r>
-            <a:endParaRPr lang="en-US" dirty="0"/>
-          </a:p>
-        </p:txBody>
-      </p:sp>
-      <p:sp>
-        <p:nvSpPr>
-          <p:cNvPr id="3" name="Content Placeholder 2"/>
-          <p:cNvSpPr>
-            <a:spLocks noGrp="1"/>
-          </p:cNvSpPr>
-          <p:nvPr>
-            <p:ph idx="1"/>
-          </p:nvPr>
-        </p:nvSpPr>
-        <p:spPr/>
-        <p:txBody>
-          <a:bodyPr>
-            <a:normAutofit fontScale="92500" lnSpcReduction="10000"/>
-          </a:bodyPr>
-          <a:lstStyle/>
-          <a:p>
-            <a:r>
-              <a:rPr lang="en-US" dirty="0" smtClean="0"/>
-              <a:t>We will have some </a:t>
-            </a:r>
-            <a:r>
-              <a:rPr lang="en-US" dirty="0" smtClean="0"/>
-              <a:t>things living </a:t>
-            </a:r>
-            <a:r>
-              <a:rPr lang="en-US" dirty="0" smtClean="0"/>
-              <a:t>on a canvas</a:t>
-            </a:r>
-            <a:r>
-              <a:rPr lang="en-US" dirty="0" smtClean="0"/>
-              <a:t>.</a:t>
-            </a:r>
-          </a:p>
-          <a:p>
-            <a:r>
-              <a:rPr lang="en-US" dirty="0" smtClean="0"/>
-              <a:t>We’ll call these things </a:t>
-            </a:r>
-            <a:r>
-              <a:rPr lang="en-US" i="1" dirty="0" smtClean="0">
-                <a:solidFill>
-                  <a:srgbClr val="FF0000"/>
-                </a:solidFill>
-              </a:rPr>
-              <a:t>widgets</a:t>
-            </a:r>
-            <a:r>
-              <a:rPr lang="en-US" i="1" dirty="0" smtClean="0"/>
-              <a:t>.  </a:t>
-            </a:r>
-            <a:r>
-              <a:rPr lang="en-US" dirty="0" smtClean="0"/>
-              <a:t>We’ll represent widgets as objects.</a:t>
-            </a:r>
-          </a:p>
-          <a:p>
-            <a:r>
-              <a:rPr lang="en-US" dirty="0"/>
-              <a:t>First step is to figure out what messages these objects should respond to.</a:t>
-            </a:r>
-          </a:p>
-          <a:p>
-            <a:r>
-              <a:rPr lang="en-US" dirty="0" smtClean="0"/>
-              <a:t>big-bang will call our world-after-XX functions</a:t>
-            </a:r>
-          </a:p>
-          <a:p>
-            <a:r>
-              <a:rPr lang="en-US" dirty="0" smtClean="0"/>
-              <a:t>Each world-after-XX function will send</a:t>
-            </a:r>
-            <a:endParaRPr lang="en-US" dirty="0" smtClean="0"/>
-          </a:p>
-          <a:p>
-            <a:r>
-              <a:rPr lang="en-US" dirty="0" smtClean="0"/>
-              <a:t>We </a:t>
-            </a:r>
-            <a:r>
-              <a:rPr lang="en-US" dirty="0" smtClean="0"/>
-              <a:t>can use our previous experience with big-bang to guide us.</a:t>
+              <a:t>System Architecture</a:t>
             </a:r>
             <a:endParaRPr lang="en-US" dirty="0"/>
           </a:p>
@@ -12418,201 +12869,7 @@
           <a:p>
             <a:fld id="{2AF3B5EA-18B6-4040-9F78-6052AF49C681}" type="slidenum">
               <a:rPr lang="en-US" smtClean="0"/>
-              <a:t>4</a:t>
-            </a:fld>
-            <a:endParaRPr lang="en-US"/>
-          </a:p>
-        </p:txBody>
-      </p:sp>
-    </p:spTree>
-    <p:extLst>
-      <p:ext uri="{BB962C8B-B14F-4D97-AF65-F5344CB8AC3E}">
-        <p14:creationId xmlns:p14="http://schemas.microsoft.com/office/powerpoint/2010/main" val="2457373900"/>
-      </p:ext>
-    </p:extLst>
-  </p:cSld>
-  <p:clrMapOvr>
-    <a:masterClrMapping/>
-  </p:clrMapOvr>
-</p:sld>
-</file>
-
-<file path=ppt/slides/slide5.xml><?xml version="1.0" encoding="utf-8"?>
-<p:sld xmlns:a="http://schemas.openxmlformats.org/drawingml/2006/main" xmlns:r="http://schemas.openxmlformats.org/officeDocument/2006/relationships" xmlns:p="http://schemas.openxmlformats.org/presentationml/2006/main">
-  <p:cSld>
-    <p:spTree>
-      <p:nvGrpSpPr>
-        <p:cNvPr id="1" name=""/>
-        <p:cNvGrpSpPr/>
-        <p:nvPr/>
-      </p:nvGrpSpPr>
-      <p:grpSpPr>
-        <a:xfrm>
-          <a:off x="0" y="0"/>
-          <a:ext cx="0" cy="0"/>
-          <a:chOff x="0" y="0"/>
-          <a:chExt cx="0" cy="0"/>
-        </a:xfrm>
-      </p:grpSpPr>
-      <p:sp>
-        <p:nvSpPr>
-          <p:cNvPr id="2" name="Title 1"/>
-          <p:cNvSpPr>
-            <a:spLocks noGrp="1"/>
-          </p:cNvSpPr>
-          <p:nvPr>
-            <p:ph type="title"/>
-          </p:nvPr>
-        </p:nvSpPr>
-        <p:spPr/>
-        <p:txBody>
-          <a:bodyPr/>
-          <a:lstStyle/>
-          <a:p>
-            <a:r>
-              <a:rPr lang="en-US" dirty="0" smtClean="0"/>
-              <a:t>System Design (2)</a:t>
-            </a:r>
-            <a:endParaRPr lang="en-US" dirty="0"/>
-          </a:p>
-        </p:txBody>
-      </p:sp>
-      <p:sp>
-        <p:nvSpPr>
-          <p:cNvPr id="3" name="Content Placeholder 2"/>
-          <p:cNvSpPr>
-            <a:spLocks noGrp="1"/>
-          </p:cNvSpPr>
-          <p:nvPr>
-            <p:ph idx="1"/>
-          </p:nvPr>
-        </p:nvSpPr>
-        <p:spPr/>
-        <p:txBody>
-          <a:bodyPr>
-            <a:normAutofit/>
-          </a:bodyPr>
-          <a:lstStyle/>
-          <a:p>
-            <a:r>
-              <a:rPr lang="en-US" dirty="0" smtClean="0"/>
-              <a:t>big-bang will call our world-after-XX functions</a:t>
-            </a:r>
-          </a:p>
-          <a:p>
-            <a:r>
-              <a:rPr lang="en-US" dirty="0" smtClean="0"/>
-              <a:t>Each world-after-XX function will send an appropriate message to each widget.</a:t>
-            </a:r>
-            <a:endParaRPr lang="en-US" dirty="0" smtClean="0"/>
-          </a:p>
-          <a:p>
-            <a:r>
-              <a:rPr lang="en-US" dirty="0" smtClean="0"/>
-              <a:t>We </a:t>
-            </a:r>
-            <a:r>
-              <a:rPr lang="en-US" dirty="0" smtClean="0"/>
-              <a:t>can use our previous experience with big-bang to guide us.</a:t>
-            </a:r>
-            <a:endParaRPr lang="en-US" dirty="0"/>
-          </a:p>
-        </p:txBody>
-      </p:sp>
-      <p:sp>
-        <p:nvSpPr>
-          <p:cNvPr id="4" name="Slide Number Placeholder 3"/>
-          <p:cNvSpPr>
-            <a:spLocks noGrp="1"/>
-          </p:cNvSpPr>
-          <p:nvPr>
-            <p:ph type="sldNum" sz="quarter" idx="12"/>
-          </p:nvPr>
-        </p:nvSpPr>
-        <p:spPr/>
-        <p:txBody>
-          <a:bodyPr/>
-          <a:lstStyle/>
-          <a:p>
-            <a:fld id="{2AF3B5EA-18B6-4040-9F78-6052AF49C681}" type="slidenum">
-              <a:rPr lang="en-US" smtClean="0"/>
-              <a:t>5</a:t>
-            </a:fld>
-            <a:endParaRPr lang="en-US"/>
-          </a:p>
-        </p:txBody>
-      </p:sp>
-    </p:spTree>
-    <p:extLst>
-      <p:ext uri="{BB962C8B-B14F-4D97-AF65-F5344CB8AC3E}">
-        <p14:creationId xmlns:p14="http://schemas.microsoft.com/office/powerpoint/2010/main" val="3061028023"/>
-      </p:ext>
-    </p:extLst>
-  </p:cSld>
-  <p:clrMapOvr>
-    <a:masterClrMapping/>
-  </p:clrMapOvr>
-</p:sld>
-</file>
-
-<file path=ppt/slides/slide6.xml><?xml version="1.0" encoding="utf-8"?>
-<p:sld xmlns:a="http://schemas.openxmlformats.org/drawingml/2006/main" xmlns:r="http://schemas.openxmlformats.org/officeDocument/2006/relationships" xmlns:p="http://schemas.openxmlformats.org/presentationml/2006/main">
-  <p:cSld>
-    <p:spTree>
-      <p:nvGrpSpPr>
-        <p:cNvPr id="1" name=""/>
-        <p:cNvGrpSpPr/>
-        <p:nvPr/>
-      </p:nvGrpSpPr>
-      <p:grpSpPr>
-        <a:xfrm>
-          <a:off x="0" y="0"/>
-          <a:ext cx="0" cy="0"/>
-          <a:chOff x="0" y="0"/>
-          <a:chExt cx="0" cy="0"/>
-        </a:xfrm>
-      </p:grpSpPr>
-      <p:sp>
-        <p:nvSpPr>
-          <p:cNvPr id="2" name="Title 1"/>
-          <p:cNvSpPr>
-            <a:spLocks noGrp="1"/>
-          </p:cNvSpPr>
-          <p:nvPr>
-            <p:ph type="title"/>
-          </p:nvPr>
-        </p:nvSpPr>
-        <p:spPr/>
-        <p:txBody>
-          <a:bodyPr/>
-          <a:lstStyle/>
-          <a:p>
-            <a:r>
-              <a:rPr lang="en-US" dirty="0" smtClean="0"/>
-              <a:t>System Architecture</a:t>
-            </a:r>
-            <a:endParaRPr lang="en-US" dirty="0"/>
-          </a:p>
-        </p:txBody>
-      </p:sp>
-      <p:sp>
-        <p:nvSpPr>
-          <p:cNvPr id="4" name="Slide Number Placeholder 3"/>
-          <p:cNvSpPr>
-            <a:spLocks noGrp="1"/>
-          </p:cNvSpPr>
-          <p:nvPr>
-            <p:ph type="sldNum" sz="quarter" idx="12"/>
-          </p:nvPr>
-        </p:nvSpPr>
-        <p:spPr/>
-        <p:txBody>
-          <a:bodyPr/>
-          <a:lstStyle/>
-          <a:p>
-            <a:fld id="{2AF3B5EA-18B6-4040-9F78-6052AF49C681}" type="slidenum">
-              <a:rPr lang="en-US" smtClean="0"/>
-              <a:t>6</a:t>
+              <a:t>26</a:t>
             </a:fld>
             <a:endParaRPr lang="en-US"/>
           </a:p>
@@ -12659,14 +12916,14 @@
           <a:p>
             <a:pPr algn="ctr"/>
             <a:r>
-              <a:rPr lang="en-US" dirty="0" err="1" smtClean="0">
+              <a:rPr lang="en-US" b="1" dirty="0" smtClean="0">
                 <a:solidFill>
                   <a:schemeClr val="tx1"/>
                 </a:solidFill>
               </a:rPr>
-              <a:t>BigBang</a:t>
-            </a:r>
-            <a:endParaRPr lang="en-US" dirty="0">
+              <a:t>run</a:t>
+            </a:r>
+            <a:endParaRPr lang="en-US" b="1" dirty="0">
               <a:solidFill>
                 <a:schemeClr val="tx1"/>
               </a:solidFill>
@@ -12689,7 +12946,7 @@
             <a:avLst/>
           </a:prstGeom>
           <a:ln>
-            <a:prstDash val="dash"/>
+            <a:prstDash val="solid"/>
           </a:ln>
         </p:spPr>
         <p:style>
@@ -12770,7 +13027,7 @@
                   <a:schemeClr val="tx1"/>
                 </a:solidFill>
               </a:rPr>
-              <a:t>world-after-tick</a:t>
+              <a:t>after-tick</a:t>
             </a:r>
             <a:endParaRPr lang="en-US" dirty="0">
               <a:solidFill>
@@ -12826,7 +13083,7 @@
                   <a:schemeClr val="tx1"/>
                 </a:solidFill>
               </a:rPr>
-              <a:t>world-after-key-event</a:t>
+              <a:t>after-key-event</a:t>
             </a:r>
             <a:endParaRPr lang="en-US" dirty="0">
               <a:solidFill>
@@ -12882,7 +13139,7 @@
                   <a:schemeClr val="tx1"/>
                 </a:solidFill>
               </a:rPr>
-              <a:t>world-after-mouse-event</a:t>
+              <a:t>after-mouse-event</a:t>
             </a:r>
             <a:endParaRPr lang="en-US" dirty="0">
               <a:solidFill>
@@ -12938,7 +13195,7 @@
                   <a:schemeClr val="tx1"/>
                 </a:solidFill>
               </a:rPr>
-              <a:t>world-to-scene</a:t>
+              <a:t>to-scene</a:t>
             </a:r>
             <a:endParaRPr lang="en-US" dirty="0">
               <a:solidFill>
@@ -13611,8 +13868,8 @@
         </p:nvSpPr>
         <p:spPr>
           <a:xfrm>
-            <a:off x="2667752" y="1860595"/>
-            <a:ext cx="716222" cy="461665"/>
+            <a:off x="2124551" y="5694698"/>
+            <a:ext cx="1927715" cy="923330"/>
           </a:xfrm>
           <a:prstGeom prst="rect">
             <a:avLst/>
@@ -13620,36 +13877,38 @@
           <a:noFill/>
         </p:spPr>
         <p:txBody>
-          <a:bodyPr wrap="none" rtlCol="0">
+          <a:bodyPr wrap="square" rtlCol="0">
             <a:spAutoFit/>
           </a:bodyPr>
           <a:lstStyle/>
           <a:p>
-            <a:r>
-              <a:rPr lang="en-US" sz="1200" dirty="0" smtClean="0"/>
-              <a:t>function</a:t>
-            </a:r>
-          </a:p>
-          <a:p>
             <a:pPr algn="ctr"/>
             <a:r>
-              <a:rPr lang="en-US" sz="1200" dirty="0" smtClean="0"/>
-              <a:t>calls</a:t>
-            </a:r>
-            <a:endParaRPr lang="en-US" sz="1200" dirty="0"/>
-          </a:p>
-        </p:txBody>
-      </p:sp>
-      <p:sp>
-        <p:nvSpPr>
-          <p:cNvPr id="60" name="TextBox 59"/>
+              <a:rPr lang="en-US" dirty="0" smtClean="0"/>
+              <a:t>method calls using </a:t>
+            </a:r>
+            <a:r>
+              <a:rPr lang="en-US" dirty="0" err="1" smtClean="0"/>
+              <a:t>WorldState</a:t>
+            </a:r>
+            <a:r>
+              <a:rPr lang="en-US" dirty="0" smtClean="0"/>
+              <a:t>&lt;%&gt; interface</a:t>
+            </a:r>
+            <a:endParaRPr lang="en-US" dirty="0"/>
+          </a:p>
+        </p:txBody>
+      </p:sp>
+      <p:sp>
+        <p:nvSpPr>
+          <p:cNvPr id="61" name="TextBox 60"/>
           <p:cNvSpPr txBox="1"/>
           <p:nvPr/>
         </p:nvSpPr>
         <p:spPr>
           <a:xfrm>
-            <a:off x="5478318" y="1587699"/>
-            <a:ext cx="677558" cy="461665"/>
+            <a:off x="6349039" y="4474441"/>
+            <a:ext cx="414409" cy="276999"/>
           </a:xfrm>
           <a:prstGeom prst="rect">
             <a:avLst/>
@@ -13664,16 +13923,3578 @@
           <a:p>
             <a:r>
               <a:rPr lang="en-US" sz="1200" dirty="0" smtClean="0"/>
-              <a:t>method</a:t>
-            </a:r>
-          </a:p>
+              <a:t>etc.</a:t>
+            </a:r>
+            <a:endParaRPr lang="en-US" sz="1200" dirty="0"/>
+          </a:p>
+        </p:txBody>
+      </p:sp>
+      <p:sp>
+        <p:nvSpPr>
+          <p:cNvPr id="35" name="Wave 34"/>
+          <p:cNvSpPr/>
+          <p:nvPr/>
+        </p:nvSpPr>
+        <p:spPr>
+          <a:xfrm rot="5400000">
+            <a:off x="4012862" y="3335828"/>
+            <a:ext cx="3825918" cy="311033"/>
+          </a:xfrm>
+          <a:prstGeom prst="wave">
+            <a:avLst/>
+          </a:prstGeom>
+          <a:solidFill>
+            <a:srgbClr val="FAFCA6"/>
+          </a:solidFill>
+          <a:ln/>
+        </p:spPr>
+        <p:style>
+          <a:lnRef idx="2">
+            <a:schemeClr val="accent1"/>
+          </a:lnRef>
+          <a:fillRef idx="1">
+            <a:schemeClr val="lt1"/>
+          </a:fillRef>
+          <a:effectRef idx="0">
+            <a:schemeClr val="accent1"/>
+          </a:effectRef>
+          <a:fontRef idx="minor">
+            <a:schemeClr val="dk1"/>
+          </a:fontRef>
+        </p:style>
+        <p:txBody>
+          <a:bodyPr rot="0" spcFirstLastPara="0" vertOverflow="overflow" horzOverflow="overflow" vert="horz" wrap="square" lIns="91440" tIns="45720" rIns="91440" bIns="45720" numCol="1" spcCol="0" rtlCol="0" fromWordArt="0" anchor="ctr" anchorCtr="0" forceAA="0" compatLnSpc="1">
+            <a:prstTxWarp prst="textNoShape">
+              <a:avLst/>
+            </a:prstTxWarp>
+            <a:noAutofit/>
+          </a:bodyPr>
+          <a:lstStyle/>
           <a:p>
             <a:pPr algn="ctr"/>
-            <a:r>
-              <a:rPr lang="en-US" sz="1200" dirty="0" smtClean="0"/>
+            <a:endParaRPr lang="en-US" dirty="0">
+              <a:solidFill>
+                <a:schemeClr val="tx1"/>
+              </a:solidFill>
+            </a:endParaRPr>
+          </a:p>
+        </p:txBody>
+      </p:sp>
+      <p:sp>
+        <p:nvSpPr>
+          <p:cNvPr id="36" name="TextBox 35"/>
+          <p:cNvSpPr txBox="1"/>
+          <p:nvPr/>
+        </p:nvSpPr>
+        <p:spPr>
+          <a:xfrm>
+            <a:off x="4958960" y="5694698"/>
+            <a:ext cx="1927715" cy="923330"/>
+          </a:xfrm>
+          <a:prstGeom prst="rect">
+            <a:avLst/>
+          </a:prstGeom>
+          <a:noFill/>
+        </p:spPr>
+        <p:txBody>
+          <a:bodyPr wrap="square" rtlCol="0">
+            <a:spAutoFit/>
+          </a:bodyPr>
+          <a:lstStyle/>
+          <a:p>
+            <a:pPr algn="ctr"/>
+            <a:r>
+              <a:rPr lang="en-US" dirty="0" smtClean="0"/>
+              <a:t>method calls using Widget&lt;%&gt; interface</a:t>
+            </a:r>
+            <a:endParaRPr lang="en-US" dirty="0"/>
+          </a:p>
+        </p:txBody>
+      </p:sp>
+    </p:spTree>
+    <p:extLst>
+      <p:ext uri="{BB962C8B-B14F-4D97-AF65-F5344CB8AC3E}">
+        <p14:creationId xmlns:p14="http://schemas.microsoft.com/office/powerpoint/2010/main" val="1588359018"/>
+      </p:ext>
+    </p:extLst>
+  </p:cSld>
+  <p:clrMapOvr>
+    <a:masterClrMapping/>
+  </p:clrMapOvr>
+</p:sld>
+</file>
+
+<file path=ppt/slides/slide27.xml><?xml version="1.0" encoding="utf-8"?>
+<p:sld xmlns:a="http://schemas.openxmlformats.org/drawingml/2006/main" xmlns:r="http://schemas.openxmlformats.org/officeDocument/2006/relationships" xmlns:p="http://schemas.openxmlformats.org/presentationml/2006/main">
+  <p:cSld>
+    <p:spTree>
+      <p:nvGrpSpPr>
+        <p:cNvPr id="1" name=""/>
+        <p:cNvGrpSpPr/>
+        <p:nvPr/>
+      </p:nvGrpSpPr>
+      <p:grpSpPr>
+        <a:xfrm>
+          <a:off x="0" y="0"/>
+          <a:ext cx="0" cy="0"/>
+          <a:chOff x="0" y="0"/>
+          <a:chExt cx="0" cy="0"/>
+        </a:xfrm>
+      </p:grpSpPr>
+      <p:sp>
+        <p:nvSpPr>
+          <p:cNvPr id="2" name="Title 1"/>
+          <p:cNvSpPr>
+            <a:spLocks noGrp="1"/>
+          </p:cNvSpPr>
+          <p:nvPr>
+            <p:ph type="title"/>
+          </p:nvPr>
+        </p:nvSpPr>
+        <p:spPr/>
+        <p:txBody>
+          <a:bodyPr/>
+          <a:lstStyle/>
+          <a:p>
+            <a:r>
+              <a:rPr lang="en-US" dirty="0" smtClean="0"/>
+              <a:t>The new </a:t>
+            </a:r>
+            <a:r>
+              <a:rPr lang="en-US" b="1" dirty="0" smtClean="0"/>
+              <a:t>run</a:t>
+            </a:r>
+            <a:r>
+              <a:rPr lang="en-US" dirty="0" smtClean="0"/>
+              <a:t> function</a:t>
+            </a:r>
+            <a:endParaRPr lang="en-US" dirty="0"/>
+          </a:p>
+        </p:txBody>
+      </p:sp>
+      <p:sp>
+        <p:nvSpPr>
+          <p:cNvPr id="3" name="Content Placeholder 2"/>
+          <p:cNvSpPr>
+            <a:spLocks noGrp="1"/>
+          </p:cNvSpPr>
+          <p:nvPr>
+            <p:ph idx="1"/>
+          </p:nvPr>
+        </p:nvSpPr>
+        <p:spPr/>
+        <p:txBody>
+          <a:bodyPr>
+            <a:normAutofit fontScale="47500" lnSpcReduction="20000"/>
+          </a:bodyPr>
+          <a:lstStyle/>
+          <a:p>
+            <a:r>
+              <a:rPr lang="en-US" dirty="0"/>
+              <a:t>; run : </a:t>
+            </a:r>
+            <a:r>
+              <a:rPr lang="en-US" dirty="0" err="1"/>
+              <a:t>PosReal</a:t>
+            </a:r>
+            <a:r>
+              <a:rPr lang="en-US" dirty="0"/>
+              <a:t> -&gt; World</a:t>
+            </a:r>
+          </a:p>
+          <a:p>
+            <a:r>
+              <a:rPr lang="en-US" dirty="0"/>
+              <a:t>; GIVEN: a frame rate, in secs/tick</a:t>
+            </a:r>
+          </a:p>
+          <a:p>
+            <a:r>
+              <a:rPr lang="en-US" dirty="0"/>
+              <a:t>; EFFECT: runs an initial world at the given frame rate</a:t>
+            </a:r>
+          </a:p>
+          <a:p>
+            <a:r>
+              <a:rPr lang="en-US" dirty="0"/>
+              <a:t>; RETURNS: the final state of the world</a:t>
+            </a:r>
+          </a:p>
+          <a:p>
+            <a:r>
+              <a:rPr lang="en-US" dirty="0"/>
+              <a:t>(define (run rate)</a:t>
+            </a:r>
+          </a:p>
+          <a:p>
+            <a:r>
+              <a:rPr lang="en-US" dirty="0"/>
+              <a:t>  (big-bang (initial-world)</a:t>
+            </a:r>
+          </a:p>
+          <a:p>
+            <a:r>
+              <a:rPr lang="en-US" dirty="0"/>
+              <a:t>    (on-tick</a:t>
+            </a:r>
+          </a:p>
+          <a:p>
+            <a:r>
+              <a:rPr lang="en-US" dirty="0"/>
+              <a:t>      (lambda (w) (send w after-tick))</a:t>
+            </a:r>
+          </a:p>
+          <a:p>
+            <a:r>
+              <a:rPr lang="en-US" dirty="0"/>
+              <a:t>      rate)</a:t>
+            </a:r>
+          </a:p>
+          <a:p>
+            <a:r>
+              <a:rPr lang="en-US" dirty="0"/>
+              <a:t>    (on-draw</a:t>
+            </a:r>
+          </a:p>
+          <a:p>
+            <a:r>
+              <a:rPr lang="en-US" dirty="0"/>
+              <a:t>      (lambda (w) (send w to-scene)))</a:t>
+            </a:r>
+          </a:p>
+          <a:p>
+            <a:r>
+              <a:rPr lang="en-US" dirty="0"/>
+              <a:t>    (on-key</a:t>
+            </a:r>
+          </a:p>
+          <a:p>
+            <a:r>
+              <a:rPr lang="en-US" dirty="0"/>
+              <a:t>      (lambda (w </a:t>
+            </a:r>
+            <a:r>
+              <a:rPr lang="en-US" dirty="0" err="1"/>
+              <a:t>kev</a:t>
+            </a:r>
+            <a:r>
+              <a:rPr lang="en-US" dirty="0"/>
+              <a:t>)</a:t>
+            </a:r>
+          </a:p>
+          <a:p>
+            <a:r>
+              <a:rPr lang="en-US" dirty="0"/>
+              <a:t>        (send w after-key-event </a:t>
+            </a:r>
+            <a:r>
+              <a:rPr lang="en-US" dirty="0" err="1"/>
+              <a:t>kev</a:t>
+            </a:r>
+            <a:r>
+              <a:rPr lang="en-US" dirty="0"/>
+              <a:t>)))</a:t>
+            </a:r>
+          </a:p>
+          <a:p>
+            <a:r>
+              <a:rPr lang="en-US" dirty="0"/>
+              <a:t>    (on-mouse</a:t>
+            </a:r>
+          </a:p>
+          <a:p>
+            <a:r>
+              <a:rPr lang="en-US" dirty="0"/>
+              <a:t>      (lambda (w mx my </a:t>
+            </a:r>
+            <a:r>
+              <a:rPr lang="en-US" dirty="0" err="1"/>
+              <a:t>mev</a:t>
+            </a:r>
+            <a:r>
+              <a:rPr lang="en-US" dirty="0"/>
+              <a:t>)</a:t>
+            </a:r>
+          </a:p>
+          <a:p>
+            <a:r>
+              <a:rPr lang="en-US" dirty="0"/>
+              <a:t>        (send w after-mouse-event mx my </a:t>
+            </a:r>
+            <a:r>
+              <a:rPr lang="en-US" dirty="0" err="1"/>
+              <a:t>mev</a:t>
+            </a:r>
+            <a:r>
+              <a:rPr lang="en-US" dirty="0"/>
+              <a:t>)))))</a:t>
+            </a:r>
+          </a:p>
+          <a:p>
+            <a:endParaRPr lang="en-US" dirty="0"/>
+          </a:p>
+        </p:txBody>
+      </p:sp>
+      <p:sp>
+        <p:nvSpPr>
+          <p:cNvPr id="4" name="Slide Number Placeholder 3"/>
+          <p:cNvSpPr>
+            <a:spLocks noGrp="1"/>
+          </p:cNvSpPr>
+          <p:nvPr>
+            <p:ph type="sldNum" sz="quarter" idx="12"/>
+          </p:nvPr>
+        </p:nvSpPr>
+        <p:spPr/>
+        <p:txBody>
+          <a:bodyPr/>
+          <a:lstStyle/>
+          <a:p>
+            <a:fld id="{2AF3B5EA-18B6-4040-9F78-6052AF49C681}" type="slidenum">
+              <a:rPr lang="en-US" smtClean="0"/>
+              <a:t>27</a:t>
+            </a:fld>
+            <a:endParaRPr lang="en-US"/>
+          </a:p>
+        </p:txBody>
+      </p:sp>
+      <p:sp>
+        <p:nvSpPr>
+          <p:cNvPr id="5" name="Rectangle 4"/>
+          <p:cNvSpPr/>
+          <p:nvPr/>
+        </p:nvSpPr>
+        <p:spPr>
+          <a:xfrm>
+            <a:off x="6037943" y="3332219"/>
+            <a:ext cx="2757714" cy="1061923"/>
+          </a:xfrm>
+          <a:prstGeom prst="rect">
+            <a:avLst/>
+          </a:prstGeom>
+          <a:solidFill>
+            <a:schemeClr val="accent3">
+              <a:lumMod val="40000"/>
+              <a:lumOff val="60000"/>
+            </a:schemeClr>
+          </a:solidFill>
+          <a:ln/>
+        </p:spPr>
+        <p:style>
+          <a:lnRef idx="2">
+            <a:schemeClr val="accent1"/>
+          </a:lnRef>
+          <a:fillRef idx="1">
+            <a:schemeClr val="lt1"/>
+          </a:fillRef>
+          <a:effectRef idx="0">
+            <a:schemeClr val="accent1"/>
+          </a:effectRef>
+          <a:fontRef idx="minor">
+            <a:schemeClr val="dk1"/>
+          </a:fontRef>
+        </p:style>
+        <p:txBody>
+          <a:bodyPr rot="0" spcFirstLastPara="0" vertOverflow="overflow" horzOverflow="overflow" vert="horz" wrap="square" lIns="91440" tIns="45720" rIns="91440" bIns="45720" numCol="1" spcCol="0" rtlCol="0" fromWordArt="0" anchor="ctr" anchorCtr="0" forceAA="0" compatLnSpc="1">
+            <a:prstTxWarp prst="textNoShape">
+              <a:avLst/>
+            </a:prstTxWarp>
+            <a:noAutofit/>
+          </a:bodyPr>
+          <a:lstStyle/>
+          <a:p>
+            <a:pPr algn="ctr"/>
+            <a:r>
+              <a:rPr lang="en-US" sz="2000" dirty="0" smtClean="0">
+                <a:solidFill>
+                  <a:schemeClr val="tx1"/>
+                </a:solidFill>
+              </a:rPr>
+              <a:t>Compare this to the </a:t>
+            </a:r>
+            <a:r>
+              <a:rPr lang="en-US" sz="2000" b="1" dirty="0" smtClean="0">
+                <a:solidFill>
+                  <a:schemeClr val="tx1"/>
+                </a:solidFill>
+              </a:rPr>
+              <a:t>run</a:t>
+            </a:r>
+            <a:r>
+              <a:rPr lang="en-US" sz="2000" dirty="0" smtClean="0">
+                <a:solidFill>
+                  <a:schemeClr val="tx1"/>
+                </a:solidFill>
+              </a:rPr>
+              <a:t> function in slide 13.</a:t>
+            </a:r>
+            <a:endParaRPr lang="en-US" sz="2000" dirty="0">
+              <a:solidFill>
+                <a:schemeClr val="tx1"/>
+              </a:solidFill>
+            </a:endParaRPr>
+          </a:p>
+        </p:txBody>
+      </p:sp>
+    </p:spTree>
+    <p:extLst>
+      <p:ext uri="{BB962C8B-B14F-4D97-AF65-F5344CB8AC3E}">
+        <p14:creationId xmlns:p14="http://schemas.microsoft.com/office/powerpoint/2010/main" val="1724697941"/>
+      </p:ext>
+    </p:extLst>
+  </p:cSld>
+  <p:clrMapOvr>
+    <a:masterClrMapping/>
+  </p:clrMapOvr>
+</p:sld>
+</file>
+
+<file path=ppt/slides/slide28.xml><?xml version="1.0" encoding="utf-8"?>
+<p:sld xmlns:a="http://schemas.openxmlformats.org/drawingml/2006/main" xmlns:r="http://schemas.openxmlformats.org/officeDocument/2006/relationships" xmlns:p="http://schemas.openxmlformats.org/presentationml/2006/main">
+  <p:cSld>
+    <p:spTree>
+      <p:nvGrpSpPr>
+        <p:cNvPr id="1" name=""/>
+        <p:cNvGrpSpPr/>
+        <p:nvPr/>
+      </p:nvGrpSpPr>
+      <p:grpSpPr>
+        <a:xfrm>
+          <a:off x="0" y="0"/>
+          <a:ext cx="0" cy="0"/>
+          <a:chOff x="0" y="0"/>
+          <a:chExt cx="0" cy="0"/>
+        </a:xfrm>
+      </p:grpSpPr>
+      <p:sp>
+        <p:nvSpPr>
+          <p:cNvPr id="5" name="Title 4"/>
+          <p:cNvSpPr>
+            <a:spLocks noGrp="1"/>
+          </p:cNvSpPr>
+          <p:nvPr>
+            <p:ph type="title"/>
+          </p:nvPr>
+        </p:nvSpPr>
+        <p:spPr/>
+        <p:txBody>
+          <a:bodyPr/>
+          <a:lstStyle/>
+          <a:p>
+            <a:r>
+              <a:rPr lang="en-US" dirty="0" smtClean="0"/>
+              <a:t>The class </a:t>
+            </a:r>
+            <a:r>
+              <a:rPr lang="en-US" dirty="0" err="1" smtClean="0"/>
+              <a:t>WorldState</a:t>
+            </a:r>
+            <a:r>
+              <a:rPr lang="en-US" dirty="0" smtClean="0"/>
+              <a:t>%</a:t>
+            </a:r>
+            <a:endParaRPr lang="en-US" dirty="0"/>
+          </a:p>
+        </p:txBody>
+      </p:sp>
+      <p:sp>
+        <p:nvSpPr>
+          <p:cNvPr id="6" name="Content Placeholder 5"/>
+          <p:cNvSpPr>
+            <a:spLocks noGrp="1"/>
+          </p:cNvSpPr>
+          <p:nvPr>
+            <p:ph sz="half" idx="1"/>
+          </p:nvPr>
+        </p:nvSpPr>
+        <p:spPr/>
+        <p:txBody>
+          <a:bodyPr>
+            <a:noAutofit/>
+          </a:bodyPr>
+          <a:lstStyle/>
+          <a:p>
+            <a:r>
+              <a:rPr lang="en-US" sz="1100" dirty="0"/>
+              <a:t>;; A </a:t>
+            </a:r>
+            <a:r>
+              <a:rPr lang="en-US" sz="1100" dirty="0" err="1"/>
+              <a:t>WorldState</a:t>
+            </a:r>
+            <a:r>
+              <a:rPr lang="en-US" sz="1100" dirty="0"/>
+              <a:t> is a </a:t>
+            </a:r>
+            <a:endParaRPr lang="en-US" sz="1100" dirty="0" smtClean="0"/>
+          </a:p>
+          <a:p>
+            <a:r>
+              <a:rPr lang="en-US" sz="1100" dirty="0" smtClean="0"/>
+              <a:t>;;  (</a:t>
+            </a:r>
+            <a:r>
+              <a:rPr lang="en-US" sz="1100" dirty="0"/>
+              <a:t>make-world-state </a:t>
+            </a:r>
+            <a:r>
+              <a:rPr lang="en-US" sz="1100" dirty="0" err="1"/>
+              <a:t>ListOfWidget</a:t>
+            </a:r>
+            <a:r>
+              <a:rPr lang="en-US" sz="1100" dirty="0"/>
+              <a:t> Time)</a:t>
+            </a:r>
+          </a:p>
+          <a:p>
+            <a:endParaRPr lang="en-US" sz="1100" dirty="0"/>
+          </a:p>
+          <a:p>
+            <a:r>
+              <a:rPr lang="en-US" sz="1100" dirty="0"/>
+              <a:t>(define (make-world-state </a:t>
+            </a:r>
+            <a:r>
+              <a:rPr lang="en-US" sz="1100" dirty="0" err="1"/>
+              <a:t>objs</a:t>
+            </a:r>
+            <a:r>
+              <a:rPr lang="en-US" sz="1100" dirty="0"/>
+              <a:t> t)</a:t>
+            </a:r>
+          </a:p>
+          <a:p>
+            <a:r>
+              <a:rPr lang="en-US" sz="1100" dirty="0"/>
+              <a:t>  (new </a:t>
+            </a:r>
+            <a:r>
+              <a:rPr lang="en-US" sz="1100" dirty="0" err="1"/>
+              <a:t>WorldState</a:t>
+            </a:r>
+            <a:r>
+              <a:rPr lang="en-US" sz="1100" dirty="0"/>
+              <a:t>% [</a:t>
+            </a:r>
+            <a:r>
+              <a:rPr lang="en-US" sz="1100" dirty="0" err="1"/>
+              <a:t>objs</a:t>
+            </a:r>
+            <a:r>
+              <a:rPr lang="en-US" sz="1100" dirty="0"/>
+              <a:t> </a:t>
+            </a:r>
+            <a:r>
+              <a:rPr lang="en-US" sz="1100" dirty="0" err="1"/>
+              <a:t>objs</a:t>
+            </a:r>
+            <a:r>
+              <a:rPr lang="en-US" sz="1100" dirty="0"/>
+              <a:t>][t t]))</a:t>
+            </a:r>
+          </a:p>
+          <a:p>
+            <a:endParaRPr lang="en-US" sz="1100" dirty="0"/>
+          </a:p>
+          <a:p>
+            <a:r>
+              <a:rPr lang="en-US" sz="1100" dirty="0"/>
+              <a:t>(define </a:t>
+            </a:r>
+            <a:r>
+              <a:rPr lang="en-US" sz="1100" dirty="0" err="1"/>
+              <a:t>WorldState</a:t>
+            </a:r>
+            <a:r>
+              <a:rPr lang="en-US" sz="1100" dirty="0"/>
+              <a:t>%</a:t>
+            </a:r>
+          </a:p>
+          <a:p>
+            <a:r>
+              <a:rPr lang="en-US" sz="1100" dirty="0"/>
+              <a:t>  (class* object% (</a:t>
+            </a:r>
+            <a:r>
+              <a:rPr lang="en-US" sz="1100" dirty="0" err="1"/>
+              <a:t>WorldState</a:t>
+            </a:r>
+            <a:r>
+              <a:rPr lang="en-US" sz="1100" dirty="0"/>
+              <a:t>&lt;%&gt;)</a:t>
+            </a:r>
+          </a:p>
+          <a:p>
+            <a:endParaRPr lang="en-US" sz="1100" dirty="0"/>
+          </a:p>
+          <a:p>
+            <a:r>
+              <a:rPr lang="en-US" sz="1100" dirty="0"/>
+              <a:t>    (</a:t>
+            </a:r>
+            <a:r>
+              <a:rPr lang="en-US" sz="1100" dirty="0" err="1"/>
+              <a:t>init</a:t>
+            </a:r>
+            <a:r>
+              <a:rPr lang="en-US" sz="1100" dirty="0"/>
+              <a:t>-field </a:t>
+            </a:r>
+            <a:r>
+              <a:rPr lang="en-US" sz="1100" dirty="0" err="1"/>
+              <a:t>objs</a:t>
+            </a:r>
+            <a:r>
+              <a:rPr lang="en-US" sz="1100" dirty="0"/>
+              <a:t>) ;  </a:t>
+            </a:r>
+            <a:r>
+              <a:rPr lang="en-US" sz="1100" dirty="0" err="1"/>
+              <a:t>ListOfWidget</a:t>
+            </a:r>
+            <a:endParaRPr lang="en-US" sz="1100" dirty="0"/>
+          </a:p>
+          <a:p>
+            <a:r>
+              <a:rPr lang="en-US" sz="1100" dirty="0"/>
+              <a:t>    (</a:t>
+            </a:r>
+            <a:r>
+              <a:rPr lang="en-US" sz="1100" dirty="0" err="1"/>
+              <a:t>init</a:t>
+            </a:r>
+            <a:r>
+              <a:rPr lang="en-US" sz="1100" dirty="0"/>
+              <a:t>-field t)    ;  Time</a:t>
+            </a:r>
+          </a:p>
+          <a:p>
+            <a:endParaRPr lang="en-US" sz="1100" dirty="0"/>
+          </a:p>
+          <a:p>
+            <a:r>
+              <a:rPr lang="en-US" sz="1100" dirty="0"/>
+              <a:t>    (super-new)</a:t>
+            </a:r>
+          </a:p>
+          <a:p>
+            <a:endParaRPr lang="en-US" sz="1100" dirty="0"/>
+          </a:p>
+          <a:p>
+            <a:r>
+              <a:rPr lang="en-US" sz="1100" dirty="0"/>
+              <a:t>    ;; after-tick : -&gt; World</a:t>
+            </a:r>
+          </a:p>
+          <a:p>
+            <a:r>
+              <a:rPr lang="en-US" sz="1100" dirty="0"/>
+              <a:t>    ;; Use </a:t>
+            </a:r>
+            <a:r>
+              <a:rPr lang="en-US" sz="1100" dirty="0" smtClean="0"/>
+              <a:t>HOF </a:t>
+            </a:r>
+            <a:r>
+              <a:rPr lang="en-US" sz="1100" dirty="0"/>
+              <a:t>map on the </a:t>
+            </a:r>
+            <a:r>
+              <a:rPr lang="en-US" sz="1100" dirty="0" smtClean="0"/>
+              <a:t>Widget</a:t>
+            </a:r>
+            <a:r>
+              <a:rPr lang="en-US" sz="1100" dirty="0"/>
+              <a:t>s</a:t>
+            </a:r>
+            <a:r>
+              <a:rPr lang="en-US" sz="1100" dirty="0" smtClean="0"/>
+              <a:t> </a:t>
+            </a:r>
+            <a:r>
+              <a:rPr lang="en-US" sz="1100" dirty="0"/>
+              <a:t>in this </a:t>
+            </a:r>
+            <a:r>
+              <a:rPr lang="en-US" sz="1100" dirty="0" smtClean="0"/>
+              <a:t>World</a:t>
+            </a:r>
+          </a:p>
+          <a:p>
+            <a:endParaRPr lang="en-US" sz="1100" dirty="0"/>
+          </a:p>
+          <a:p>
+            <a:r>
+              <a:rPr lang="en-US" sz="1100" dirty="0" smtClean="0"/>
+              <a:t>    </a:t>
+            </a:r>
+            <a:r>
+              <a:rPr lang="en-US" sz="1100" dirty="0"/>
+              <a:t>(define/public (after-tick)</a:t>
+            </a:r>
+          </a:p>
+          <a:p>
+            <a:r>
+              <a:rPr lang="en-US" sz="1100" dirty="0"/>
+              <a:t>      (make-world-state</a:t>
+            </a:r>
+          </a:p>
+          <a:p>
+            <a:r>
+              <a:rPr lang="en-US" sz="1100" dirty="0"/>
+              <a:t>        (map</a:t>
+            </a:r>
+          </a:p>
+          <a:p>
+            <a:r>
+              <a:rPr lang="en-US" sz="1100" dirty="0"/>
+              <a:t>          (lambda (</a:t>
+            </a:r>
+            <a:r>
+              <a:rPr lang="en-US" sz="1100" dirty="0" err="1"/>
+              <a:t>obj</a:t>
+            </a:r>
+            <a:r>
+              <a:rPr lang="en-US" sz="1100" dirty="0"/>
+              <a:t>) (send </a:t>
+            </a:r>
+            <a:r>
+              <a:rPr lang="en-US" sz="1100" dirty="0" err="1"/>
+              <a:t>obj</a:t>
+            </a:r>
+            <a:r>
+              <a:rPr lang="en-US" sz="1100" dirty="0"/>
+              <a:t> after-tick))</a:t>
+            </a:r>
+          </a:p>
+          <a:p>
+            <a:r>
+              <a:rPr lang="en-US" sz="1100" dirty="0"/>
+              <a:t>          </a:t>
+            </a:r>
+            <a:r>
+              <a:rPr lang="en-US" sz="1100" dirty="0" err="1"/>
+              <a:t>objs</a:t>
+            </a:r>
+            <a:r>
+              <a:rPr lang="en-US" sz="1100" dirty="0"/>
+              <a:t>)</a:t>
+            </a:r>
+          </a:p>
+          <a:p>
+            <a:r>
+              <a:rPr lang="en-US" sz="1100" dirty="0"/>
+              <a:t>        (+ 1 t)))</a:t>
+            </a:r>
+          </a:p>
+          <a:p>
+            <a:endParaRPr lang="en-US" sz="1100" dirty="0"/>
+          </a:p>
+        </p:txBody>
+      </p:sp>
+      <p:sp>
+        <p:nvSpPr>
+          <p:cNvPr id="7" name="Content Placeholder 6"/>
+          <p:cNvSpPr>
+            <a:spLocks noGrp="1"/>
+          </p:cNvSpPr>
+          <p:nvPr>
+            <p:ph sz="half" idx="2"/>
+          </p:nvPr>
+        </p:nvSpPr>
+        <p:spPr/>
+        <p:txBody>
+          <a:bodyPr>
+            <a:noAutofit/>
+          </a:bodyPr>
+          <a:lstStyle/>
+          <a:p>
+            <a:r>
+              <a:rPr lang="en-US" sz="1100" dirty="0"/>
+              <a:t> </a:t>
+            </a:r>
+            <a:r>
+              <a:rPr lang="en-US" sz="1100" dirty="0" smtClean="0"/>
+              <a:t>   ;; </a:t>
+            </a:r>
+            <a:r>
+              <a:rPr lang="en-US" sz="1100" dirty="0"/>
+              <a:t>to-scene : -&gt; Scene</a:t>
+            </a:r>
+          </a:p>
+          <a:p>
+            <a:r>
+              <a:rPr lang="en-US" sz="1100" dirty="0"/>
+              <a:t>    ;; Use </a:t>
+            </a:r>
+            <a:r>
+              <a:rPr lang="en-US" sz="1100" dirty="0" smtClean="0"/>
+              <a:t>HOF </a:t>
+            </a:r>
+            <a:r>
+              <a:rPr lang="en-US" sz="1100" dirty="0" err="1"/>
+              <a:t>foldr</a:t>
+            </a:r>
+            <a:r>
+              <a:rPr lang="en-US" sz="1100" dirty="0"/>
+              <a:t> on the </a:t>
+            </a:r>
+            <a:r>
+              <a:rPr lang="en-US" sz="1100" dirty="0" smtClean="0"/>
+              <a:t>Widget</a:t>
+            </a:r>
+            <a:r>
+              <a:rPr lang="en-US" sz="1100" dirty="0"/>
+              <a:t>s</a:t>
+            </a:r>
+            <a:r>
+              <a:rPr lang="en-US" sz="1100" dirty="0" smtClean="0"/>
+              <a:t> </a:t>
+            </a:r>
+            <a:r>
+              <a:rPr lang="en-US" sz="1100" dirty="0"/>
+              <a:t>in this </a:t>
+            </a:r>
+            <a:r>
+              <a:rPr lang="en-US" sz="1100" dirty="0" smtClean="0"/>
+              <a:t>World</a:t>
+            </a:r>
+          </a:p>
+          <a:p>
+            <a:endParaRPr lang="en-US" sz="1100" dirty="0"/>
+          </a:p>
+          <a:p>
+            <a:r>
+              <a:rPr lang="en-US" sz="1100" dirty="0"/>
+              <a:t>    (define/public (to-scene)</a:t>
+            </a:r>
+          </a:p>
+          <a:p>
+            <a:r>
+              <a:rPr lang="en-US" sz="1100" dirty="0"/>
+              <a:t>      (</a:t>
+            </a:r>
+            <a:r>
+              <a:rPr lang="en-US" sz="1100" dirty="0" err="1"/>
+              <a:t>foldr</a:t>
+            </a:r>
+            <a:endParaRPr lang="en-US" sz="1100" dirty="0"/>
+          </a:p>
+          <a:p>
+            <a:r>
+              <a:rPr lang="en-US" sz="1100" dirty="0"/>
+              <a:t>        (lambda (</a:t>
+            </a:r>
+            <a:r>
+              <a:rPr lang="en-US" sz="1100" dirty="0" err="1"/>
+              <a:t>obj</a:t>
+            </a:r>
+            <a:r>
+              <a:rPr lang="en-US" sz="1100" dirty="0"/>
+              <a:t> scene)</a:t>
+            </a:r>
+          </a:p>
+          <a:p>
+            <a:r>
+              <a:rPr lang="en-US" sz="1100" dirty="0"/>
+              <a:t>          (send </a:t>
+            </a:r>
+            <a:r>
+              <a:rPr lang="en-US" sz="1100" dirty="0" err="1"/>
+              <a:t>obj</a:t>
+            </a:r>
+            <a:r>
+              <a:rPr lang="en-US" sz="1100" dirty="0"/>
+              <a:t> add-to-scene scene))</a:t>
+            </a:r>
+          </a:p>
+          <a:p>
+            <a:r>
+              <a:rPr lang="en-US" sz="1100" dirty="0"/>
+              <a:t>        EMPTY-CANVAS</a:t>
+            </a:r>
+          </a:p>
+          <a:p>
+            <a:r>
+              <a:rPr lang="en-US" sz="1100" dirty="0"/>
+              <a:t>        </a:t>
+            </a:r>
+            <a:r>
+              <a:rPr lang="en-US" sz="1100" dirty="0" err="1"/>
+              <a:t>objs</a:t>
+            </a:r>
+            <a:r>
+              <a:rPr lang="en-US" sz="1100" dirty="0"/>
+              <a:t>))</a:t>
+            </a:r>
+          </a:p>
+          <a:p>
+            <a:endParaRPr lang="en-US" sz="1100" dirty="0"/>
+          </a:p>
+          <a:p>
+            <a:endParaRPr lang="en-US" sz="1100" dirty="0" smtClean="0"/>
+          </a:p>
+          <a:p>
+            <a:r>
+              <a:rPr lang="en-US" sz="1100" dirty="0" smtClean="0"/>
+              <a:t>    ;; after-key-event : </a:t>
+            </a:r>
+            <a:r>
+              <a:rPr lang="en-US" sz="1100" dirty="0" err="1" smtClean="0"/>
+              <a:t>KeyEvent</a:t>
+            </a:r>
+            <a:r>
+              <a:rPr lang="en-US" sz="1100" dirty="0" smtClean="0"/>
+              <a:t> -&gt; </a:t>
+            </a:r>
+            <a:r>
+              <a:rPr lang="en-US" sz="1100" dirty="0" err="1" smtClean="0"/>
+              <a:t>WorldState</a:t>
+            </a:r>
+            <a:endParaRPr lang="en-US" sz="1100" dirty="0" smtClean="0"/>
+          </a:p>
+          <a:p>
+            <a:r>
+              <a:rPr lang="en-US" sz="1100" dirty="0" smtClean="0"/>
+              <a:t>    ;; STRATEGY: Cases on </a:t>
+            </a:r>
+            <a:r>
+              <a:rPr lang="en-US" sz="1100" dirty="0" err="1" smtClean="0"/>
+              <a:t>kev</a:t>
+            </a:r>
+            <a:endParaRPr lang="en-US" sz="1100" dirty="0" smtClean="0"/>
+          </a:p>
+          <a:p>
+            <a:r>
+              <a:rPr lang="en-US" sz="1100" dirty="0" smtClean="0"/>
+              <a:t>    </a:t>
+            </a:r>
+          </a:p>
+          <a:p>
+            <a:r>
+              <a:rPr lang="en-US" sz="1100" dirty="0" smtClean="0"/>
+              <a:t>    (define/public (after-key-event </a:t>
+            </a:r>
+            <a:r>
+              <a:rPr lang="en-US" sz="1100" dirty="0" err="1" smtClean="0"/>
+              <a:t>kev</a:t>
+            </a:r>
+            <a:r>
+              <a:rPr lang="en-US" sz="1100" dirty="0" smtClean="0"/>
+              <a:t>)</a:t>
+            </a:r>
+          </a:p>
+          <a:p>
+            <a:r>
+              <a:rPr lang="en-US" sz="1100" dirty="0" smtClean="0"/>
+              <a:t>      ...)</a:t>
+            </a:r>
+          </a:p>
+          <a:p>
+            <a:endParaRPr lang="en-US" sz="1100" dirty="0" smtClean="0"/>
+          </a:p>
+          <a:p>
+            <a:endParaRPr lang="en-US" sz="1100" dirty="0"/>
+          </a:p>
+        </p:txBody>
+      </p:sp>
+      <p:sp>
+        <p:nvSpPr>
+          <p:cNvPr id="4" name="Slide Number Placeholder 3"/>
+          <p:cNvSpPr>
+            <a:spLocks noGrp="1"/>
+          </p:cNvSpPr>
+          <p:nvPr>
+            <p:ph type="sldNum" sz="quarter" idx="12"/>
+          </p:nvPr>
+        </p:nvSpPr>
+        <p:spPr/>
+        <p:txBody>
+          <a:bodyPr/>
+          <a:lstStyle/>
+          <a:p>
+            <a:fld id="{2AF3B5EA-18B6-4040-9F78-6052AF49C681}" type="slidenum">
+              <a:rPr lang="en-US" smtClean="0"/>
+              <a:t>28</a:t>
+            </a:fld>
+            <a:endParaRPr lang="en-US"/>
+          </a:p>
+        </p:txBody>
+      </p:sp>
+      <p:sp>
+        <p:nvSpPr>
+          <p:cNvPr id="8" name="Rectangle 7"/>
+          <p:cNvSpPr/>
+          <p:nvPr/>
+        </p:nvSpPr>
+        <p:spPr>
+          <a:xfrm>
+            <a:off x="4905829" y="5080000"/>
+            <a:ext cx="3048000" cy="1276350"/>
+          </a:xfrm>
+          <a:prstGeom prst="rect">
+            <a:avLst/>
+          </a:prstGeom>
+          <a:solidFill>
+            <a:schemeClr val="accent3">
+              <a:lumMod val="40000"/>
+              <a:lumOff val="60000"/>
+            </a:schemeClr>
+          </a:solidFill>
+          <a:ln/>
+        </p:spPr>
+        <p:style>
+          <a:lnRef idx="2">
+            <a:schemeClr val="accent1"/>
+          </a:lnRef>
+          <a:fillRef idx="1">
+            <a:schemeClr val="lt1"/>
+          </a:fillRef>
+          <a:effectRef idx="0">
+            <a:schemeClr val="accent1"/>
+          </a:effectRef>
+          <a:fontRef idx="minor">
+            <a:schemeClr val="dk1"/>
+          </a:fontRef>
+        </p:style>
+        <p:txBody>
+          <a:bodyPr rot="0" spcFirstLastPara="0" vertOverflow="overflow" horzOverflow="overflow" vert="horz" wrap="square" lIns="91440" tIns="45720" rIns="91440" bIns="45720" numCol="1" spcCol="0" rtlCol="0" fromWordArt="0" anchor="ctr" anchorCtr="0" forceAA="0" compatLnSpc="1">
+            <a:prstTxWarp prst="textNoShape">
+              <a:avLst/>
+            </a:prstTxWarp>
+            <a:noAutofit/>
+          </a:bodyPr>
+          <a:lstStyle/>
+          <a:p>
+            <a:pPr algn="ctr"/>
+            <a:r>
+              <a:rPr lang="en-US" dirty="0" smtClean="0">
+                <a:solidFill>
+                  <a:schemeClr val="tx1"/>
+                </a:solidFill>
+              </a:rPr>
+              <a:t>We  define a function make-world-state so we can reuse the code from our previous version.</a:t>
+            </a:r>
+            <a:endParaRPr lang="en-US" dirty="0">
+              <a:solidFill>
+                <a:schemeClr val="tx1"/>
+              </a:solidFill>
+            </a:endParaRPr>
+          </a:p>
+        </p:txBody>
+      </p:sp>
+      <p:cxnSp>
+        <p:nvCxnSpPr>
+          <p:cNvPr id="10" name="Straight Arrow Connector 9"/>
+          <p:cNvCxnSpPr/>
+          <p:nvPr/>
+        </p:nvCxnSpPr>
+        <p:spPr>
+          <a:xfrm flipH="1" flipV="1">
+            <a:off x="3497943" y="2699657"/>
+            <a:ext cx="1407886" cy="2380343"/>
+          </a:xfrm>
+          <a:prstGeom prst="straightConnector1">
+            <a:avLst/>
+          </a:prstGeom>
+          <a:ln>
+            <a:tailEnd type="triangle"/>
+          </a:ln>
+        </p:spPr>
+        <p:style>
+          <a:lnRef idx="1">
+            <a:schemeClr val="accent1"/>
+          </a:lnRef>
+          <a:fillRef idx="0">
+            <a:schemeClr val="accent1"/>
+          </a:fillRef>
+          <a:effectRef idx="0">
+            <a:schemeClr val="accent1"/>
+          </a:effectRef>
+          <a:fontRef idx="minor">
+            <a:schemeClr val="tx1"/>
+          </a:fontRef>
+        </p:style>
+      </p:cxnSp>
+    </p:spTree>
+    <p:extLst>
+      <p:ext uri="{BB962C8B-B14F-4D97-AF65-F5344CB8AC3E}">
+        <p14:creationId xmlns:p14="http://schemas.microsoft.com/office/powerpoint/2010/main" val="2901101168"/>
+      </p:ext>
+    </p:extLst>
+  </p:cSld>
+  <p:clrMapOvr>
+    <a:masterClrMapping/>
+  </p:clrMapOvr>
+</p:sld>
+</file>
+
+<file path=ppt/slides/slide29.xml><?xml version="1.0" encoding="utf-8"?>
+<p:sld xmlns:a="http://schemas.openxmlformats.org/drawingml/2006/main" xmlns:r="http://schemas.openxmlformats.org/officeDocument/2006/relationships" xmlns:p="http://schemas.openxmlformats.org/presentationml/2006/main">
+  <p:cSld>
+    <p:spTree>
+      <p:nvGrpSpPr>
+        <p:cNvPr id="1" name=""/>
+        <p:cNvGrpSpPr/>
+        <p:nvPr/>
+      </p:nvGrpSpPr>
+      <p:grpSpPr>
+        <a:xfrm>
+          <a:off x="0" y="0"/>
+          <a:ext cx="0" cy="0"/>
+          <a:chOff x="0" y="0"/>
+          <a:chExt cx="0" cy="0"/>
+        </a:xfrm>
+      </p:grpSpPr>
+      <p:sp>
+        <p:nvSpPr>
+          <p:cNvPr id="5" name="Title 4"/>
+          <p:cNvSpPr>
+            <a:spLocks noGrp="1"/>
+          </p:cNvSpPr>
+          <p:nvPr>
+            <p:ph type="title"/>
+          </p:nvPr>
+        </p:nvSpPr>
+        <p:spPr/>
+        <p:txBody>
+          <a:bodyPr/>
+          <a:lstStyle/>
+          <a:p>
+            <a:r>
+              <a:rPr lang="en-US" dirty="0" smtClean="0"/>
+              <a:t>The class </a:t>
+            </a:r>
+            <a:r>
+              <a:rPr lang="en-US" dirty="0" err="1" smtClean="0"/>
+              <a:t>WorldState</a:t>
+            </a:r>
+            <a:r>
+              <a:rPr lang="en-US" dirty="0" smtClean="0"/>
+              <a:t>% (2)</a:t>
+            </a:r>
+            <a:endParaRPr lang="en-US" dirty="0"/>
+          </a:p>
+        </p:txBody>
+      </p:sp>
+      <p:sp>
+        <p:nvSpPr>
+          <p:cNvPr id="6" name="Content Placeholder 5"/>
+          <p:cNvSpPr>
+            <a:spLocks noGrp="1"/>
+          </p:cNvSpPr>
+          <p:nvPr>
+            <p:ph sz="half" idx="1"/>
+          </p:nvPr>
+        </p:nvSpPr>
+        <p:spPr/>
+        <p:txBody>
+          <a:bodyPr>
+            <a:noAutofit/>
+          </a:bodyPr>
+          <a:lstStyle/>
+          <a:p>
+            <a:r>
+              <a:rPr lang="en-US" sz="1100" dirty="0"/>
+              <a:t> </a:t>
+            </a:r>
+            <a:r>
+              <a:rPr lang="en-US" sz="1100" dirty="0" smtClean="0"/>
+              <a:t>   ;; </a:t>
+            </a:r>
+            <a:r>
+              <a:rPr lang="en-US" sz="1100" dirty="0"/>
+              <a:t>world-after-mouse-event </a:t>
+            </a:r>
+            <a:endParaRPr lang="en-US" sz="1100" dirty="0" smtClean="0"/>
+          </a:p>
+          <a:p>
+            <a:r>
+              <a:rPr lang="en-US" sz="1100" dirty="0"/>
+              <a:t> </a:t>
+            </a:r>
+            <a:r>
+              <a:rPr lang="en-US" sz="1100" dirty="0" smtClean="0"/>
+              <a:t>   ;; : </a:t>
+            </a:r>
+            <a:r>
+              <a:rPr lang="en-US" sz="1100" dirty="0"/>
+              <a:t>Nat </a:t>
+            </a:r>
+            <a:r>
+              <a:rPr lang="en-US" sz="1100" dirty="0" err="1"/>
+              <a:t>Nat</a:t>
+            </a:r>
+            <a:r>
+              <a:rPr lang="en-US" sz="1100" dirty="0"/>
+              <a:t> </a:t>
+            </a:r>
+            <a:r>
+              <a:rPr lang="en-US" sz="1100" dirty="0" err="1"/>
+              <a:t>MouseEvent</a:t>
+            </a:r>
+            <a:r>
+              <a:rPr lang="en-US" sz="1100" dirty="0"/>
+              <a:t> -&gt; </a:t>
+            </a:r>
+            <a:r>
+              <a:rPr lang="en-US" sz="1100" dirty="0" err="1"/>
+              <a:t>WorldState</a:t>
+            </a:r>
+            <a:endParaRPr lang="en-US" sz="1100" dirty="0"/>
+          </a:p>
+          <a:p>
+            <a:r>
+              <a:rPr lang="en-US" sz="1100" dirty="0"/>
+              <a:t>    ;; STRATGY: Cases on </a:t>
+            </a:r>
+            <a:r>
+              <a:rPr lang="en-US" sz="1100" dirty="0" err="1"/>
+              <a:t>mev</a:t>
+            </a:r>
+            <a:endParaRPr lang="en-US" sz="1100" dirty="0"/>
+          </a:p>
+          <a:p>
+            <a:r>
+              <a:rPr lang="en-US" sz="1100" dirty="0"/>
+              <a:t>    (define/public (after-mouse-event mx my </a:t>
+            </a:r>
+            <a:r>
+              <a:rPr lang="en-US" sz="1100" dirty="0" err="1"/>
+              <a:t>mev</a:t>
+            </a:r>
+            <a:r>
+              <a:rPr lang="en-US" sz="1100" dirty="0"/>
+              <a:t>)</a:t>
+            </a:r>
+          </a:p>
+          <a:p>
+            <a:r>
+              <a:rPr lang="en-US" sz="1100" dirty="0"/>
+              <a:t>      (cond</a:t>
+            </a:r>
+          </a:p>
+          <a:p>
+            <a:r>
+              <a:rPr lang="en-US" sz="1100" dirty="0"/>
+              <a:t>        [(mouse=? </a:t>
+            </a:r>
+            <a:r>
+              <a:rPr lang="en-US" sz="1100" dirty="0" err="1"/>
+              <a:t>mev</a:t>
+            </a:r>
+            <a:r>
+              <a:rPr lang="en-US" sz="1100" dirty="0"/>
+              <a:t> "button-down")</a:t>
+            </a:r>
+          </a:p>
+          <a:p>
+            <a:r>
+              <a:rPr lang="en-US" sz="1100" dirty="0"/>
+              <a:t>         (world-after-button-down mx my)]</a:t>
+            </a:r>
+          </a:p>
+          <a:p>
+            <a:r>
+              <a:rPr lang="en-US" sz="1100" dirty="0"/>
+              <a:t>        [(mouse=? </a:t>
+            </a:r>
+            <a:r>
+              <a:rPr lang="en-US" sz="1100" dirty="0" err="1"/>
+              <a:t>mev</a:t>
+            </a:r>
+            <a:r>
+              <a:rPr lang="en-US" sz="1100" dirty="0"/>
+              <a:t> "drag")</a:t>
+            </a:r>
+          </a:p>
+          <a:p>
+            <a:r>
+              <a:rPr lang="en-US" sz="1100" dirty="0"/>
+              <a:t>         (world-after-drag mx my)]</a:t>
+            </a:r>
+          </a:p>
+          <a:p>
+            <a:r>
+              <a:rPr lang="en-US" sz="1100" dirty="0"/>
+              <a:t>        [(mouse=? </a:t>
+            </a:r>
+            <a:r>
+              <a:rPr lang="en-US" sz="1100" dirty="0" err="1"/>
+              <a:t>mev</a:t>
+            </a:r>
+            <a:r>
+              <a:rPr lang="en-US" sz="1100" dirty="0"/>
+              <a:t> "button-up")</a:t>
+            </a:r>
+          </a:p>
+          <a:p>
+            <a:r>
+              <a:rPr lang="en-US" sz="1100" dirty="0"/>
+              <a:t>         (world-after-button-up mx my)]</a:t>
+            </a:r>
+          </a:p>
+          <a:p>
+            <a:r>
+              <a:rPr lang="en-US" sz="1100" dirty="0"/>
+              <a:t>        [else this]))</a:t>
+            </a:r>
+          </a:p>
+          <a:p>
+            <a:endParaRPr lang="en-US" sz="1100" dirty="0"/>
+          </a:p>
+          <a:p>
+            <a:r>
+              <a:rPr lang="en-US" sz="1100" dirty="0"/>
+              <a:t>    ;; the next few functions are local functions</a:t>
+            </a:r>
+            <a:r>
+              <a:rPr lang="en-US" sz="1100" dirty="0" smtClean="0"/>
+              <a:t>,</a:t>
+            </a:r>
+          </a:p>
+          <a:p>
+            <a:r>
+              <a:rPr lang="en-US" sz="1100" dirty="0"/>
+              <a:t> </a:t>
+            </a:r>
+            <a:r>
+              <a:rPr lang="en-US" sz="1100" dirty="0" smtClean="0"/>
+              <a:t>   ;; </a:t>
+            </a:r>
+            <a:r>
+              <a:rPr lang="en-US" sz="1100" dirty="0"/>
+              <a:t>not in the interface.</a:t>
+            </a:r>
+          </a:p>
+          <a:p>
+            <a:endParaRPr lang="en-US" sz="1100" dirty="0"/>
+          </a:p>
+          <a:p>
+            <a:r>
+              <a:rPr lang="en-US" sz="1100" dirty="0"/>
+              <a:t>    (define (world-after-button-down mx my)</a:t>
+            </a:r>
+          </a:p>
+          <a:p>
+            <a:r>
+              <a:rPr lang="en-US" sz="1100" dirty="0"/>
+              <a:t>      (make-world-state</a:t>
+            </a:r>
+          </a:p>
+          <a:p>
+            <a:r>
+              <a:rPr lang="en-US" sz="1100" dirty="0"/>
+              <a:t>        (map</a:t>
+            </a:r>
+          </a:p>
+          <a:p>
+            <a:r>
+              <a:rPr lang="en-US" sz="1100" dirty="0"/>
+              <a:t>          (lambda (</a:t>
+            </a:r>
+            <a:r>
+              <a:rPr lang="en-US" sz="1100" dirty="0" err="1"/>
+              <a:t>obj</a:t>
+            </a:r>
+            <a:r>
+              <a:rPr lang="en-US" sz="1100" dirty="0" smtClean="0"/>
+              <a:t>)</a:t>
+            </a:r>
+          </a:p>
+          <a:p>
+            <a:r>
+              <a:rPr lang="en-US" sz="1100" dirty="0"/>
+              <a:t> </a:t>
+            </a:r>
+            <a:r>
+              <a:rPr lang="en-US" sz="1100" dirty="0" smtClean="0"/>
+              <a:t>          </a:t>
+            </a:r>
+            <a:r>
+              <a:rPr lang="en-US" sz="1100" dirty="0"/>
+              <a:t>(send </a:t>
+            </a:r>
+            <a:r>
+              <a:rPr lang="en-US" sz="1100" dirty="0" err="1"/>
+              <a:t>obj</a:t>
+            </a:r>
+            <a:r>
+              <a:rPr lang="en-US" sz="1100" dirty="0"/>
+              <a:t> after-button-down mx my))</a:t>
+            </a:r>
+          </a:p>
+          <a:p>
+            <a:r>
+              <a:rPr lang="en-US" sz="1100" dirty="0"/>
+              <a:t>          </a:t>
+            </a:r>
+            <a:r>
+              <a:rPr lang="en-US" sz="1100" dirty="0" err="1"/>
+              <a:t>objs</a:t>
+            </a:r>
+            <a:r>
+              <a:rPr lang="en-US" sz="1100" dirty="0"/>
+              <a:t>)</a:t>
+            </a:r>
+          </a:p>
+          <a:p>
+            <a:r>
+              <a:rPr lang="en-US" sz="1100" dirty="0"/>
+              <a:t>        t))</a:t>
+            </a:r>
+          </a:p>
+          <a:p>
+            <a:r>
+              <a:rPr lang="en-US" sz="1100" dirty="0"/>
+              <a:t>    </a:t>
+            </a:r>
+          </a:p>
+          <a:p>
+            <a:r>
+              <a:rPr lang="en-US" sz="1100" dirty="0"/>
+              <a:t>     </a:t>
+            </a:r>
+          </a:p>
+        </p:txBody>
+      </p:sp>
+      <p:sp>
+        <p:nvSpPr>
+          <p:cNvPr id="7" name="Content Placeholder 6"/>
+          <p:cNvSpPr>
+            <a:spLocks noGrp="1"/>
+          </p:cNvSpPr>
+          <p:nvPr>
+            <p:ph sz="half" idx="2"/>
+          </p:nvPr>
+        </p:nvSpPr>
+        <p:spPr/>
+        <p:txBody>
+          <a:bodyPr>
+            <a:noAutofit/>
+          </a:bodyPr>
+          <a:lstStyle/>
+          <a:p>
+            <a:r>
+              <a:rPr lang="en-US" sz="1100" dirty="0"/>
+              <a:t> (define (world-after-button-up mx my)</a:t>
+            </a:r>
+          </a:p>
+          <a:p>
+            <a:r>
+              <a:rPr lang="en-US" sz="1100" dirty="0"/>
+              <a:t>      (make-world-state</a:t>
+            </a:r>
+          </a:p>
+          <a:p>
+            <a:r>
+              <a:rPr lang="en-US" sz="1100" dirty="0"/>
+              <a:t>        (map</a:t>
+            </a:r>
+          </a:p>
+          <a:p>
+            <a:r>
+              <a:rPr lang="en-US" sz="1100" dirty="0"/>
+              <a:t>          (lambda (</a:t>
+            </a:r>
+            <a:r>
+              <a:rPr lang="en-US" sz="1100" dirty="0" err="1"/>
+              <a:t>obj</a:t>
+            </a:r>
+            <a:r>
+              <a:rPr lang="en-US" sz="1100" dirty="0"/>
+              <a:t>) </a:t>
+            </a:r>
+            <a:endParaRPr lang="en-US" sz="1100" dirty="0" smtClean="0"/>
+          </a:p>
+          <a:p>
+            <a:r>
+              <a:rPr lang="en-US" sz="1100" dirty="0"/>
+              <a:t> </a:t>
+            </a:r>
+            <a:r>
+              <a:rPr lang="en-US" sz="1100" dirty="0" smtClean="0"/>
+              <a:t>          (</a:t>
+            </a:r>
+            <a:r>
+              <a:rPr lang="en-US" sz="1100" dirty="0"/>
+              <a:t>send </a:t>
+            </a:r>
+            <a:r>
+              <a:rPr lang="en-US" sz="1100" dirty="0" err="1"/>
+              <a:t>obj</a:t>
+            </a:r>
+            <a:r>
+              <a:rPr lang="en-US" sz="1100" dirty="0"/>
+              <a:t> after-button-up mx my))</a:t>
+            </a:r>
+          </a:p>
+          <a:p>
+            <a:r>
+              <a:rPr lang="en-US" sz="1100" dirty="0"/>
+              <a:t>          </a:t>
+            </a:r>
+            <a:r>
+              <a:rPr lang="en-US" sz="1100" dirty="0" err="1"/>
+              <a:t>objs</a:t>
+            </a:r>
+            <a:r>
+              <a:rPr lang="en-US" sz="1100" dirty="0"/>
+              <a:t>)</a:t>
+            </a:r>
+          </a:p>
+          <a:p>
+            <a:r>
+              <a:rPr lang="en-US" sz="1100" dirty="0"/>
+              <a:t>        t))</a:t>
+            </a:r>
+          </a:p>
+          <a:p>
+            <a:endParaRPr lang="en-US" sz="1100" dirty="0"/>
+          </a:p>
+          <a:p>
+            <a:r>
+              <a:rPr lang="en-US" sz="1100" dirty="0"/>
+              <a:t>    (define (world-after-drag mx my)</a:t>
+            </a:r>
+          </a:p>
+          <a:p>
+            <a:r>
+              <a:rPr lang="en-US" sz="1100" dirty="0"/>
+              <a:t>      (make-world-state</a:t>
+            </a:r>
+          </a:p>
+          <a:p>
+            <a:r>
+              <a:rPr lang="en-US" sz="1100" dirty="0"/>
+              <a:t>        (map</a:t>
+            </a:r>
+          </a:p>
+          <a:p>
+            <a:r>
+              <a:rPr lang="en-US" sz="1100" dirty="0"/>
+              <a:t>          (lambda (</a:t>
+            </a:r>
+            <a:r>
+              <a:rPr lang="en-US" sz="1100" dirty="0" err="1"/>
+              <a:t>obj</a:t>
+            </a:r>
+            <a:r>
+              <a:rPr lang="en-US" sz="1100" dirty="0"/>
+              <a:t>) </a:t>
+            </a:r>
+            <a:endParaRPr lang="en-US" sz="1100" dirty="0" smtClean="0"/>
+          </a:p>
+          <a:p>
+            <a:r>
+              <a:rPr lang="en-US" sz="1100" dirty="0"/>
+              <a:t> </a:t>
+            </a:r>
+            <a:r>
+              <a:rPr lang="en-US" sz="1100" dirty="0" smtClean="0"/>
+              <a:t>          (</a:t>
+            </a:r>
+            <a:r>
+              <a:rPr lang="en-US" sz="1100" dirty="0"/>
+              <a:t>send </a:t>
+            </a:r>
+            <a:r>
+              <a:rPr lang="en-US" sz="1100" dirty="0" err="1"/>
+              <a:t>obj</a:t>
+            </a:r>
+            <a:r>
+              <a:rPr lang="en-US" sz="1100" dirty="0"/>
+              <a:t> after-drag mx my))</a:t>
+            </a:r>
+          </a:p>
+          <a:p>
+            <a:r>
+              <a:rPr lang="en-US" sz="1100" dirty="0"/>
+              <a:t>          </a:t>
+            </a:r>
+            <a:r>
+              <a:rPr lang="en-US" sz="1100" dirty="0" err="1"/>
+              <a:t>objs</a:t>
+            </a:r>
+            <a:r>
+              <a:rPr lang="en-US" sz="1100" dirty="0"/>
+              <a:t>)</a:t>
+            </a:r>
+          </a:p>
+          <a:p>
+            <a:r>
+              <a:rPr lang="en-US" sz="1100" dirty="0"/>
+              <a:t>        t))</a:t>
+            </a:r>
+          </a:p>
+          <a:p>
+            <a:endParaRPr lang="en-US" sz="1100" dirty="0"/>
+          </a:p>
+          <a:p>
+            <a:r>
+              <a:rPr lang="en-US" sz="1100" dirty="0"/>
+              <a:t>    ))</a:t>
+            </a:r>
+          </a:p>
+          <a:p>
+            <a:endParaRPr lang="en-US" sz="1100" dirty="0"/>
+          </a:p>
+        </p:txBody>
+      </p:sp>
+      <p:sp>
+        <p:nvSpPr>
+          <p:cNvPr id="4" name="Slide Number Placeholder 3"/>
+          <p:cNvSpPr>
+            <a:spLocks noGrp="1"/>
+          </p:cNvSpPr>
+          <p:nvPr>
+            <p:ph type="sldNum" sz="quarter" idx="12"/>
+          </p:nvPr>
+        </p:nvSpPr>
+        <p:spPr/>
+        <p:txBody>
+          <a:bodyPr/>
+          <a:lstStyle/>
+          <a:p>
+            <a:fld id="{2AF3B5EA-18B6-4040-9F78-6052AF49C681}" type="slidenum">
+              <a:rPr lang="en-US" smtClean="0"/>
+              <a:t>29</a:t>
+            </a:fld>
+            <a:endParaRPr lang="en-US"/>
+          </a:p>
+        </p:txBody>
+      </p:sp>
+    </p:spTree>
+    <p:extLst>
+      <p:ext uri="{BB962C8B-B14F-4D97-AF65-F5344CB8AC3E}">
+        <p14:creationId xmlns:p14="http://schemas.microsoft.com/office/powerpoint/2010/main" val="10065415"/>
+      </p:ext>
+    </p:extLst>
+  </p:cSld>
+  <p:clrMapOvr>
+    <a:masterClrMapping/>
+  </p:clrMapOvr>
+</p:sld>
+</file>
+
+<file path=ppt/slides/slide3.xml><?xml version="1.0" encoding="utf-8"?>
+<p:sld xmlns:a="http://schemas.openxmlformats.org/drawingml/2006/main" xmlns:r="http://schemas.openxmlformats.org/officeDocument/2006/relationships" xmlns:p="http://schemas.openxmlformats.org/presentationml/2006/main">
+  <p:cSld>
+    <p:spTree>
+      <p:nvGrpSpPr>
+        <p:cNvPr id="1" name=""/>
+        <p:cNvGrpSpPr/>
+        <p:nvPr/>
+      </p:nvGrpSpPr>
+      <p:grpSpPr>
+        <a:xfrm>
+          <a:off x="0" y="0"/>
+          <a:ext cx="0" cy="0"/>
+          <a:chOff x="0" y="0"/>
+          <a:chExt cx="0" cy="0"/>
+        </a:xfrm>
+      </p:grpSpPr>
+      <p:sp>
+        <p:nvSpPr>
+          <p:cNvPr id="2" name="Title 1"/>
+          <p:cNvSpPr>
+            <a:spLocks noGrp="1"/>
+          </p:cNvSpPr>
+          <p:nvPr>
+            <p:ph type="title"/>
+          </p:nvPr>
+        </p:nvSpPr>
+        <p:spPr/>
+        <p:txBody>
+          <a:bodyPr/>
+          <a:lstStyle/>
+          <a:p>
+            <a:r>
+              <a:rPr lang="en-US" dirty="0" smtClean="0"/>
+              <a:t>Let’s see a demo!</a:t>
+            </a:r>
+            <a:endParaRPr lang="en-US" dirty="0"/>
+          </a:p>
+        </p:txBody>
+      </p:sp>
+      <p:pic>
+        <p:nvPicPr>
+          <p:cNvPr id="5" name="09-space-invaders">
+            <a:hlinkClick r:id="" action="ppaction://media"/>
+          </p:cNvPr>
+          <p:cNvPicPr>
+            <a:picLocks noGrp="1" noChangeAspect="1"/>
+          </p:cNvPicPr>
+          <p:nvPr>
+            <p:ph idx="1"/>
+            <a:videoFile r:link="rId2"/>
+            <p:extLst>
+              <p:ext uri="{DAA4B4D4-6D71-4841-9C94-3DE7FCFB9230}">
+                <p14:media xmlns:p14="http://schemas.microsoft.com/office/powerpoint/2010/main" r:embed="rId1"/>
+              </p:ext>
+            </p:extLst>
+          </p:nvPr>
+        </p:nvPicPr>
+        <p:blipFill>
+          <a:blip r:embed="rId4"/>
+          <a:stretch>
+            <a:fillRect/>
+          </a:stretch>
+        </p:blipFill>
+        <p:spPr>
+          <a:xfrm>
+            <a:off x="3348801" y="1532731"/>
+            <a:ext cx="2355088" cy="4708525"/>
+          </a:xfrm>
+        </p:spPr>
+      </p:pic>
+      <p:sp>
+        <p:nvSpPr>
+          <p:cNvPr id="4" name="Slide Number Placeholder 3"/>
+          <p:cNvSpPr>
+            <a:spLocks noGrp="1"/>
+          </p:cNvSpPr>
+          <p:nvPr>
+            <p:ph type="sldNum" sz="quarter" idx="12"/>
+          </p:nvPr>
+        </p:nvSpPr>
+        <p:spPr/>
+        <p:txBody>
+          <a:bodyPr/>
+          <a:lstStyle/>
+          <a:p>
+            <a:fld id="{2AF3B5EA-18B6-4040-9F78-6052AF49C681}" type="slidenum">
+              <a:rPr lang="en-US" smtClean="0"/>
+              <a:t>3</a:t>
+            </a:fld>
+            <a:endParaRPr lang="en-US"/>
+          </a:p>
+        </p:txBody>
+      </p:sp>
+    </p:spTree>
+    <p:extLst>
+      <p:ext uri="{BB962C8B-B14F-4D97-AF65-F5344CB8AC3E}">
+        <p14:creationId xmlns:p14="http://schemas.microsoft.com/office/powerpoint/2010/main" val="233731706"/>
+      </p:ext>
+    </p:extLst>
+  </p:cSld>
+  <p:clrMapOvr>
+    <a:masterClrMapping/>
+  </p:clrMapOvr>
+  <p:timing>
+    <p:tnLst>
+      <p:par>
+        <p:cTn id="1" dur="indefinite" restart="never" nodeType="tmRoot">
+          <p:childTnLst>
+            <p:seq concurrent="1" nextAc="seek">
+              <p:cTn id="2" restart="whenNotActive" fill="hold" evtFilter="cancelBubble" nodeType="interactiveSeq">
+                <p:stCondLst>
+                  <p:cond evt="onClick" delay="0">
+                    <p:tgtEl>
+                      <p:spTgt spid="5"/>
+                    </p:tgtEl>
+                  </p:cond>
+                </p:stCondLst>
+                <p:endSync evt="end" delay="0">
+                  <p:rtn val="all"/>
+                </p:endSync>
+                <p:childTnLst>
+                  <p:par>
+                    <p:cTn id="3" fill="hold">
+                      <p:stCondLst>
+                        <p:cond delay="0"/>
+                      </p:stCondLst>
+                      <p:childTnLst>
+                        <p:par>
+                          <p:cTn id="4" fill="hold">
+                            <p:stCondLst>
+                              <p:cond delay="0"/>
+                            </p:stCondLst>
+                            <p:childTnLst>
+                              <p:par>
+                                <p:cTn id="5" presetID="2" presetClass="mediacall" presetSubtype="0" fill="hold" nodeType="clickEffect">
+                                  <p:stCondLst>
+                                    <p:cond delay="0"/>
+                                  </p:stCondLst>
+                                  <p:childTnLst>
+                                    <p:cmd type="call" cmd="togglePause">
+                                      <p:cBhvr>
+                                        <p:cTn id="6" dur="1" fill="hold"/>
+                                        <p:tgtEl>
+                                          <p:spTgt spid="5"/>
+                                        </p:tgtEl>
+                                      </p:cBhvr>
+                                    </p:cmd>
+                                  </p:childTnLst>
+                                </p:cTn>
+                              </p:par>
+                            </p:childTnLst>
+                          </p:cTn>
+                        </p:par>
+                      </p:childTnLst>
+                    </p:cTn>
+                  </p:par>
+                </p:childTnLst>
+              </p:cTn>
+              <p:nextCondLst>
+                <p:cond evt="onClick" delay="0">
+                  <p:tgtEl>
+                    <p:spTgt spid="5"/>
+                  </p:tgtEl>
+                </p:cond>
+              </p:nextCondLst>
+            </p:seq>
+            <p:video>
+              <p:cMediaNode vol="80000">
+                <p:cTn id="7" fill="hold" display="0">
+                  <p:stCondLst>
+                    <p:cond delay="indefinite"/>
+                  </p:stCondLst>
+                </p:cTn>
+                <p:tgtEl>
+                  <p:spTgt spid="5"/>
+                </p:tgtEl>
+              </p:cMediaNode>
+            </p:video>
+          </p:childTnLst>
+        </p:cTn>
+      </p:par>
+    </p:tnLst>
+  </p:timing>
+</p:sld>
+</file>
+
+<file path=ppt/slides/slide30.xml><?xml version="1.0" encoding="utf-8"?>
+<p:sld xmlns:a="http://schemas.openxmlformats.org/drawingml/2006/main" xmlns:r="http://schemas.openxmlformats.org/officeDocument/2006/relationships" xmlns:p="http://schemas.openxmlformats.org/presentationml/2006/main">
+  <p:cSld>
+    <p:spTree>
+      <p:nvGrpSpPr>
+        <p:cNvPr id="1" name=""/>
+        <p:cNvGrpSpPr/>
+        <p:nvPr/>
+      </p:nvGrpSpPr>
+      <p:grpSpPr>
+        <a:xfrm>
+          <a:off x="0" y="0"/>
+          <a:ext cx="0" cy="0"/>
+          <a:chOff x="0" y="0"/>
+          <a:chExt cx="0" cy="0"/>
+        </a:xfrm>
+      </p:grpSpPr>
+      <p:sp>
+        <p:nvSpPr>
+          <p:cNvPr id="6" name="Title 5"/>
+          <p:cNvSpPr>
+            <a:spLocks noGrp="1"/>
+          </p:cNvSpPr>
+          <p:nvPr>
+            <p:ph type="title"/>
+          </p:nvPr>
+        </p:nvSpPr>
+        <p:spPr/>
+        <p:txBody>
+          <a:bodyPr/>
+          <a:lstStyle/>
+          <a:p>
+            <a:r>
+              <a:rPr lang="en-US" dirty="0" smtClean="0"/>
+              <a:t>Why do it this way?</a:t>
+            </a:r>
+            <a:endParaRPr lang="en-US" dirty="0"/>
+          </a:p>
+        </p:txBody>
+      </p:sp>
+      <p:sp>
+        <p:nvSpPr>
+          <p:cNvPr id="7" name="Content Placeholder 6"/>
+          <p:cNvSpPr>
+            <a:spLocks noGrp="1"/>
+          </p:cNvSpPr>
+          <p:nvPr>
+            <p:ph idx="1"/>
+          </p:nvPr>
+        </p:nvSpPr>
+        <p:spPr/>
+        <p:txBody>
+          <a:bodyPr/>
+          <a:lstStyle/>
+          <a:p>
+            <a:r>
+              <a:rPr lang="en-US" dirty="0" smtClean="0"/>
+              <a:t>The Widget&lt;%&gt; interface didn’t change, so we didn’t  need  any other changes in the code.</a:t>
+            </a:r>
+          </a:p>
+          <a:p>
+            <a:r>
+              <a:rPr lang="en-US" dirty="0" smtClean="0"/>
+              <a:t>Not much difference in this example, but making the World into an object will become important next week.</a:t>
+            </a:r>
+            <a:endParaRPr lang="en-US" dirty="0"/>
+          </a:p>
+        </p:txBody>
+      </p:sp>
+      <p:sp>
+        <p:nvSpPr>
+          <p:cNvPr id="5" name="Slide Number Placeholder 4"/>
+          <p:cNvSpPr>
+            <a:spLocks noGrp="1"/>
+          </p:cNvSpPr>
+          <p:nvPr>
+            <p:ph type="sldNum" sz="quarter" idx="12"/>
+          </p:nvPr>
+        </p:nvSpPr>
+        <p:spPr/>
+        <p:txBody>
+          <a:bodyPr/>
+          <a:lstStyle/>
+          <a:p>
+            <a:fld id="{2AF3B5EA-18B6-4040-9F78-6052AF49C681}" type="slidenum">
+              <a:rPr lang="en-US" smtClean="0"/>
+              <a:t>30</a:t>
+            </a:fld>
+            <a:endParaRPr lang="en-US"/>
+          </a:p>
+        </p:txBody>
+      </p:sp>
+    </p:spTree>
+    <p:extLst>
+      <p:ext uri="{BB962C8B-B14F-4D97-AF65-F5344CB8AC3E}">
+        <p14:creationId xmlns:p14="http://schemas.microsoft.com/office/powerpoint/2010/main" val="1101531931"/>
+      </p:ext>
+    </p:extLst>
+  </p:cSld>
+  <p:clrMapOvr>
+    <a:masterClrMapping/>
+  </p:clrMapOvr>
+</p:sld>
+</file>
+
+<file path=ppt/slides/slide31.xml><?xml version="1.0" encoding="utf-8"?>
+<p:sld xmlns:a="http://schemas.openxmlformats.org/drawingml/2006/main" xmlns:r="http://schemas.openxmlformats.org/officeDocument/2006/relationships" xmlns:p="http://schemas.openxmlformats.org/presentationml/2006/main">
+  <p:cSld>
+    <p:spTree>
+      <p:nvGrpSpPr>
+        <p:cNvPr id="1" name=""/>
+        <p:cNvGrpSpPr/>
+        <p:nvPr/>
+      </p:nvGrpSpPr>
+      <p:grpSpPr>
+        <a:xfrm>
+          <a:off x="0" y="0"/>
+          <a:ext cx="0" cy="0"/>
+          <a:chOff x="0" y="0"/>
+          <a:chExt cx="0" cy="0"/>
+        </a:xfrm>
+      </p:grpSpPr>
+      <p:sp>
+        <p:nvSpPr>
+          <p:cNvPr id="2" name="Title 1"/>
+          <p:cNvSpPr>
+            <a:spLocks noGrp="1"/>
+          </p:cNvSpPr>
+          <p:nvPr>
+            <p:ph type="title"/>
+          </p:nvPr>
+        </p:nvSpPr>
+        <p:spPr/>
+        <p:txBody>
+          <a:bodyPr/>
+          <a:lstStyle/>
+          <a:p>
+            <a:r>
+              <a:rPr lang="en-US" dirty="0" smtClean="0"/>
+              <a:t>Summary</a:t>
+            </a:r>
+            <a:endParaRPr lang="en-US" dirty="0"/>
+          </a:p>
+        </p:txBody>
+      </p:sp>
+      <p:sp>
+        <p:nvSpPr>
+          <p:cNvPr id="3" name="Content Placeholder 2"/>
+          <p:cNvSpPr>
+            <a:spLocks noGrp="1"/>
+          </p:cNvSpPr>
+          <p:nvPr>
+            <p:ph idx="1"/>
+          </p:nvPr>
+        </p:nvSpPr>
+        <p:spPr/>
+        <p:txBody>
+          <a:bodyPr/>
+          <a:lstStyle/>
+          <a:p>
+            <a:r>
+              <a:rPr lang="en-US" dirty="0" smtClean="0"/>
+              <a:t>We’ve seen how an interface can be used to express an API that works for objects of several </a:t>
+            </a:r>
+            <a:r>
+              <a:rPr lang="en-US" dirty="0" smtClean="0"/>
+              <a:t>classes</a:t>
+            </a:r>
+          </a:p>
+          <a:p>
+            <a:r>
+              <a:rPr lang="en-US" dirty="0" smtClean="0"/>
+              <a:t>We’ve seen two designs of a small example that illustrate the use of interfaces.</a:t>
+            </a:r>
+            <a:endParaRPr lang="en-US" dirty="0" smtClean="0"/>
+          </a:p>
+          <a:p>
+            <a:endParaRPr lang="en-US" dirty="0" smtClean="0"/>
+          </a:p>
+        </p:txBody>
+      </p:sp>
+      <p:sp>
+        <p:nvSpPr>
+          <p:cNvPr id="4" name="Slide Number Placeholder 3"/>
+          <p:cNvSpPr>
+            <a:spLocks noGrp="1"/>
+          </p:cNvSpPr>
+          <p:nvPr>
+            <p:ph type="sldNum" sz="quarter" idx="12"/>
+          </p:nvPr>
+        </p:nvSpPr>
+        <p:spPr/>
+        <p:txBody>
+          <a:bodyPr/>
+          <a:lstStyle/>
+          <a:p>
+            <a:fld id="{B6F15528-21DE-4FAA-801E-634DDDAF4B2B}" type="slidenum">
+              <a:rPr lang="en-US" smtClean="0"/>
+              <a:pPr/>
+              <a:t>31</a:t>
+            </a:fld>
+            <a:endParaRPr lang="en-US"/>
+          </a:p>
+        </p:txBody>
+      </p:sp>
+    </p:spTree>
+  </p:cSld>
+  <p:clrMapOvr>
+    <a:masterClrMapping/>
+  </p:clrMapOvr>
+  <p:timing>
+    <p:tnLst>
+      <p:par>
+        <p:cTn id="1" dur="indefinite" restart="never" nodeType="tmRoot"/>
+      </p:par>
+    </p:tnLst>
+  </p:timing>
+</p:sld>
+</file>
+
+<file path=ppt/slides/slide32.xml><?xml version="1.0" encoding="utf-8"?>
+<p:sld xmlns:a="http://schemas.openxmlformats.org/drawingml/2006/main" xmlns:r="http://schemas.openxmlformats.org/officeDocument/2006/relationships" xmlns:p="http://schemas.openxmlformats.org/presentationml/2006/main">
+  <p:cSld>
+    <p:spTree>
+      <p:nvGrpSpPr>
+        <p:cNvPr id="1" name=""/>
+        <p:cNvGrpSpPr/>
+        <p:nvPr/>
+      </p:nvGrpSpPr>
+      <p:grpSpPr>
+        <a:xfrm>
+          <a:off x="0" y="0"/>
+          <a:ext cx="0" cy="0"/>
+          <a:chOff x="0" y="0"/>
+          <a:chExt cx="0" cy="0"/>
+        </a:xfrm>
+      </p:grpSpPr>
+      <p:sp>
+        <p:nvSpPr>
+          <p:cNvPr id="2" name="Title 1"/>
+          <p:cNvSpPr>
+            <a:spLocks noGrp="1"/>
+          </p:cNvSpPr>
+          <p:nvPr>
+            <p:ph type="title"/>
+          </p:nvPr>
+        </p:nvSpPr>
+        <p:spPr/>
+        <p:txBody>
+          <a:bodyPr/>
+          <a:lstStyle/>
+          <a:p>
+            <a:r>
+              <a:rPr lang="en-US" dirty="0" smtClean="0"/>
+              <a:t>Next Steps</a:t>
+            </a:r>
+            <a:endParaRPr lang="en-US" dirty="0"/>
+          </a:p>
+        </p:txBody>
+      </p:sp>
+      <p:sp>
+        <p:nvSpPr>
+          <p:cNvPr id="3" name="Content Placeholder 2"/>
+          <p:cNvSpPr>
+            <a:spLocks noGrp="1"/>
+          </p:cNvSpPr>
+          <p:nvPr>
+            <p:ph idx="1"/>
+          </p:nvPr>
+        </p:nvSpPr>
+        <p:spPr/>
+        <p:txBody>
+          <a:bodyPr/>
+          <a:lstStyle/>
+          <a:p>
+            <a:r>
+              <a:rPr lang="en-US" dirty="0" smtClean="0"/>
+              <a:t>Study the files in the Examples folder:</a:t>
+            </a:r>
+          </a:p>
+          <a:p>
+            <a:pPr lvl="1"/>
+            <a:r>
+              <a:rPr lang="en-US" dirty="0" smtClean="0"/>
+              <a:t>09-2-space-invaders-1.rkt</a:t>
+            </a:r>
+          </a:p>
+          <a:p>
+            <a:pPr lvl="1"/>
+            <a:r>
+              <a:rPr lang="en-US" dirty="0" smtClean="0"/>
+              <a:t>09-2A-space-invaders-2.rkt</a:t>
+            </a:r>
+            <a:endParaRPr lang="en-US" dirty="0" smtClean="0"/>
+          </a:p>
+          <a:p>
+            <a:r>
+              <a:rPr lang="en-US" dirty="0" smtClean="0"/>
+              <a:t>If </a:t>
+            </a:r>
+            <a:r>
+              <a:rPr lang="en-US" dirty="0" smtClean="0"/>
+              <a:t>you have questions about this lesson, ask them on the Discussion Board</a:t>
+            </a:r>
+          </a:p>
+          <a:p>
+            <a:r>
+              <a:rPr lang="en-US" dirty="0" smtClean="0"/>
+              <a:t>Go on to the next lesson</a:t>
+            </a:r>
+            <a:endParaRPr lang="en-US" dirty="0"/>
+          </a:p>
+        </p:txBody>
+      </p:sp>
+      <p:sp>
+        <p:nvSpPr>
+          <p:cNvPr id="4" name="Slide Number Placeholder 3"/>
+          <p:cNvSpPr>
+            <a:spLocks noGrp="1"/>
+          </p:cNvSpPr>
+          <p:nvPr>
+            <p:ph type="sldNum" sz="quarter" idx="12"/>
+          </p:nvPr>
+        </p:nvSpPr>
+        <p:spPr/>
+        <p:txBody>
+          <a:bodyPr/>
+          <a:lstStyle/>
+          <a:p>
+            <a:fld id="{2AF3B5EA-18B6-4040-9F78-6052AF49C681}" type="slidenum">
+              <a:rPr lang="en-US" smtClean="0"/>
+              <a:t>32</a:t>
+            </a:fld>
+            <a:endParaRPr lang="en-US"/>
+          </a:p>
+        </p:txBody>
+      </p:sp>
+    </p:spTree>
+    <p:extLst>
+      <p:ext uri="{BB962C8B-B14F-4D97-AF65-F5344CB8AC3E}">
+        <p14:creationId xmlns:p14="http://schemas.microsoft.com/office/powerpoint/2010/main" val="1966317737"/>
+      </p:ext>
+    </p:extLst>
+  </p:cSld>
+  <p:clrMapOvr>
+    <a:masterClrMapping/>
+  </p:clrMapOvr>
+  <p:timing>
+    <p:tnLst>
+      <p:par>
+        <p:cTn id="1" dur="indefinite" restart="never" nodeType="tmRoot"/>
+      </p:par>
+    </p:tnLst>
+  </p:timing>
+</p:sld>
+</file>
+
+<file path=ppt/slides/slide4.xml><?xml version="1.0" encoding="utf-8"?>
+<p:sld xmlns:a="http://schemas.openxmlformats.org/drawingml/2006/main" xmlns:r="http://schemas.openxmlformats.org/officeDocument/2006/relationships" xmlns:p="http://schemas.openxmlformats.org/presentationml/2006/main">
+  <p:cSld>
+    <p:spTree>
+      <p:nvGrpSpPr>
+        <p:cNvPr id="1" name=""/>
+        <p:cNvGrpSpPr/>
+        <p:nvPr/>
+      </p:nvGrpSpPr>
+      <p:grpSpPr>
+        <a:xfrm>
+          <a:off x="0" y="0"/>
+          <a:ext cx="0" cy="0"/>
+          <a:chOff x="0" y="0"/>
+          <a:chExt cx="0" cy="0"/>
+        </a:xfrm>
+      </p:grpSpPr>
+      <p:sp>
+        <p:nvSpPr>
+          <p:cNvPr id="2" name="Title 1"/>
+          <p:cNvSpPr>
+            <a:spLocks noGrp="1"/>
+          </p:cNvSpPr>
+          <p:nvPr>
+            <p:ph type="title"/>
+          </p:nvPr>
+        </p:nvSpPr>
+        <p:spPr/>
+        <p:txBody>
+          <a:bodyPr/>
+          <a:lstStyle/>
+          <a:p>
+            <a:r>
+              <a:rPr lang="en-US" dirty="0" smtClean="0"/>
+              <a:t>Let’s design a system!</a:t>
+            </a:r>
+            <a:endParaRPr lang="en-US" dirty="0"/>
+          </a:p>
+        </p:txBody>
+      </p:sp>
+      <p:sp>
+        <p:nvSpPr>
+          <p:cNvPr id="3" name="Content Placeholder 2"/>
+          <p:cNvSpPr>
+            <a:spLocks noGrp="1"/>
+          </p:cNvSpPr>
+          <p:nvPr>
+            <p:ph idx="1"/>
+          </p:nvPr>
+        </p:nvSpPr>
+        <p:spPr/>
+        <p:txBody>
+          <a:bodyPr>
+            <a:normAutofit fontScale="92500" lnSpcReduction="10000"/>
+          </a:bodyPr>
+          <a:lstStyle/>
+          <a:p>
+            <a:r>
+              <a:rPr lang="en-US" dirty="0" smtClean="0"/>
+              <a:t>We will have some things living on a canvas.</a:t>
+            </a:r>
+          </a:p>
+          <a:p>
+            <a:r>
+              <a:rPr lang="en-US" dirty="0" smtClean="0"/>
+              <a:t>We’ll call these things </a:t>
+            </a:r>
+            <a:r>
+              <a:rPr lang="en-US" i="1" dirty="0" smtClean="0">
+                <a:solidFill>
+                  <a:srgbClr val="FF0000"/>
+                </a:solidFill>
+              </a:rPr>
+              <a:t>widgets</a:t>
+            </a:r>
+            <a:r>
+              <a:rPr lang="en-US" i="1" dirty="0" smtClean="0"/>
+              <a:t>.  </a:t>
+            </a:r>
+            <a:r>
+              <a:rPr lang="en-US" dirty="0" smtClean="0"/>
+              <a:t>We’ll represent widgets as objects.</a:t>
+            </a:r>
+          </a:p>
+          <a:p>
+            <a:r>
+              <a:rPr lang="en-US" dirty="0"/>
+              <a:t>First step is to figure out what messages these objects should respond to.</a:t>
+            </a:r>
+          </a:p>
+          <a:p>
+            <a:r>
+              <a:rPr lang="en-US" dirty="0" smtClean="0"/>
+              <a:t>big-bang will call our world-after-XX functions</a:t>
+            </a:r>
+          </a:p>
+          <a:p>
+            <a:r>
+              <a:rPr lang="en-US" dirty="0" smtClean="0"/>
+              <a:t>Each world-after-XX function will send</a:t>
+            </a:r>
+          </a:p>
+          <a:p>
+            <a:r>
+              <a:rPr lang="en-US" dirty="0" smtClean="0"/>
+              <a:t>We can use our previous experience with big-bang to guide us.</a:t>
+            </a:r>
+            <a:endParaRPr lang="en-US" dirty="0"/>
+          </a:p>
+        </p:txBody>
+      </p:sp>
+      <p:sp>
+        <p:nvSpPr>
+          <p:cNvPr id="4" name="Slide Number Placeholder 3"/>
+          <p:cNvSpPr>
+            <a:spLocks noGrp="1"/>
+          </p:cNvSpPr>
+          <p:nvPr>
+            <p:ph type="sldNum" sz="quarter" idx="12"/>
+          </p:nvPr>
+        </p:nvSpPr>
+        <p:spPr/>
+        <p:txBody>
+          <a:bodyPr/>
+          <a:lstStyle/>
+          <a:p>
+            <a:fld id="{2AF3B5EA-18B6-4040-9F78-6052AF49C681}" type="slidenum">
+              <a:rPr lang="en-US" smtClean="0"/>
+              <a:t>4</a:t>
+            </a:fld>
+            <a:endParaRPr lang="en-US"/>
+          </a:p>
+        </p:txBody>
+      </p:sp>
+    </p:spTree>
+    <p:extLst>
+      <p:ext uri="{BB962C8B-B14F-4D97-AF65-F5344CB8AC3E}">
+        <p14:creationId xmlns:p14="http://schemas.microsoft.com/office/powerpoint/2010/main" val="2457373900"/>
+      </p:ext>
+    </p:extLst>
+  </p:cSld>
+  <p:clrMapOvr>
+    <a:masterClrMapping/>
+  </p:clrMapOvr>
+</p:sld>
+</file>
+
+<file path=ppt/slides/slide5.xml><?xml version="1.0" encoding="utf-8"?>
+<p:sld xmlns:a="http://schemas.openxmlformats.org/drawingml/2006/main" xmlns:r="http://schemas.openxmlformats.org/officeDocument/2006/relationships" xmlns:p="http://schemas.openxmlformats.org/presentationml/2006/main">
+  <p:cSld>
+    <p:spTree>
+      <p:nvGrpSpPr>
+        <p:cNvPr id="1" name=""/>
+        <p:cNvGrpSpPr/>
+        <p:nvPr/>
+      </p:nvGrpSpPr>
+      <p:grpSpPr>
+        <a:xfrm>
+          <a:off x="0" y="0"/>
+          <a:ext cx="0" cy="0"/>
+          <a:chOff x="0" y="0"/>
+          <a:chExt cx="0" cy="0"/>
+        </a:xfrm>
+      </p:grpSpPr>
+      <p:sp>
+        <p:nvSpPr>
+          <p:cNvPr id="2" name="Title 1"/>
+          <p:cNvSpPr>
+            <a:spLocks noGrp="1"/>
+          </p:cNvSpPr>
+          <p:nvPr>
+            <p:ph type="title"/>
+          </p:nvPr>
+        </p:nvSpPr>
+        <p:spPr/>
+        <p:txBody>
+          <a:bodyPr/>
+          <a:lstStyle/>
+          <a:p>
+            <a:r>
+              <a:rPr lang="en-US" dirty="0" smtClean="0"/>
+              <a:t>System Design (2)</a:t>
+            </a:r>
+            <a:endParaRPr lang="en-US" dirty="0"/>
+          </a:p>
+        </p:txBody>
+      </p:sp>
+      <p:sp>
+        <p:nvSpPr>
+          <p:cNvPr id="3" name="Content Placeholder 2"/>
+          <p:cNvSpPr>
+            <a:spLocks noGrp="1"/>
+          </p:cNvSpPr>
+          <p:nvPr>
+            <p:ph idx="1"/>
+          </p:nvPr>
+        </p:nvSpPr>
+        <p:spPr/>
+        <p:txBody>
+          <a:bodyPr>
+            <a:normAutofit/>
+          </a:bodyPr>
+          <a:lstStyle/>
+          <a:p>
+            <a:r>
+              <a:rPr lang="en-US" dirty="0" smtClean="0"/>
+              <a:t>big-bang will call our world-after-XX functions</a:t>
+            </a:r>
+          </a:p>
+          <a:p>
+            <a:r>
+              <a:rPr lang="en-US" dirty="0" smtClean="0"/>
+              <a:t>Each world-after-XX function will send an appropriate message to each widget.</a:t>
+            </a:r>
+          </a:p>
+          <a:p>
+            <a:r>
+              <a:rPr lang="en-US" dirty="0" smtClean="0"/>
+              <a:t>We can use our previous experience with big-bang to guide us.</a:t>
+            </a:r>
+            <a:endParaRPr lang="en-US" dirty="0"/>
+          </a:p>
+        </p:txBody>
+      </p:sp>
+      <p:sp>
+        <p:nvSpPr>
+          <p:cNvPr id="4" name="Slide Number Placeholder 3"/>
+          <p:cNvSpPr>
+            <a:spLocks noGrp="1"/>
+          </p:cNvSpPr>
+          <p:nvPr>
+            <p:ph type="sldNum" sz="quarter" idx="12"/>
+          </p:nvPr>
+        </p:nvSpPr>
+        <p:spPr/>
+        <p:txBody>
+          <a:bodyPr/>
+          <a:lstStyle/>
+          <a:p>
+            <a:fld id="{2AF3B5EA-18B6-4040-9F78-6052AF49C681}" type="slidenum">
+              <a:rPr lang="en-US" smtClean="0"/>
+              <a:t>5</a:t>
+            </a:fld>
+            <a:endParaRPr lang="en-US"/>
+          </a:p>
+        </p:txBody>
+      </p:sp>
+    </p:spTree>
+    <p:extLst>
+      <p:ext uri="{BB962C8B-B14F-4D97-AF65-F5344CB8AC3E}">
+        <p14:creationId xmlns:p14="http://schemas.microsoft.com/office/powerpoint/2010/main" val="3061028023"/>
+      </p:ext>
+    </p:extLst>
+  </p:cSld>
+  <p:clrMapOvr>
+    <a:masterClrMapping/>
+  </p:clrMapOvr>
+</p:sld>
+</file>
+
+<file path=ppt/slides/slide6.xml><?xml version="1.0" encoding="utf-8"?>
+<p:sld xmlns:a="http://schemas.openxmlformats.org/drawingml/2006/main" xmlns:r="http://schemas.openxmlformats.org/officeDocument/2006/relationships" xmlns:p="http://schemas.openxmlformats.org/presentationml/2006/main">
+  <p:cSld>
+    <p:spTree>
+      <p:nvGrpSpPr>
+        <p:cNvPr id="1" name=""/>
+        <p:cNvGrpSpPr/>
+        <p:nvPr/>
+      </p:nvGrpSpPr>
+      <p:grpSpPr>
+        <a:xfrm>
+          <a:off x="0" y="0"/>
+          <a:ext cx="0" cy="0"/>
+          <a:chOff x="0" y="0"/>
+          <a:chExt cx="0" cy="0"/>
+        </a:xfrm>
+      </p:grpSpPr>
+      <p:sp>
+        <p:nvSpPr>
+          <p:cNvPr id="36" name="TextBox 35"/>
+          <p:cNvSpPr txBox="1"/>
+          <p:nvPr/>
+        </p:nvSpPr>
+        <p:spPr>
+          <a:xfrm>
+            <a:off x="4958960" y="5694698"/>
+            <a:ext cx="1927715" cy="923330"/>
+          </a:xfrm>
+          <a:prstGeom prst="rect">
+            <a:avLst/>
+          </a:prstGeom>
+          <a:noFill/>
+        </p:spPr>
+        <p:txBody>
+          <a:bodyPr wrap="square" rtlCol="0">
+            <a:spAutoFit/>
+          </a:bodyPr>
+          <a:lstStyle/>
+          <a:p>
+            <a:pPr algn="ctr"/>
+            <a:r>
+              <a:rPr lang="en-US" dirty="0" smtClean="0"/>
+              <a:t>method calls using Widget&lt;%&gt; interface</a:t>
+            </a:r>
+            <a:endParaRPr lang="en-US" dirty="0"/>
+          </a:p>
+        </p:txBody>
+      </p:sp>
+      <p:sp>
+        <p:nvSpPr>
+          <p:cNvPr id="2" name="Title 1"/>
+          <p:cNvSpPr>
+            <a:spLocks noGrp="1"/>
+          </p:cNvSpPr>
+          <p:nvPr>
+            <p:ph type="title"/>
+          </p:nvPr>
+        </p:nvSpPr>
+        <p:spPr/>
+        <p:txBody>
+          <a:bodyPr/>
+          <a:lstStyle/>
+          <a:p>
+            <a:r>
+              <a:rPr lang="en-US" dirty="0" smtClean="0"/>
+              <a:t>System Architecture</a:t>
+            </a:r>
+            <a:endParaRPr lang="en-US" dirty="0"/>
+          </a:p>
+        </p:txBody>
+      </p:sp>
+      <p:sp>
+        <p:nvSpPr>
+          <p:cNvPr id="4" name="Slide Number Placeholder 3"/>
+          <p:cNvSpPr>
+            <a:spLocks noGrp="1"/>
+          </p:cNvSpPr>
+          <p:nvPr>
+            <p:ph type="sldNum" sz="quarter" idx="12"/>
+          </p:nvPr>
+        </p:nvSpPr>
+        <p:spPr/>
+        <p:txBody>
+          <a:bodyPr/>
+          <a:lstStyle/>
+          <a:p>
+            <a:fld id="{2AF3B5EA-18B6-4040-9F78-6052AF49C681}" type="slidenum">
+              <a:rPr lang="en-US" smtClean="0"/>
+              <a:t>6</a:t>
+            </a:fld>
+            <a:endParaRPr lang="en-US"/>
+          </a:p>
+        </p:txBody>
+      </p:sp>
+      <p:sp>
+        <p:nvSpPr>
+          <p:cNvPr id="5" name="Rectangle 4"/>
+          <p:cNvSpPr/>
+          <p:nvPr/>
+        </p:nvSpPr>
+        <p:spPr>
+          <a:xfrm>
+            <a:off x="711200" y="2512291"/>
+            <a:ext cx="1958109" cy="1219200"/>
+          </a:xfrm>
+          <a:prstGeom prst="rect">
+            <a:avLst/>
+          </a:prstGeom>
+          <a:ln/>
+        </p:spPr>
+        <p:style>
+          <a:lnRef idx="2">
+            <a:schemeClr val="dk1"/>
+          </a:lnRef>
+          <a:fillRef idx="1">
+            <a:schemeClr val="lt1"/>
+          </a:fillRef>
+          <a:effectRef idx="0">
+            <a:schemeClr val="dk1"/>
+          </a:effectRef>
+          <a:fontRef idx="minor">
+            <a:schemeClr val="dk1"/>
+          </a:fontRef>
+        </p:style>
+        <p:txBody>
+          <a:bodyPr rot="0" spcFirstLastPara="0" vertOverflow="overflow" horzOverflow="overflow" vert="horz" wrap="square" lIns="91440" tIns="45720" rIns="91440" bIns="45720" numCol="1" spcCol="0" rtlCol="0" fromWordArt="0" anchor="ctr" anchorCtr="0" forceAA="0" compatLnSpc="1">
+            <a:prstTxWarp prst="textNoShape">
+              <a:avLst/>
+            </a:prstTxWarp>
+            <a:noAutofit/>
+          </a:bodyPr>
+          <a:lstStyle/>
+          <a:p>
+            <a:pPr algn="ctr"/>
+            <a:r>
+              <a:rPr lang="en-US" b="1" dirty="0" smtClean="0">
+                <a:solidFill>
+                  <a:schemeClr val="tx1"/>
+                </a:solidFill>
+              </a:rPr>
+              <a:t>run</a:t>
+            </a:r>
+            <a:endParaRPr lang="en-US" b="1" dirty="0">
+              <a:solidFill>
+                <a:schemeClr val="tx1"/>
+              </a:solidFill>
+            </a:endParaRPr>
+          </a:p>
+        </p:txBody>
+      </p:sp>
+      <p:sp>
+        <p:nvSpPr>
+          <p:cNvPr id="6" name="Rectangle 5"/>
+          <p:cNvSpPr/>
+          <p:nvPr/>
+        </p:nvSpPr>
+        <p:spPr>
+          <a:xfrm>
+            <a:off x="3468255" y="1764145"/>
+            <a:ext cx="1958109" cy="3454400"/>
+          </a:xfrm>
+          <a:prstGeom prst="rect">
+            <a:avLst/>
+          </a:prstGeom>
+          <a:ln>
+            <a:prstDash val="dash"/>
+          </a:ln>
+        </p:spPr>
+        <p:style>
+          <a:lnRef idx="2">
+            <a:schemeClr val="dk1"/>
+          </a:lnRef>
+          <a:fillRef idx="1">
+            <a:schemeClr val="lt1"/>
+          </a:fillRef>
+          <a:effectRef idx="0">
+            <a:schemeClr val="dk1"/>
+          </a:effectRef>
+          <a:fontRef idx="minor">
+            <a:schemeClr val="dk1"/>
+          </a:fontRef>
+        </p:style>
+        <p:txBody>
+          <a:bodyPr rot="0" spcFirstLastPara="0" vertOverflow="overflow" horzOverflow="overflow" vert="horz" wrap="square" lIns="91440" tIns="45720" rIns="91440" bIns="45720" numCol="1" spcCol="0" rtlCol="0" fromWordArt="0" anchor="ctr" anchorCtr="0" forceAA="0" compatLnSpc="1">
+            <a:prstTxWarp prst="textNoShape">
+              <a:avLst/>
+            </a:prstTxWarp>
+            <a:noAutofit/>
+          </a:bodyPr>
+          <a:lstStyle/>
+          <a:p>
+            <a:pPr algn="ctr"/>
+            <a:endParaRPr lang="en-US" dirty="0">
+              <a:solidFill>
+                <a:schemeClr val="tx1"/>
+              </a:solidFill>
+            </a:endParaRPr>
+          </a:p>
+        </p:txBody>
+      </p:sp>
+      <p:sp>
+        <p:nvSpPr>
+          <p:cNvPr id="7" name="Rectangle 6"/>
+          <p:cNvSpPr/>
+          <p:nvPr/>
+        </p:nvSpPr>
+        <p:spPr>
+          <a:xfrm>
+            <a:off x="3636818" y="1958254"/>
+            <a:ext cx="1620982" cy="494145"/>
+          </a:xfrm>
+          <a:prstGeom prst="rect">
+            <a:avLst/>
+          </a:prstGeom>
+          <a:ln/>
+        </p:spPr>
+        <p:style>
+          <a:lnRef idx="2">
+            <a:schemeClr val="dk1"/>
+          </a:lnRef>
+          <a:fillRef idx="1">
+            <a:schemeClr val="lt1"/>
+          </a:fillRef>
+          <a:effectRef idx="0">
+            <a:schemeClr val="dk1"/>
+          </a:effectRef>
+          <a:fontRef idx="minor">
+            <a:schemeClr val="dk1"/>
+          </a:fontRef>
+        </p:style>
+        <p:txBody>
+          <a:bodyPr rot="0" spcFirstLastPara="0" vertOverflow="overflow" horzOverflow="overflow" vert="horz" wrap="square" lIns="91440" tIns="45720" rIns="91440" bIns="45720" numCol="1" spcCol="0" rtlCol="0" fromWordArt="0" anchor="ctr" anchorCtr="0" forceAA="0" compatLnSpc="1">
+            <a:prstTxWarp prst="textNoShape">
+              <a:avLst/>
+            </a:prstTxWarp>
+            <a:noAutofit/>
+          </a:bodyPr>
+          <a:lstStyle/>
+          <a:p>
+            <a:pPr algn="ctr"/>
+            <a:r>
+              <a:rPr lang="en-US" dirty="0" smtClean="0">
+                <a:solidFill>
+                  <a:schemeClr val="tx1"/>
+                </a:solidFill>
+              </a:rPr>
+              <a:t>world-after-tick</a:t>
+            </a:r>
+            <a:endParaRPr lang="en-US" dirty="0">
+              <a:solidFill>
+                <a:schemeClr val="tx1"/>
+              </a:solidFill>
+            </a:endParaRPr>
+          </a:p>
+        </p:txBody>
+      </p:sp>
+      <p:sp>
+        <p:nvSpPr>
+          <p:cNvPr id="10" name="Rectangle 9"/>
+          <p:cNvSpPr/>
+          <p:nvPr/>
+        </p:nvSpPr>
+        <p:spPr>
+          <a:xfrm>
+            <a:off x="3636818" y="2822954"/>
+            <a:ext cx="1620982" cy="494145"/>
+          </a:xfrm>
+          <a:prstGeom prst="rect">
+            <a:avLst/>
+          </a:prstGeom>
+          <a:ln/>
+        </p:spPr>
+        <p:style>
+          <a:lnRef idx="2">
+            <a:schemeClr val="dk1"/>
+          </a:lnRef>
+          <a:fillRef idx="1">
+            <a:schemeClr val="lt1"/>
+          </a:fillRef>
+          <a:effectRef idx="0">
+            <a:schemeClr val="dk1"/>
+          </a:effectRef>
+          <a:fontRef idx="minor">
+            <a:schemeClr val="dk1"/>
+          </a:fontRef>
+        </p:style>
+        <p:txBody>
+          <a:bodyPr rot="0" spcFirstLastPara="0" vertOverflow="overflow" horzOverflow="overflow" vert="horz" wrap="square" lIns="91440" tIns="45720" rIns="91440" bIns="45720" numCol="1" spcCol="0" rtlCol="0" fromWordArt="0" anchor="ctr" anchorCtr="0" forceAA="0" compatLnSpc="1">
+            <a:prstTxWarp prst="textNoShape">
+              <a:avLst/>
+            </a:prstTxWarp>
+            <a:noAutofit/>
+          </a:bodyPr>
+          <a:lstStyle/>
+          <a:p>
+            <a:pPr algn="ctr"/>
+            <a:r>
+              <a:rPr lang="en-US" dirty="0" smtClean="0">
+                <a:solidFill>
+                  <a:schemeClr val="tx1"/>
+                </a:solidFill>
+              </a:rPr>
+              <a:t>world-after-key-event</a:t>
+            </a:r>
+            <a:endParaRPr lang="en-US" dirty="0">
+              <a:solidFill>
+                <a:schemeClr val="tx1"/>
+              </a:solidFill>
+            </a:endParaRPr>
+          </a:p>
+        </p:txBody>
+      </p:sp>
+      <p:sp>
+        <p:nvSpPr>
+          <p:cNvPr id="11" name="Rectangle 10"/>
+          <p:cNvSpPr/>
+          <p:nvPr/>
+        </p:nvSpPr>
+        <p:spPr>
+          <a:xfrm>
+            <a:off x="3636818" y="3687654"/>
+            <a:ext cx="1620982" cy="494145"/>
+          </a:xfrm>
+          <a:prstGeom prst="rect">
+            <a:avLst/>
+          </a:prstGeom>
+          <a:ln/>
+        </p:spPr>
+        <p:style>
+          <a:lnRef idx="2">
+            <a:schemeClr val="dk1"/>
+          </a:lnRef>
+          <a:fillRef idx="1">
+            <a:schemeClr val="lt1"/>
+          </a:fillRef>
+          <a:effectRef idx="0">
+            <a:schemeClr val="dk1"/>
+          </a:effectRef>
+          <a:fontRef idx="minor">
+            <a:schemeClr val="dk1"/>
+          </a:fontRef>
+        </p:style>
+        <p:txBody>
+          <a:bodyPr rot="0" spcFirstLastPara="0" vertOverflow="overflow" horzOverflow="overflow" vert="horz" wrap="square" lIns="91440" tIns="45720" rIns="91440" bIns="45720" numCol="1" spcCol="0" rtlCol="0" fromWordArt="0" anchor="ctr" anchorCtr="0" forceAA="0" compatLnSpc="1">
+            <a:prstTxWarp prst="textNoShape">
+              <a:avLst/>
+            </a:prstTxWarp>
+            <a:noAutofit/>
+          </a:bodyPr>
+          <a:lstStyle/>
+          <a:p>
+            <a:pPr algn="ctr"/>
+            <a:r>
+              <a:rPr lang="en-US" dirty="0" smtClean="0">
+                <a:solidFill>
+                  <a:schemeClr val="tx1"/>
+                </a:solidFill>
+              </a:rPr>
+              <a:t>world-after-mouse-event</a:t>
+            </a:r>
+            <a:endParaRPr lang="en-US" dirty="0">
+              <a:solidFill>
+                <a:schemeClr val="tx1"/>
+              </a:solidFill>
+            </a:endParaRPr>
+          </a:p>
+        </p:txBody>
+      </p:sp>
+      <p:sp>
+        <p:nvSpPr>
+          <p:cNvPr id="12" name="Rectangle 11"/>
+          <p:cNvSpPr/>
+          <p:nvPr/>
+        </p:nvSpPr>
+        <p:spPr>
+          <a:xfrm>
+            <a:off x="3636818" y="4552354"/>
+            <a:ext cx="1620982" cy="494145"/>
+          </a:xfrm>
+          <a:prstGeom prst="rect">
+            <a:avLst/>
+          </a:prstGeom>
+          <a:ln/>
+        </p:spPr>
+        <p:style>
+          <a:lnRef idx="2">
+            <a:schemeClr val="dk1"/>
+          </a:lnRef>
+          <a:fillRef idx="1">
+            <a:schemeClr val="lt1"/>
+          </a:fillRef>
+          <a:effectRef idx="0">
+            <a:schemeClr val="dk1"/>
+          </a:effectRef>
+          <a:fontRef idx="minor">
+            <a:schemeClr val="dk1"/>
+          </a:fontRef>
+        </p:style>
+        <p:txBody>
+          <a:bodyPr rot="0" spcFirstLastPara="0" vertOverflow="overflow" horzOverflow="overflow" vert="horz" wrap="square" lIns="91440" tIns="45720" rIns="91440" bIns="45720" numCol="1" spcCol="0" rtlCol="0" fromWordArt="0" anchor="ctr" anchorCtr="0" forceAA="0" compatLnSpc="1">
+            <a:prstTxWarp prst="textNoShape">
+              <a:avLst/>
+            </a:prstTxWarp>
+            <a:noAutofit/>
+          </a:bodyPr>
+          <a:lstStyle/>
+          <a:p>
+            <a:pPr algn="ctr"/>
+            <a:r>
+              <a:rPr lang="en-US" dirty="0" smtClean="0">
+                <a:solidFill>
+                  <a:schemeClr val="tx1"/>
+                </a:solidFill>
+              </a:rPr>
+              <a:t>world-to-scene</a:t>
+            </a:r>
+            <a:endParaRPr lang="en-US" dirty="0">
+              <a:solidFill>
+                <a:schemeClr val="tx1"/>
+              </a:solidFill>
+            </a:endParaRPr>
+          </a:p>
+        </p:txBody>
+      </p:sp>
+      <p:sp>
+        <p:nvSpPr>
+          <p:cNvPr id="13" name="Rectangle 12"/>
+          <p:cNvSpPr/>
+          <p:nvPr/>
+        </p:nvSpPr>
+        <p:spPr>
+          <a:xfrm>
+            <a:off x="6225310" y="1958253"/>
+            <a:ext cx="1620982" cy="494145"/>
+          </a:xfrm>
+          <a:prstGeom prst="rect">
+            <a:avLst/>
+          </a:prstGeom>
+          <a:ln/>
+        </p:spPr>
+        <p:style>
+          <a:lnRef idx="2">
+            <a:schemeClr val="dk1"/>
+          </a:lnRef>
+          <a:fillRef idx="1">
+            <a:schemeClr val="lt1"/>
+          </a:fillRef>
+          <a:effectRef idx="0">
+            <a:schemeClr val="dk1"/>
+          </a:effectRef>
+          <a:fontRef idx="minor">
+            <a:schemeClr val="dk1"/>
+          </a:fontRef>
+        </p:style>
+        <p:txBody>
+          <a:bodyPr rot="0" spcFirstLastPara="0" vertOverflow="overflow" horzOverflow="overflow" vert="horz" wrap="square" lIns="91440" tIns="45720" rIns="91440" bIns="45720" numCol="1" spcCol="0" rtlCol="0" fromWordArt="0" anchor="ctr" anchorCtr="0" forceAA="0" compatLnSpc="1">
+            <a:prstTxWarp prst="textNoShape">
+              <a:avLst/>
+            </a:prstTxWarp>
+            <a:noAutofit/>
+          </a:bodyPr>
+          <a:lstStyle/>
+          <a:p>
+            <a:pPr algn="ctr"/>
+            <a:r>
+              <a:rPr lang="en-US" dirty="0" smtClean="0">
+                <a:solidFill>
+                  <a:schemeClr val="tx1"/>
+                </a:solidFill>
+              </a:rPr>
+              <a:t>widget</a:t>
+            </a:r>
+            <a:endParaRPr lang="en-US" dirty="0">
+              <a:solidFill>
+                <a:schemeClr val="tx1"/>
+              </a:solidFill>
+            </a:endParaRPr>
+          </a:p>
+        </p:txBody>
+      </p:sp>
+      <p:sp>
+        <p:nvSpPr>
+          <p:cNvPr id="14" name="Rectangle 13"/>
+          <p:cNvSpPr/>
+          <p:nvPr/>
+        </p:nvSpPr>
+        <p:spPr>
+          <a:xfrm>
+            <a:off x="6587837" y="2775671"/>
+            <a:ext cx="1620982" cy="494145"/>
+          </a:xfrm>
+          <a:prstGeom prst="rect">
+            <a:avLst/>
+          </a:prstGeom>
+          <a:ln/>
+        </p:spPr>
+        <p:style>
+          <a:lnRef idx="2">
+            <a:schemeClr val="dk1"/>
+          </a:lnRef>
+          <a:fillRef idx="1">
+            <a:schemeClr val="lt1"/>
+          </a:fillRef>
+          <a:effectRef idx="0">
+            <a:schemeClr val="dk1"/>
+          </a:effectRef>
+          <a:fontRef idx="minor">
+            <a:schemeClr val="dk1"/>
+          </a:fontRef>
+        </p:style>
+        <p:txBody>
+          <a:bodyPr rot="0" spcFirstLastPara="0" vertOverflow="overflow" horzOverflow="overflow" vert="horz" wrap="square" lIns="91440" tIns="45720" rIns="91440" bIns="45720" numCol="1" spcCol="0" rtlCol="0" fromWordArt="0" anchor="ctr" anchorCtr="0" forceAA="0" compatLnSpc="1">
+            <a:prstTxWarp prst="textNoShape">
+              <a:avLst/>
+            </a:prstTxWarp>
+            <a:noAutofit/>
+          </a:bodyPr>
+          <a:lstStyle/>
+          <a:p>
+            <a:pPr algn="ctr"/>
+            <a:r>
+              <a:rPr lang="en-US" dirty="0" smtClean="0">
+                <a:solidFill>
+                  <a:schemeClr val="tx1"/>
+                </a:solidFill>
+              </a:rPr>
+              <a:t>widget</a:t>
+            </a:r>
+            <a:endParaRPr lang="en-US" dirty="0">
+              <a:solidFill>
+                <a:schemeClr val="tx1"/>
+              </a:solidFill>
+            </a:endParaRPr>
+          </a:p>
+        </p:txBody>
+      </p:sp>
+      <p:sp>
+        <p:nvSpPr>
+          <p:cNvPr id="15" name="Rectangle 14"/>
+          <p:cNvSpPr/>
+          <p:nvPr/>
+        </p:nvSpPr>
+        <p:spPr>
+          <a:xfrm>
+            <a:off x="6950364" y="3593089"/>
+            <a:ext cx="1620982" cy="494145"/>
+          </a:xfrm>
+          <a:prstGeom prst="rect">
+            <a:avLst/>
+          </a:prstGeom>
+          <a:ln/>
+        </p:spPr>
+        <p:style>
+          <a:lnRef idx="2">
+            <a:schemeClr val="dk1"/>
+          </a:lnRef>
+          <a:fillRef idx="1">
+            <a:schemeClr val="lt1"/>
+          </a:fillRef>
+          <a:effectRef idx="0">
+            <a:schemeClr val="dk1"/>
+          </a:effectRef>
+          <a:fontRef idx="minor">
+            <a:schemeClr val="dk1"/>
+          </a:fontRef>
+        </p:style>
+        <p:txBody>
+          <a:bodyPr rot="0" spcFirstLastPara="0" vertOverflow="overflow" horzOverflow="overflow" vert="horz" wrap="square" lIns="91440" tIns="45720" rIns="91440" bIns="45720" numCol="1" spcCol="0" rtlCol="0" fromWordArt="0" anchor="ctr" anchorCtr="0" forceAA="0" compatLnSpc="1">
+            <a:prstTxWarp prst="textNoShape">
+              <a:avLst/>
+            </a:prstTxWarp>
+            <a:noAutofit/>
+          </a:bodyPr>
+          <a:lstStyle/>
+          <a:p>
+            <a:pPr algn="ctr"/>
+            <a:r>
+              <a:rPr lang="en-US" dirty="0" smtClean="0">
+                <a:solidFill>
+                  <a:schemeClr val="tx1"/>
+                </a:solidFill>
+              </a:rPr>
+              <a:t>widget</a:t>
+            </a:r>
+            <a:endParaRPr lang="en-US" dirty="0">
+              <a:solidFill>
+                <a:schemeClr val="tx1"/>
+              </a:solidFill>
+            </a:endParaRPr>
+          </a:p>
+        </p:txBody>
+      </p:sp>
+      <p:sp>
+        <p:nvSpPr>
+          <p:cNvPr id="16" name="Rectangle 15"/>
+          <p:cNvSpPr/>
+          <p:nvPr/>
+        </p:nvSpPr>
+        <p:spPr>
+          <a:xfrm>
+            <a:off x="7312892" y="4410508"/>
+            <a:ext cx="1620982" cy="494145"/>
+          </a:xfrm>
+          <a:prstGeom prst="rect">
+            <a:avLst/>
+          </a:prstGeom>
+          <a:ln/>
+        </p:spPr>
+        <p:style>
+          <a:lnRef idx="2">
+            <a:schemeClr val="dk1"/>
+          </a:lnRef>
+          <a:fillRef idx="1">
+            <a:schemeClr val="lt1"/>
+          </a:fillRef>
+          <a:effectRef idx="0">
+            <a:schemeClr val="dk1"/>
+          </a:effectRef>
+          <a:fontRef idx="minor">
+            <a:schemeClr val="dk1"/>
+          </a:fontRef>
+        </p:style>
+        <p:txBody>
+          <a:bodyPr rot="0" spcFirstLastPara="0" vertOverflow="overflow" horzOverflow="overflow" vert="horz" wrap="square" lIns="91440" tIns="45720" rIns="91440" bIns="45720" numCol="1" spcCol="0" rtlCol="0" fromWordArt="0" anchor="ctr" anchorCtr="0" forceAA="0" compatLnSpc="1">
+            <a:prstTxWarp prst="textNoShape">
+              <a:avLst/>
+            </a:prstTxWarp>
+            <a:noAutofit/>
+          </a:bodyPr>
+          <a:lstStyle/>
+          <a:p>
+            <a:pPr algn="ctr"/>
+            <a:r>
+              <a:rPr lang="en-US" dirty="0" smtClean="0">
+                <a:solidFill>
+                  <a:schemeClr val="tx1"/>
+                </a:solidFill>
+              </a:rPr>
+              <a:t>widget</a:t>
+            </a:r>
+            <a:endParaRPr lang="en-US" dirty="0">
+              <a:solidFill>
+                <a:schemeClr val="tx1"/>
+              </a:solidFill>
+            </a:endParaRPr>
+          </a:p>
+        </p:txBody>
+      </p:sp>
+      <p:cxnSp>
+        <p:nvCxnSpPr>
+          <p:cNvPr id="18" name="Straight Arrow Connector 17"/>
+          <p:cNvCxnSpPr>
+            <a:stCxn id="5" idx="3"/>
+          </p:cNvCxnSpPr>
+          <p:nvPr/>
+        </p:nvCxnSpPr>
+        <p:spPr>
+          <a:xfrm flipV="1">
+            <a:off x="2669309" y="2205325"/>
+            <a:ext cx="967509" cy="916566"/>
+          </a:xfrm>
+          <a:prstGeom prst="straightConnector1">
+            <a:avLst/>
+          </a:prstGeom>
+          <a:ln>
+            <a:tailEnd type="triangle"/>
+          </a:ln>
+        </p:spPr>
+        <p:style>
+          <a:lnRef idx="1">
+            <a:schemeClr val="dk1"/>
+          </a:lnRef>
+          <a:fillRef idx="0">
+            <a:schemeClr val="dk1"/>
+          </a:fillRef>
+          <a:effectRef idx="0">
+            <a:schemeClr val="dk1"/>
+          </a:effectRef>
+          <a:fontRef idx="minor">
+            <a:schemeClr val="tx1"/>
+          </a:fontRef>
+        </p:style>
+      </p:cxnSp>
+      <p:cxnSp>
+        <p:nvCxnSpPr>
+          <p:cNvPr id="19" name="Straight Arrow Connector 18"/>
+          <p:cNvCxnSpPr>
+            <a:stCxn id="5" idx="3"/>
+            <a:endCxn id="10" idx="1"/>
+          </p:cNvCxnSpPr>
+          <p:nvPr/>
+        </p:nvCxnSpPr>
+        <p:spPr>
+          <a:xfrm flipV="1">
+            <a:off x="2669309" y="3070027"/>
+            <a:ext cx="967509" cy="51864"/>
+          </a:xfrm>
+          <a:prstGeom prst="straightConnector1">
+            <a:avLst/>
+          </a:prstGeom>
+          <a:ln>
+            <a:tailEnd type="triangle"/>
+          </a:ln>
+        </p:spPr>
+        <p:style>
+          <a:lnRef idx="1">
+            <a:schemeClr val="dk1"/>
+          </a:lnRef>
+          <a:fillRef idx="0">
+            <a:schemeClr val="dk1"/>
+          </a:fillRef>
+          <a:effectRef idx="0">
+            <a:schemeClr val="dk1"/>
+          </a:effectRef>
+          <a:fontRef idx="minor">
+            <a:schemeClr val="tx1"/>
+          </a:fontRef>
+        </p:style>
+      </p:cxnSp>
+      <p:cxnSp>
+        <p:nvCxnSpPr>
+          <p:cNvPr id="20" name="Straight Arrow Connector 19"/>
+          <p:cNvCxnSpPr>
+            <a:stCxn id="5" idx="3"/>
+            <a:endCxn id="11" idx="1"/>
+          </p:cNvCxnSpPr>
+          <p:nvPr/>
+        </p:nvCxnSpPr>
+        <p:spPr>
+          <a:xfrm>
+            <a:off x="2669309" y="3121891"/>
+            <a:ext cx="967509" cy="812836"/>
+          </a:xfrm>
+          <a:prstGeom prst="straightConnector1">
+            <a:avLst/>
+          </a:prstGeom>
+          <a:ln>
+            <a:tailEnd type="triangle"/>
+          </a:ln>
+        </p:spPr>
+        <p:style>
+          <a:lnRef idx="1">
+            <a:schemeClr val="dk1"/>
+          </a:lnRef>
+          <a:fillRef idx="0">
+            <a:schemeClr val="dk1"/>
+          </a:fillRef>
+          <a:effectRef idx="0">
+            <a:schemeClr val="dk1"/>
+          </a:effectRef>
+          <a:fontRef idx="minor">
+            <a:schemeClr val="tx1"/>
+          </a:fontRef>
+        </p:style>
+      </p:cxnSp>
+      <p:cxnSp>
+        <p:nvCxnSpPr>
+          <p:cNvPr id="21" name="Straight Arrow Connector 20"/>
+          <p:cNvCxnSpPr>
+            <a:stCxn id="5" idx="3"/>
+            <a:endCxn id="12" idx="1"/>
+          </p:cNvCxnSpPr>
+          <p:nvPr/>
+        </p:nvCxnSpPr>
+        <p:spPr>
+          <a:xfrm>
+            <a:off x="2669309" y="3121891"/>
+            <a:ext cx="967509" cy="1677536"/>
+          </a:xfrm>
+          <a:prstGeom prst="straightConnector1">
+            <a:avLst/>
+          </a:prstGeom>
+          <a:ln>
+            <a:tailEnd type="triangle"/>
+          </a:ln>
+        </p:spPr>
+        <p:style>
+          <a:lnRef idx="1">
+            <a:schemeClr val="dk1"/>
+          </a:lnRef>
+          <a:fillRef idx="0">
+            <a:schemeClr val="dk1"/>
+          </a:fillRef>
+          <a:effectRef idx="0">
+            <a:schemeClr val="dk1"/>
+          </a:effectRef>
+          <a:fontRef idx="minor">
+            <a:schemeClr val="tx1"/>
+          </a:fontRef>
+        </p:style>
+      </p:cxnSp>
+      <p:cxnSp>
+        <p:nvCxnSpPr>
+          <p:cNvPr id="29" name="Straight Arrow Connector 28"/>
+          <p:cNvCxnSpPr>
+            <a:stCxn id="7" idx="3"/>
+            <a:endCxn id="13" idx="1"/>
+          </p:cNvCxnSpPr>
+          <p:nvPr/>
+        </p:nvCxnSpPr>
+        <p:spPr>
+          <a:xfrm flipV="1">
+            <a:off x="5257800" y="2205326"/>
+            <a:ext cx="967510" cy="1"/>
+          </a:xfrm>
+          <a:prstGeom prst="straightConnector1">
+            <a:avLst/>
+          </a:prstGeom>
+          <a:ln>
+            <a:tailEnd type="triangle"/>
+          </a:ln>
+        </p:spPr>
+        <p:style>
+          <a:lnRef idx="1">
+            <a:schemeClr val="dk1"/>
+          </a:lnRef>
+          <a:fillRef idx="0">
+            <a:schemeClr val="dk1"/>
+          </a:fillRef>
+          <a:effectRef idx="0">
+            <a:schemeClr val="dk1"/>
+          </a:effectRef>
+          <a:fontRef idx="minor">
+            <a:schemeClr val="tx1"/>
+          </a:fontRef>
+        </p:style>
+      </p:cxnSp>
+      <p:cxnSp>
+        <p:nvCxnSpPr>
+          <p:cNvPr id="32" name="Straight Arrow Connector 31"/>
+          <p:cNvCxnSpPr>
+            <a:stCxn id="7" idx="3"/>
+            <a:endCxn id="14" idx="1"/>
+          </p:cNvCxnSpPr>
+          <p:nvPr/>
+        </p:nvCxnSpPr>
+        <p:spPr>
+          <a:xfrm>
+            <a:off x="5257800" y="2205327"/>
+            <a:ext cx="1330037" cy="817417"/>
+          </a:xfrm>
+          <a:prstGeom prst="straightConnector1">
+            <a:avLst/>
+          </a:prstGeom>
+          <a:ln>
+            <a:tailEnd type="triangle"/>
+          </a:ln>
+        </p:spPr>
+        <p:style>
+          <a:lnRef idx="1">
+            <a:schemeClr val="dk1"/>
+          </a:lnRef>
+          <a:fillRef idx="0">
+            <a:schemeClr val="dk1"/>
+          </a:fillRef>
+          <a:effectRef idx="0">
+            <a:schemeClr val="dk1"/>
+          </a:effectRef>
+          <a:fontRef idx="minor">
+            <a:schemeClr val="tx1"/>
+          </a:fontRef>
+        </p:style>
+      </p:cxnSp>
+      <p:cxnSp>
+        <p:nvCxnSpPr>
+          <p:cNvPr id="33" name="Straight Arrow Connector 32"/>
+          <p:cNvCxnSpPr>
+            <a:stCxn id="7" idx="3"/>
+            <a:endCxn id="15" idx="1"/>
+          </p:cNvCxnSpPr>
+          <p:nvPr/>
+        </p:nvCxnSpPr>
+        <p:spPr>
+          <a:xfrm>
+            <a:off x="5257800" y="2205327"/>
+            <a:ext cx="1692564" cy="1634835"/>
+          </a:xfrm>
+          <a:prstGeom prst="straightConnector1">
+            <a:avLst/>
+          </a:prstGeom>
+          <a:ln>
+            <a:tailEnd type="triangle"/>
+          </a:ln>
+        </p:spPr>
+        <p:style>
+          <a:lnRef idx="1">
+            <a:schemeClr val="dk1"/>
+          </a:lnRef>
+          <a:fillRef idx="0">
+            <a:schemeClr val="dk1"/>
+          </a:fillRef>
+          <a:effectRef idx="0">
+            <a:schemeClr val="dk1"/>
+          </a:effectRef>
+          <a:fontRef idx="minor">
+            <a:schemeClr val="tx1"/>
+          </a:fontRef>
+        </p:style>
+      </p:cxnSp>
+      <p:cxnSp>
+        <p:nvCxnSpPr>
+          <p:cNvPr id="34" name="Straight Arrow Connector 33"/>
+          <p:cNvCxnSpPr>
+            <a:stCxn id="7" idx="3"/>
+            <a:endCxn id="16" idx="1"/>
+          </p:cNvCxnSpPr>
+          <p:nvPr/>
+        </p:nvCxnSpPr>
+        <p:spPr>
+          <a:xfrm>
+            <a:off x="5257800" y="2205327"/>
+            <a:ext cx="2055092" cy="2452254"/>
+          </a:xfrm>
+          <a:prstGeom prst="straightConnector1">
+            <a:avLst/>
+          </a:prstGeom>
+          <a:ln>
+            <a:tailEnd type="triangle"/>
+          </a:ln>
+        </p:spPr>
+        <p:style>
+          <a:lnRef idx="1">
+            <a:schemeClr val="dk1"/>
+          </a:lnRef>
+          <a:fillRef idx="0">
+            <a:schemeClr val="dk1"/>
+          </a:fillRef>
+          <a:effectRef idx="0">
+            <a:schemeClr val="dk1"/>
+          </a:effectRef>
+          <a:fontRef idx="minor">
+            <a:schemeClr val="tx1"/>
+          </a:fontRef>
+        </p:style>
+      </p:cxnSp>
+      <p:cxnSp>
+        <p:nvCxnSpPr>
+          <p:cNvPr id="46" name="Straight Arrow Connector 45"/>
+          <p:cNvCxnSpPr>
+            <a:stCxn id="10" idx="3"/>
+            <a:endCxn id="13" idx="1"/>
+          </p:cNvCxnSpPr>
+          <p:nvPr/>
+        </p:nvCxnSpPr>
+        <p:spPr>
+          <a:xfrm flipV="1">
+            <a:off x="5257800" y="2205326"/>
+            <a:ext cx="967510" cy="864701"/>
+          </a:xfrm>
+          <a:prstGeom prst="straightConnector1">
+            <a:avLst/>
+          </a:prstGeom>
+          <a:ln>
+            <a:tailEnd type="triangle"/>
+          </a:ln>
+        </p:spPr>
+        <p:style>
+          <a:lnRef idx="1">
+            <a:schemeClr val="dk1"/>
+          </a:lnRef>
+          <a:fillRef idx="0">
+            <a:schemeClr val="dk1"/>
+          </a:fillRef>
+          <a:effectRef idx="0">
+            <a:schemeClr val="dk1"/>
+          </a:effectRef>
+          <a:fontRef idx="minor">
+            <a:schemeClr val="tx1"/>
+          </a:fontRef>
+        </p:style>
+      </p:cxnSp>
+      <p:cxnSp>
+        <p:nvCxnSpPr>
+          <p:cNvPr id="47" name="Straight Arrow Connector 46"/>
+          <p:cNvCxnSpPr>
+            <a:stCxn id="10" idx="3"/>
+            <a:endCxn id="14" idx="1"/>
+          </p:cNvCxnSpPr>
+          <p:nvPr/>
+        </p:nvCxnSpPr>
+        <p:spPr>
+          <a:xfrm flipV="1">
+            <a:off x="5257800" y="3022744"/>
+            <a:ext cx="1330037" cy="47283"/>
+          </a:xfrm>
+          <a:prstGeom prst="straightConnector1">
+            <a:avLst/>
+          </a:prstGeom>
+          <a:ln>
+            <a:tailEnd type="triangle"/>
+          </a:ln>
+        </p:spPr>
+        <p:style>
+          <a:lnRef idx="1">
+            <a:schemeClr val="dk1"/>
+          </a:lnRef>
+          <a:fillRef idx="0">
+            <a:schemeClr val="dk1"/>
+          </a:fillRef>
+          <a:effectRef idx="0">
+            <a:schemeClr val="dk1"/>
+          </a:effectRef>
+          <a:fontRef idx="minor">
+            <a:schemeClr val="tx1"/>
+          </a:fontRef>
+        </p:style>
+      </p:cxnSp>
+      <p:cxnSp>
+        <p:nvCxnSpPr>
+          <p:cNvPr id="48" name="Straight Arrow Connector 47"/>
+          <p:cNvCxnSpPr>
+            <a:stCxn id="10" idx="3"/>
+            <a:endCxn id="15" idx="1"/>
+          </p:cNvCxnSpPr>
+          <p:nvPr/>
+        </p:nvCxnSpPr>
+        <p:spPr>
+          <a:xfrm>
+            <a:off x="5257800" y="3070027"/>
+            <a:ext cx="1692564" cy="770135"/>
+          </a:xfrm>
+          <a:prstGeom prst="straightConnector1">
+            <a:avLst/>
+          </a:prstGeom>
+          <a:ln>
+            <a:tailEnd type="triangle"/>
+          </a:ln>
+        </p:spPr>
+        <p:style>
+          <a:lnRef idx="1">
+            <a:schemeClr val="dk1"/>
+          </a:lnRef>
+          <a:fillRef idx="0">
+            <a:schemeClr val="dk1"/>
+          </a:fillRef>
+          <a:effectRef idx="0">
+            <a:schemeClr val="dk1"/>
+          </a:effectRef>
+          <a:fontRef idx="minor">
+            <a:schemeClr val="tx1"/>
+          </a:fontRef>
+        </p:style>
+      </p:cxnSp>
+      <p:cxnSp>
+        <p:nvCxnSpPr>
+          <p:cNvPr id="49" name="Straight Arrow Connector 48"/>
+          <p:cNvCxnSpPr>
+            <a:stCxn id="10" idx="3"/>
+            <a:endCxn id="16" idx="1"/>
+          </p:cNvCxnSpPr>
+          <p:nvPr/>
+        </p:nvCxnSpPr>
+        <p:spPr>
+          <a:xfrm>
+            <a:off x="5257800" y="3070027"/>
+            <a:ext cx="2055092" cy="1587554"/>
+          </a:xfrm>
+          <a:prstGeom prst="straightConnector1">
+            <a:avLst/>
+          </a:prstGeom>
+          <a:ln>
+            <a:tailEnd type="triangle"/>
+          </a:ln>
+        </p:spPr>
+        <p:style>
+          <a:lnRef idx="1">
+            <a:schemeClr val="dk1"/>
+          </a:lnRef>
+          <a:fillRef idx="0">
+            <a:schemeClr val="dk1"/>
+          </a:fillRef>
+          <a:effectRef idx="0">
+            <a:schemeClr val="dk1"/>
+          </a:effectRef>
+          <a:fontRef idx="minor">
+            <a:schemeClr val="tx1"/>
+          </a:fontRef>
+        </p:style>
+      </p:cxnSp>
+      <p:sp>
+        <p:nvSpPr>
+          <p:cNvPr id="59" name="TextBox 58"/>
+          <p:cNvSpPr txBox="1"/>
+          <p:nvPr/>
+        </p:nvSpPr>
+        <p:spPr>
+          <a:xfrm>
+            <a:off x="2059350" y="5566883"/>
+            <a:ext cx="1381734" cy="646331"/>
+          </a:xfrm>
+          <a:prstGeom prst="rect">
+            <a:avLst/>
+          </a:prstGeom>
+          <a:noFill/>
+        </p:spPr>
+        <p:txBody>
+          <a:bodyPr wrap="square" rtlCol="0">
+            <a:spAutoFit/>
+          </a:bodyPr>
+          <a:lstStyle/>
+          <a:p>
+            <a:pPr algn="ctr"/>
+            <a:r>
+              <a:rPr lang="en-US" dirty="0" smtClean="0"/>
+              <a:t>function</a:t>
+            </a:r>
+          </a:p>
+          <a:p>
+            <a:pPr algn="ctr"/>
+            <a:r>
+              <a:rPr lang="en-US" dirty="0" smtClean="0"/>
               <a:t>calls</a:t>
             </a:r>
-            <a:endParaRPr lang="en-US" sz="1200" dirty="0"/>
+            <a:endParaRPr lang="en-US" dirty="0"/>
           </a:p>
         </p:txBody>
       </p:sp>
@@ -13707,6 +17528,128 @@
           </a:p>
         </p:txBody>
       </p:sp>
+      <p:cxnSp>
+        <p:nvCxnSpPr>
+          <p:cNvPr id="8" name="Straight Arrow Connector 7"/>
+          <p:cNvCxnSpPr>
+            <a:stCxn id="59" idx="0"/>
+          </p:cNvCxnSpPr>
+          <p:nvPr/>
+        </p:nvCxnSpPr>
+        <p:spPr>
+          <a:xfrm flipV="1">
+            <a:off x="2750217" y="3909578"/>
+            <a:ext cx="211539" cy="1657305"/>
+          </a:xfrm>
+          <a:prstGeom prst="straightConnector1">
+            <a:avLst/>
+          </a:prstGeom>
+          <a:ln>
+            <a:tailEnd type="triangle"/>
+          </a:ln>
+        </p:spPr>
+        <p:style>
+          <a:lnRef idx="1">
+            <a:schemeClr val="accent1"/>
+          </a:lnRef>
+          <a:fillRef idx="0">
+            <a:schemeClr val="accent1"/>
+          </a:fillRef>
+          <a:effectRef idx="0">
+            <a:schemeClr val="accent1"/>
+          </a:effectRef>
+          <a:fontRef idx="minor">
+            <a:schemeClr val="tx1"/>
+          </a:fontRef>
+        </p:style>
+      </p:cxnSp>
+      <p:sp>
+        <p:nvSpPr>
+          <p:cNvPr id="35" name="Wave 34"/>
+          <p:cNvSpPr/>
+          <p:nvPr/>
+        </p:nvSpPr>
+        <p:spPr>
+          <a:xfrm rot="5400000">
+            <a:off x="4012862" y="3335828"/>
+            <a:ext cx="3825918" cy="311033"/>
+          </a:xfrm>
+          <a:prstGeom prst="wave">
+            <a:avLst/>
+          </a:prstGeom>
+          <a:solidFill>
+            <a:srgbClr val="FAFCA6"/>
+          </a:solidFill>
+          <a:ln/>
+        </p:spPr>
+        <p:style>
+          <a:lnRef idx="2">
+            <a:schemeClr val="accent1"/>
+          </a:lnRef>
+          <a:fillRef idx="1">
+            <a:schemeClr val="lt1"/>
+          </a:fillRef>
+          <a:effectRef idx="0">
+            <a:schemeClr val="accent1"/>
+          </a:effectRef>
+          <a:fontRef idx="minor">
+            <a:schemeClr val="dk1"/>
+          </a:fontRef>
+        </p:style>
+        <p:txBody>
+          <a:bodyPr rot="0" spcFirstLastPara="0" vertOverflow="overflow" horzOverflow="overflow" vert="horz" wrap="square" lIns="91440" tIns="45720" rIns="91440" bIns="45720" numCol="1" spcCol="0" rtlCol="0" fromWordArt="0" anchor="ctr" anchorCtr="0" forceAA="0" compatLnSpc="1">
+            <a:prstTxWarp prst="textNoShape">
+              <a:avLst/>
+            </a:prstTxWarp>
+            <a:noAutofit/>
+          </a:bodyPr>
+          <a:lstStyle/>
+          <a:p>
+            <a:pPr algn="ctr"/>
+            <a:endParaRPr lang="en-US" dirty="0">
+              <a:solidFill>
+                <a:schemeClr val="tx1"/>
+              </a:solidFill>
+            </a:endParaRPr>
+          </a:p>
+        </p:txBody>
+      </p:sp>
+      <p:cxnSp>
+        <p:nvCxnSpPr>
+          <p:cNvPr id="25" name="Straight Arrow Connector 24"/>
+          <p:cNvCxnSpPr>
+            <a:stCxn id="36" idx="0"/>
+            <a:endCxn id="35" idx="3"/>
+          </p:cNvCxnSpPr>
+          <p:nvPr/>
+        </p:nvCxnSpPr>
+        <p:spPr>
+          <a:xfrm flipV="1">
+            <a:off x="5922818" y="5404304"/>
+            <a:ext cx="3003" cy="290394"/>
+          </a:xfrm>
+          <a:prstGeom prst="straightConnector1">
+            <a:avLst/>
+          </a:prstGeom>
+          <a:ln>
+            <a:tailEnd type="triangle"/>
+          </a:ln>
+        </p:spPr>
+        <p:style>
+          <a:lnRef idx="1">
+            <a:schemeClr val="accent1"/>
+          </a:lnRef>
+          <a:fillRef idx="0">
+            <a:schemeClr val="accent1"/>
+          </a:fillRef>
+          <a:effectRef idx="0">
+            <a:schemeClr val="accent1"/>
+          </a:effectRef>
+          <a:fontRef idx="minor">
+            <a:schemeClr val="tx1"/>
+          </a:fontRef>
+        </p:style>
+      </p:cxnSp>
     </p:spTree>
     <p:extLst>
       <p:ext uri="{BB962C8B-B14F-4D97-AF65-F5344CB8AC3E}">
@@ -13779,19 +17722,7 @@
           <a:p>
             <a:r>
               <a:rPr lang="en-US" dirty="0" smtClean="0"/>
-              <a:t>Our </a:t>
-            </a:r>
-            <a:r>
-              <a:rPr lang="en-US" dirty="0" smtClean="0"/>
-              <a:t>big-bang </a:t>
-            </a:r>
-            <a:r>
-              <a:rPr lang="en-US" dirty="0" smtClean="0"/>
-              <a:t>functions </a:t>
-            </a:r>
-            <a:r>
-              <a:rPr lang="en-US" dirty="0" smtClean="0"/>
-              <a:t>will send each widget the appropriate message at each event.</a:t>
+              <a:t>Our big-bang functions will send each widget the appropriate message at each event.</a:t>
             </a:r>
           </a:p>
           <a:p>
@@ -13816,11 +17747,7 @@
             </a:r>
             <a:r>
               <a:rPr lang="en-US" dirty="0" smtClean="0"/>
-              <a:t> </a:t>
-            </a:r>
-            <a:r>
-              <a:rPr lang="en-US" dirty="0" smtClean="0"/>
-              <a:t>after a tick    </a:t>
+              <a:t> after a tick    </a:t>
             </a:r>
           </a:p>
           <a:p>
@@ -13847,17 +17774,8 @@
             </a:r>
             <a:r>
               <a:rPr lang="en-US" dirty="0" smtClean="0"/>
-              <a:t> </a:t>
-            </a:r>
-            <a:r>
-              <a:rPr lang="en-US" dirty="0" smtClean="0"/>
-              <a:t>after </a:t>
-            </a:r>
-            <a:r>
-              <a:rPr lang="en-US" dirty="0" smtClean="0"/>
-              <a:t>the given key event</a:t>
-            </a:r>
-            <a:endParaRPr lang="en-US" dirty="0" smtClean="0"/>
+              <a:t> after the given key event</a:t>
+            </a:r>
           </a:p>
           <a:p>
             <a:pPr lvl="1"/>
@@ -14091,7 +18009,12 @@
             <p:ph idx="1"/>
           </p:nvPr>
         </p:nvSpPr>
-        <p:spPr/>
+        <p:spPr>
+          <a:xfrm>
+            <a:off x="457200" y="1624012"/>
+            <a:ext cx="8686800" cy="4525963"/>
+          </a:xfrm>
+        </p:spPr>
         <p:txBody>
           <a:bodyPr>
             <a:normAutofit/>
@@ -14100,11 +18023,7 @@
           <a:p>
             <a:r>
               <a:rPr lang="en-US" dirty="0" smtClean="0"/>
-              <a:t>We </a:t>
-            </a:r>
-            <a:r>
-              <a:rPr lang="en-US" dirty="0" smtClean="0"/>
-              <a:t>wrote a bunch of things like</a:t>
+              <a:t>We wrote a bunch of things like</a:t>
             </a:r>
           </a:p>
           <a:p>
@@ -14197,42 +18116,33 @@
               </a:rPr>
               <a:t> "button-down") </a:t>
             </a:r>
-            <a:endParaRPr lang="en-US" sz="1800" b="1" dirty="0" smtClean="0">
-              <a:latin typeface="Consolas" panose="020B0609020204030204" pitchFamily="49" charset="0"/>
-              <a:cs typeface="Consolas" panose="020B0609020204030204" pitchFamily="49" charset="0"/>
-            </a:endParaRPr>
-          </a:p>
-          <a:p>
-            <a:pPr marL="0" indent="0">
-              <a:buNone/>
-            </a:pPr>
+            <a:r>
+              <a:rPr lang="en-US" sz="1800" b="1" dirty="0" smtClean="0">
+                <a:latin typeface="Consolas" panose="020B0609020204030204" pitchFamily="49" charset="0"/>
+                <a:cs typeface="Consolas" panose="020B0609020204030204" pitchFamily="49" charset="0"/>
+              </a:rPr>
+              <a:t>(</a:t>
+            </a:r>
+            <a:r>
+              <a:rPr lang="en-US" sz="1800" b="1" dirty="0" err="1" smtClean="0">
+                <a:latin typeface="Consolas" panose="020B0609020204030204" pitchFamily="49" charset="0"/>
+                <a:cs typeface="Consolas" panose="020B0609020204030204" pitchFamily="49" charset="0"/>
+              </a:rPr>
+              <a:t>rect</a:t>
+            </a:r>
+            <a:r>
+              <a:rPr lang="en-US" sz="1800" b="1" dirty="0" smtClean="0">
+                <a:latin typeface="Consolas" panose="020B0609020204030204" pitchFamily="49" charset="0"/>
+                <a:cs typeface="Consolas" panose="020B0609020204030204" pitchFamily="49" charset="0"/>
+              </a:rPr>
+              <a:t>-after-button-down </a:t>
+            </a:r>
             <a:r>
               <a:rPr lang="en-US" sz="1800" b="1" dirty="0">
                 <a:latin typeface="Consolas" panose="020B0609020204030204" pitchFamily="49" charset="0"/>
                 <a:cs typeface="Consolas" panose="020B0609020204030204" pitchFamily="49" charset="0"/>
               </a:rPr>
-              <a:t> </a:t>
-            </a:r>
-            <a:r>
-              <a:rPr lang="en-US" sz="1800" b="1" dirty="0" smtClean="0">
-                <a:latin typeface="Consolas" panose="020B0609020204030204" pitchFamily="49" charset="0"/>
-                <a:cs typeface="Consolas" panose="020B0609020204030204" pitchFamily="49" charset="0"/>
-              </a:rPr>
-              <a:t>    (</a:t>
-            </a:r>
-            <a:r>
-              <a:rPr lang="en-US" sz="1800" b="1" dirty="0" err="1">
-                <a:latin typeface="Consolas" panose="020B0609020204030204" pitchFamily="49" charset="0"/>
-                <a:cs typeface="Consolas" panose="020B0609020204030204" pitchFamily="49" charset="0"/>
-              </a:rPr>
-              <a:t>rect</a:t>
-            </a:r>
-            <a:r>
-              <a:rPr lang="en-US" sz="1800" b="1" dirty="0">
-                <a:latin typeface="Consolas" panose="020B0609020204030204" pitchFamily="49" charset="0"/>
-                <a:cs typeface="Consolas" panose="020B0609020204030204" pitchFamily="49" charset="0"/>
-              </a:rPr>
-              <a:t>-after-button-down r mx my)]</a:t>
+              <a:t>r mx my)]</a:t>
             </a:r>
           </a:p>
           <a:p>
